--- a/Presentations/Machine Learning in the Milieu.pptx
+++ b/Presentations/Machine Learning in the Milieu.pptx
@@ -5285,7 +5285,7 @@
           <a:p>
             <a:r>
               <a:rPr lang="en-US" dirty="0"/>
-              <a:t>Predicting Genre from the Text</a:t>
+              <a:t>Predicting Genre from Text</a:t>
             </a:r>
           </a:p>
         </p:txBody>

--- a/Presentations/Machine Learning in the Milieu.pptx
+++ b/Presentations/Machine Learning in the Milieu.pptx
@@ -5,20 +5,25 @@
     <p:sldMasterId id="2147483660" r:id="rId1"/>
   </p:sldMasterIdLst>
   <p:notesMasterIdLst>
-    <p:notesMasterId r:id="rId10"/>
+    <p:notesMasterId r:id="rId15"/>
   </p:notesMasterIdLst>
   <p:handoutMasterIdLst>
-    <p:handoutMasterId r:id="rId11"/>
+    <p:handoutMasterId r:id="rId16"/>
   </p:handoutMasterIdLst>
   <p:sldIdLst>
     <p:sldId id="264" r:id="rId2"/>
     <p:sldId id="282" r:id="rId3"/>
     <p:sldId id="283" r:id="rId4"/>
-    <p:sldId id="284" r:id="rId5"/>
-    <p:sldId id="285" r:id="rId6"/>
-    <p:sldId id="286" r:id="rId7"/>
-    <p:sldId id="288" r:id="rId8"/>
-    <p:sldId id="289" r:id="rId9"/>
+    <p:sldId id="296" r:id="rId5"/>
+    <p:sldId id="284" r:id="rId6"/>
+    <p:sldId id="285" r:id="rId7"/>
+    <p:sldId id="294" r:id="rId8"/>
+    <p:sldId id="295" r:id="rId9"/>
+    <p:sldId id="292" r:id="rId10"/>
+    <p:sldId id="286" r:id="rId11"/>
+    <p:sldId id="293" r:id="rId12"/>
+    <p:sldId id="288" r:id="rId13"/>
+    <p:sldId id="289" r:id="rId14"/>
   </p:sldIdLst>
   <p:sldSz cx="12188825" cy="6858000"/>
   <p:notesSz cx="6858000" cy="9144000"/>
@@ -150,989 +155,6 @@
 </p:presentation>
 </file>
 
-<file path=ppt/charts/chart1.xml><?xml version="1.0" encoding="utf-8"?>
-<c:chartSpace xmlns:c="http://schemas.openxmlformats.org/drawingml/2006/chart" xmlns:a="http://schemas.openxmlformats.org/drawingml/2006/main" xmlns:r="http://schemas.openxmlformats.org/officeDocument/2006/relationships" xmlns:c16r2="http://schemas.microsoft.com/office/drawing/2015/06/chart">
-  <c:date1904 val="0"/>
-  <c:lang val="en-US"/>
-  <c:roundedCorners val="0"/>
-  <mc:AlternateContent xmlns:mc="http://schemas.openxmlformats.org/markup-compatibility/2006">
-    <mc:Choice xmlns:c14="http://schemas.microsoft.com/office/drawing/2007/8/2/chart" Requires="c14">
-      <c14:style val="102"/>
-    </mc:Choice>
-    <mc:Fallback>
-      <c:style val="2"/>
-    </mc:Fallback>
-  </mc:AlternateContent>
-  <c:chart>
-    <c:autoTitleDeleted val="1"/>
-    <c:plotArea>
-      <c:layout/>
-      <c:lineChart>
-        <c:grouping val="standard"/>
-        <c:varyColors val="0"/>
-        <c:ser>
-          <c:idx val="0"/>
-          <c:order val="0"/>
-          <c:tx>
-            <c:strRef>
-              <c:f>Sheet1!$B$1</c:f>
-              <c:strCache>
-                <c:ptCount val="1"/>
-                <c:pt idx="0">
-                  <c:v>Series 1</c:v>
-                </c:pt>
-              </c:strCache>
-            </c:strRef>
-          </c:tx>
-          <c:spPr>
-            <a:ln w="28575" cap="rnd">
-              <a:solidFill>
-                <a:schemeClr val="accent1"/>
-              </a:solidFill>
-              <a:round/>
-            </a:ln>
-            <a:effectLst/>
-          </c:spPr>
-          <c:marker>
-            <c:symbol val="none"/>
-          </c:marker>
-          <c:cat>
-            <c:strRef>
-              <c:f>Sheet1!$A$2:$A$5</c:f>
-              <c:strCache>
-                <c:ptCount val="4"/>
-                <c:pt idx="0">
-                  <c:v>Category 1</c:v>
-                </c:pt>
-                <c:pt idx="1">
-                  <c:v>Category 2</c:v>
-                </c:pt>
-                <c:pt idx="2">
-                  <c:v>Category 3</c:v>
-                </c:pt>
-                <c:pt idx="3">
-                  <c:v>Category 4</c:v>
-                </c:pt>
-              </c:strCache>
-            </c:strRef>
-          </c:cat>
-          <c:val>
-            <c:numRef>
-              <c:f>Sheet1!$B$2:$B$5</c:f>
-              <c:numCache>
-                <c:formatCode>General</c:formatCode>
-                <c:ptCount val="4"/>
-                <c:pt idx="0">
-                  <c:v>4.3</c:v>
-                </c:pt>
-                <c:pt idx="1">
-                  <c:v>2.5</c:v>
-                </c:pt>
-                <c:pt idx="2">
-                  <c:v>3.5</c:v>
-                </c:pt>
-                <c:pt idx="3">
-                  <c:v>4.5</c:v>
-                </c:pt>
-              </c:numCache>
-            </c:numRef>
-          </c:val>
-          <c:smooth val="0"/>
-          <c:extLst>
-            <c:ext xmlns:c16="http://schemas.microsoft.com/office/drawing/2014/chart" uri="{C3380CC4-5D6E-409C-BE32-E72D297353CC}">
-              <c16:uniqueId val="{00000000-0C26-4845-BC02-2AD260144DF3}"/>
-            </c:ext>
-          </c:extLst>
-        </c:ser>
-        <c:ser>
-          <c:idx val="1"/>
-          <c:order val="1"/>
-          <c:tx>
-            <c:strRef>
-              <c:f>Sheet1!$C$1</c:f>
-              <c:strCache>
-                <c:ptCount val="1"/>
-                <c:pt idx="0">
-                  <c:v>Series 2</c:v>
-                </c:pt>
-              </c:strCache>
-            </c:strRef>
-          </c:tx>
-          <c:spPr>
-            <a:ln w="28575" cap="rnd">
-              <a:solidFill>
-                <a:schemeClr val="accent2"/>
-              </a:solidFill>
-              <a:round/>
-            </a:ln>
-            <a:effectLst/>
-          </c:spPr>
-          <c:marker>
-            <c:symbol val="none"/>
-          </c:marker>
-          <c:cat>
-            <c:strRef>
-              <c:f>Sheet1!$A$2:$A$5</c:f>
-              <c:strCache>
-                <c:ptCount val="4"/>
-                <c:pt idx="0">
-                  <c:v>Category 1</c:v>
-                </c:pt>
-                <c:pt idx="1">
-                  <c:v>Category 2</c:v>
-                </c:pt>
-                <c:pt idx="2">
-                  <c:v>Category 3</c:v>
-                </c:pt>
-                <c:pt idx="3">
-                  <c:v>Category 4</c:v>
-                </c:pt>
-              </c:strCache>
-            </c:strRef>
-          </c:cat>
-          <c:val>
-            <c:numRef>
-              <c:f>Sheet1!$C$2:$C$5</c:f>
-              <c:numCache>
-                <c:formatCode>General</c:formatCode>
-                <c:ptCount val="4"/>
-                <c:pt idx="0">
-                  <c:v>2.4</c:v>
-                </c:pt>
-                <c:pt idx="1">
-                  <c:v>4.4000000000000004</c:v>
-                </c:pt>
-                <c:pt idx="2">
-                  <c:v>1.8</c:v>
-                </c:pt>
-                <c:pt idx="3">
-                  <c:v>2.8</c:v>
-                </c:pt>
-              </c:numCache>
-            </c:numRef>
-          </c:val>
-          <c:smooth val="0"/>
-          <c:extLst>
-            <c:ext xmlns:c16="http://schemas.microsoft.com/office/drawing/2014/chart" uri="{C3380CC4-5D6E-409C-BE32-E72D297353CC}">
-              <c16:uniqueId val="{00000001-0C26-4845-BC02-2AD260144DF3}"/>
-            </c:ext>
-          </c:extLst>
-        </c:ser>
-        <c:ser>
-          <c:idx val="2"/>
-          <c:order val="2"/>
-          <c:tx>
-            <c:strRef>
-              <c:f>Sheet1!$D$1</c:f>
-              <c:strCache>
-                <c:ptCount val="1"/>
-                <c:pt idx="0">
-                  <c:v>Series 3</c:v>
-                </c:pt>
-              </c:strCache>
-            </c:strRef>
-          </c:tx>
-          <c:spPr>
-            <a:ln w="28575" cap="rnd">
-              <a:solidFill>
-                <a:schemeClr val="accent3"/>
-              </a:solidFill>
-              <a:round/>
-            </a:ln>
-            <a:effectLst/>
-          </c:spPr>
-          <c:marker>
-            <c:symbol val="none"/>
-          </c:marker>
-          <c:cat>
-            <c:strRef>
-              <c:f>Sheet1!$A$2:$A$5</c:f>
-              <c:strCache>
-                <c:ptCount val="4"/>
-                <c:pt idx="0">
-                  <c:v>Category 1</c:v>
-                </c:pt>
-                <c:pt idx="1">
-                  <c:v>Category 2</c:v>
-                </c:pt>
-                <c:pt idx="2">
-                  <c:v>Category 3</c:v>
-                </c:pt>
-                <c:pt idx="3">
-                  <c:v>Category 4</c:v>
-                </c:pt>
-              </c:strCache>
-            </c:strRef>
-          </c:cat>
-          <c:val>
-            <c:numRef>
-              <c:f>Sheet1!$D$2:$D$5</c:f>
-              <c:numCache>
-                <c:formatCode>General</c:formatCode>
-                <c:ptCount val="4"/>
-                <c:pt idx="0">
-                  <c:v>2</c:v>
-                </c:pt>
-                <c:pt idx="1">
-                  <c:v>2</c:v>
-                </c:pt>
-                <c:pt idx="2">
-                  <c:v>3</c:v>
-                </c:pt>
-                <c:pt idx="3">
-                  <c:v>5</c:v>
-                </c:pt>
-              </c:numCache>
-            </c:numRef>
-          </c:val>
-          <c:smooth val="0"/>
-          <c:extLst>
-            <c:ext xmlns:c16="http://schemas.microsoft.com/office/drawing/2014/chart" uri="{C3380CC4-5D6E-409C-BE32-E72D297353CC}">
-              <c16:uniqueId val="{00000002-0C26-4845-BC02-2AD260144DF3}"/>
-            </c:ext>
-          </c:extLst>
-        </c:ser>
-        <c:dLbls>
-          <c:showLegendKey val="0"/>
-          <c:showVal val="0"/>
-          <c:showCatName val="0"/>
-          <c:showSerName val="0"/>
-          <c:showPercent val="0"/>
-          <c:showBubbleSize val="0"/>
-        </c:dLbls>
-        <c:smooth val="0"/>
-        <c:axId val="603891256"/>
-        <c:axId val="603890080"/>
-      </c:lineChart>
-      <c:catAx>
-        <c:axId val="603891256"/>
-        <c:scaling>
-          <c:orientation val="minMax"/>
-        </c:scaling>
-        <c:delete val="0"/>
-        <c:axPos val="b"/>
-        <c:numFmt formatCode="General" sourceLinked="1"/>
-        <c:majorTickMark val="none"/>
-        <c:minorTickMark val="none"/>
-        <c:tickLblPos val="nextTo"/>
-        <c:spPr>
-          <a:noFill/>
-          <a:ln w="9525" cap="flat" cmpd="sng" algn="ctr">
-            <a:solidFill>
-              <a:schemeClr val="tx1">
-                <a:lumMod val="15000"/>
-                <a:lumOff val="85000"/>
-              </a:schemeClr>
-            </a:solidFill>
-            <a:round/>
-          </a:ln>
-          <a:effectLst/>
-        </c:spPr>
-        <c:txPr>
-          <a:bodyPr rot="-60000000" spcFirstLastPara="1" vertOverflow="ellipsis" vert="horz" wrap="square" anchor="ctr" anchorCtr="1"/>
-          <a:lstStyle/>
-          <a:p>
-            <a:pPr>
-              <a:defRPr sz="1197" b="0" i="0" u="none" strike="noStrike" kern="1200" baseline="0">
-                <a:solidFill>
-                  <a:schemeClr val="tx1">
-                    <a:lumMod val="65000"/>
-                    <a:lumOff val="35000"/>
-                  </a:schemeClr>
-                </a:solidFill>
-                <a:latin typeface="+mn-lt"/>
-                <a:ea typeface="+mn-ea"/>
-                <a:cs typeface="+mn-cs"/>
-              </a:defRPr>
-            </a:pPr>
-            <a:endParaRPr lang="en-US"/>
-          </a:p>
-        </c:txPr>
-        <c:crossAx val="603890080"/>
-        <c:crosses val="autoZero"/>
-        <c:auto val="1"/>
-        <c:lblAlgn val="ctr"/>
-        <c:lblOffset val="100"/>
-        <c:noMultiLvlLbl val="0"/>
-      </c:catAx>
-      <c:valAx>
-        <c:axId val="603890080"/>
-        <c:scaling>
-          <c:orientation val="minMax"/>
-        </c:scaling>
-        <c:delete val="0"/>
-        <c:axPos val="l"/>
-        <c:majorGridlines>
-          <c:spPr>
-            <a:ln w="9525" cap="flat" cmpd="sng" algn="ctr">
-              <a:solidFill>
-                <a:schemeClr val="tx1">
-                  <a:lumMod val="15000"/>
-                  <a:lumOff val="85000"/>
-                </a:schemeClr>
-              </a:solidFill>
-              <a:round/>
-            </a:ln>
-            <a:effectLst/>
-          </c:spPr>
-        </c:majorGridlines>
-        <c:numFmt formatCode="General" sourceLinked="1"/>
-        <c:majorTickMark val="none"/>
-        <c:minorTickMark val="none"/>
-        <c:tickLblPos val="nextTo"/>
-        <c:spPr>
-          <a:noFill/>
-          <a:ln>
-            <a:noFill/>
-          </a:ln>
-          <a:effectLst/>
-        </c:spPr>
-        <c:txPr>
-          <a:bodyPr rot="-60000000" spcFirstLastPara="1" vertOverflow="ellipsis" vert="horz" wrap="square" anchor="ctr" anchorCtr="1"/>
-          <a:lstStyle/>
-          <a:p>
-            <a:pPr>
-              <a:defRPr sz="1197" b="0" i="0" u="none" strike="noStrike" kern="1200" baseline="0">
-                <a:solidFill>
-                  <a:schemeClr val="tx1">
-                    <a:lumMod val="65000"/>
-                    <a:lumOff val="35000"/>
-                  </a:schemeClr>
-                </a:solidFill>
-                <a:latin typeface="+mn-lt"/>
-                <a:ea typeface="+mn-ea"/>
-                <a:cs typeface="+mn-cs"/>
-              </a:defRPr>
-            </a:pPr>
-            <a:endParaRPr lang="en-US"/>
-          </a:p>
-        </c:txPr>
-        <c:crossAx val="603891256"/>
-        <c:crosses val="autoZero"/>
-        <c:crossBetween val="between"/>
-      </c:valAx>
-      <c:spPr>
-        <a:noFill/>
-        <a:ln>
-          <a:noFill/>
-        </a:ln>
-        <a:effectLst/>
-      </c:spPr>
-    </c:plotArea>
-    <c:legend>
-      <c:legendPos val="b"/>
-      <c:overlay val="0"/>
-      <c:spPr>
-        <a:noFill/>
-        <a:ln>
-          <a:noFill/>
-        </a:ln>
-        <a:effectLst/>
-      </c:spPr>
-      <c:txPr>
-        <a:bodyPr rot="0" spcFirstLastPara="1" vertOverflow="ellipsis" vert="horz" wrap="square" anchor="ctr" anchorCtr="1"/>
-        <a:lstStyle/>
-        <a:p>
-          <a:pPr>
-            <a:defRPr sz="1197" b="0" i="0" u="none" strike="noStrike" kern="1200" baseline="0">
-              <a:solidFill>
-                <a:schemeClr val="tx1">
-                  <a:lumMod val="65000"/>
-                  <a:lumOff val="35000"/>
-                </a:schemeClr>
-              </a:solidFill>
-              <a:latin typeface="+mn-lt"/>
-              <a:ea typeface="+mn-ea"/>
-              <a:cs typeface="+mn-cs"/>
-            </a:defRPr>
-          </a:pPr>
-          <a:endParaRPr lang="en-US"/>
-        </a:p>
-      </c:txPr>
-    </c:legend>
-    <c:plotVisOnly val="1"/>
-    <c:dispBlanksAs val="gap"/>
-    <c:showDLblsOverMax val="0"/>
-  </c:chart>
-  <c:spPr>
-    <a:noFill/>
-    <a:ln>
-      <a:noFill/>
-    </a:ln>
-    <a:effectLst/>
-  </c:spPr>
-  <c:txPr>
-    <a:bodyPr/>
-    <a:lstStyle/>
-    <a:p>
-      <a:pPr>
-        <a:defRPr/>
-      </a:pPr>
-      <a:endParaRPr lang="en-US"/>
-    </a:p>
-  </c:txPr>
-  <c:externalData r:id="rId3">
-    <c:autoUpdate val="0"/>
-  </c:externalData>
-</c:chartSpace>
-</file>
-
-<file path=ppt/charts/colors1.xml><?xml version="1.0" encoding="utf-8"?>
-<cs:colorStyle xmlns:cs="http://schemas.microsoft.com/office/drawing/2012/chartStyle" xmlns:a="http://schemas.openxmlformats.org/drawingml/2006/main" meth="cycle" id="10">
-  <a:schemeClr val="accent1"/>
-  <a:schemeClr val="accent2"/>
-  <a:schemeClr val="accent3"/>
-  <a:schemeClr val="accent4"/>
-  <a:schemeClr val="accent5"/>
-  <a:schemeClr val="accent6"/>
-  <cs:variation/>
-  <cs:variation>
-    <a:lumMod val="60000"/>
-  </cs:variation>
-  <cs:variation>
-    <a:lumMod val="80000"/>
-    <a:lumOff val="20000"/>
-  </cs:variation>
-  <cs:variation>
-    <a:lumMod val="80000"/>
-  </cs:variation>
-  <cs:variation>
-    <a:lumMod val="60000"/>
-    <a:lumOff val="40000"/>
-  </cs:variation>
-  <cs:variation>
-    <a:lumMod val="50000"/>
-  </cs:variation>
-  <cs:variation>
-    <a:lumMod val="70000"/>
-    <a:lumOff val="30000"/>
-  </cs:variation>
-  <cs:variation>
-    <a:lumMod val="70000"/>
-  </cs:variation>
-  <cs:variation>
-    <a:lumMod val="50000"/>
-    <a:lumOff val="50000"/>
-  </cs:variation>
-</cs:colorStyle>
-</file>
-
-<file path=ppt/charts/style1.xml><?xml version="1.0" encoding="utf-8"?>
-<cs:chartStyle xmlns:cs="http://schemas.microsoft.com/office/drawing/2012/chartStyle" xmlns:a="http://schemas.openxmlformats.org/drawingml/2006/main" id="227">
-  <cs:axisTitle>
-    <cs:lnRef idx="0"/>
-    <cs:fillRef idx="0"/>
-    <cs:effectRef idx="0"/>
-    <cs:fontRef idx="minor">
-      <a:schemeClr val="tx1">
-        <a:lumMod val="65000"/>
-        <a:lumOff val="35000"/>
-      </a:schemeClr>
-    </cs:fontRef>
-    <cs:defRPr sz="1330" kern="1200"/>
-  </cs:axisTitle>
-  <cs:categoryAxis>
-    <cs:lnRef idx="0"/>
-    <cs:fillRef idx="0"/>
-    <cs:effectRef idx="0"/>
-    <cs:fontRef idx="minor">
-      <a:schemeClr val="tx1">
-        <a:lumMod val="65000"/>
-        <a:lumOff val="35000"/>
-      </a:schemeClr>
-    </cs:fontRef>
-    <cs:spPr>
-      <a:ln w="9525" cap="flat" cmpd="sng" algn="ctr">
-        <a:solidFill>
-          <a:schemeClr val="tx1">
-            <a:lumMod val="15000"/>
-            <a:lumOff val="85000"/>
-          </a:schemeClr>
-        </a:solidFill>
-        <a:round/>
-      </a:ln>
-    </cs:spPr>
-    <cs:defRPr sz="1197" kern="1200"/>
-  </cs:categoryAxis>
-  <cs:chartArea mods="allowNoFillOverride allowNoLineOverride">
-    <cs:lnRef idx="0"/>
-    <cs:fillRef idx="0"/>
-    <cs:effectRef idx="0"/>
-    <cs:fontRef idx="minor">
-      <a:schemeClr val="tx1"/>
-    </cs:fontRef>
-    <cs:spPr>
-      <a:solidFill>
-        <a:schemeClr val="bg1"/>
-      </a:solidFill>
-      <a:ln w="9525" cap="flat" cmpd="sng" algn="ctr">
-        <a:solidFill>
-          <a:schemeClr val="tx1">
-            <a:lumMod val="15000"/>
-            <a:lumOff val="85000"/>
-          </a:schemeClr>
-        </a:solidFill>
-        <a:round/>
-      </a:ln>
-    </cs:spPr>
-    <cs:defRPr sz="1330" kern="1200"/>
-  </cs:chartArea>
-  <cs:dataLabel>
-    <cs:lnRef idx="0"/>
-    <cs:fillRef idx="0"/>
-    <cs:effectRef idx="0"/>
-    <cs:fontRef idx="minor">
-      <a:schemeClr val="tx1">
-        <a:lumMod val="75000"/>
-        <a:lumOff val="25000"/>
-      </a:schemeClr>
-    </cs:fontRef>
-    <cs:defRPr sz="1197" kern="1200"/>
-  </cs:dataLabel>
-  <cs:dataLabelCallout>
-    <cs:lnRef idx="0"/>
-    <cs:fillRef idx="0"/>
-    <cs:effectRef idx="0"/>
-    <cs:fontRef idx="minor">
-      <a:schemeClr val="dk1">
-        <a:lumMod val="65000"/>
-        <a:lumOff val="35000"/>
-      </a:schemeClr>
-    </cs:fontRef>
-    <cs:spPr>
-      <a:solidFill>
-        <a:schemeClr val="lt1"/>
-      </a:solidFill>
-      <a:ln>
-        <a:solidFill>
-          <a:schemeClr val="dk1">
-            <a:lumMod val="25000"/>
-            <a:lumOff val="75000"/>
-          </a:schemeClr>
-        </a:solidFill>
-      </a:ln>
-    </cs:spPr>
-    <cs:defRPr sz="1197" kern="1200"/>
-    <cs:bodyPr rot="0" spcFirstLastPara="1" vertOverflow="clip" horzOverflow="clip" vert="horz" wrap="square" lIns="36576" tIns="18288" rIns="36576" bIns="18288" anchor="ctr" anchorCtr="1">
-      <a:spAutoFit/>
-    </cs:bodyPr>
-  </cs:dataLabelCallout>
-  <cs:dataPoint>
-    <cs:lnRef idx="0"/>
-    <cs:fillRef idx="1">
-      <cs:styleClr val="auto"/>
-    </cs:fillRef>
-    <cs:effectRef idx="0"/>
-    <cs:fontRef idx="minor">
-      <a:schemeClr val="tx1"/>
-    </cs:fontRef>
-    <cs:spPr>
-      <a:solidFill>
-        <a:schemeClr val="phClr"/>
-      </a:solidFill>
-    </cs:spPr>
-  </cs:dataPoint>
-  <cs:dataPoint3D>
-    <cs:lnRef idx="0"/>
-    <cs:fillRef idx="1">
-      <cs:styleClr val="auto"/>
-    </cs:fillRef>
-    <cs:effectRef idx="0"/>
-    <cs:fontRef idx="minor">
-      <a:schemeClr val="tx1"/>
-    </cs:fontRef>
-    <cs:spPr>
-      <a:solidFill>
-        <a:schemeClr val="phClr"/>
-      </a:solidFill>
-    </cs:spPr>
-  </cs:dataPoint3D>
-  <cs:dataPointLine>
-    <cs:lnRef idx="0">
-      <cs:styleClr val="auto"/>
-    </cs:lnRef>
-    <cs:fillRef idx="1"/>
-    <cs:effectRef idx="0"/>
-    <cs:fontRef idx="minor">
-      <a:schemeClr val="tx1"/>
-    </cs:fontRef>
-    <cs:spPr>
-      <a:ln w="28575" cap="rnd">
-        <a:solidFill>
-          <a:schemeClr val="phClr"/>
-        </a:solidFill>
-        <a:round/>
-      </a:ln>
-    </cs:spPr>
-  </cs:dataPointLine>
-  <cs:dataPointMarker>
-    <cs:lnRef idx="0">
-      <cs:styleClr val="auto"/>
-    </cs:lnRef>
-    <cs:fillRef idx="1">
-      <cs:styleClr val="auto"/>
-    </cs:fillRef>
-    <cs:effectRef idx="0"/>
-    <cs:fontRef idx="minor">
-      <a:schemeClr val="tx1"/>
-    </cs:fontRef>
-    <cs:spPr>
-      <a:solidFill>
-        <a:schemeClr val="phClr"/>
-      </a:solidFill>
-      <a:ln w="9525">
-        <a:solidFill>
-          <a:schemeClr val="phClr"/>
-        </a:solidFill>
-      </a:ln>
-    </cs:spPr>
-  </cs:dataPointMarker>
-  <cs:dataPointMarkerLayout symbol="circle" size="5"/>
-  <cs:dataPointWireframe>
-    <cs:lnRef idx="0">
-      <cs:styleClr val="auto"/>
-    </cs:lnRef>
-    <cs:fillRef idx="1"/>
-    <cs:effectRef idx="0"/>
-    <cs:fontRef idx="minor">
-      <a:schemeClr val="tx1"/>
-    </cs:fontRef>
-    <cs:spPr>
-      <a:ln w="9525" cap="rnd">
-        <a:solidFill>
-          <a:schemeClr val="phClr"/>
-        </a:solidFill>
-        <a:round/>
-      </a:ln>
-    </cs:spPr>
-  </cs:dataPointWireframe>
-  <cs:dataTable>
-    <cs:lnRef idx="0"/>
-    <cs:fillRef idx="0"/>
-    <cs:effectRef idx="0"/>
-    <cs:fontRef idx="minor">
-      <a:schemeClr val="tx1">
-        <a:lumMod val="65000"/>
-        <a:lumOff val="35000"/>
-      </a:schemeClr>
-    </cs:fontRef>
-    <cs:spPr>
-      <a:noFill/>
-      <a:ln w="9525" cap="flat" cmpd="sng" algn="ctr">
-        <a:solidFill>
-          <a:schemeClr val="tx1">
-            <a:lumMod val="15000"/>
-            <a:lumOff val="85000"/>
-          </a:schemeClr>
-        </a:solidFill>
-        <a:round/>
-      </a:ln>
-    </cs:spPr>
-    <cs:defRPr sz="1197" kern="1200"/>
-  </cs:dataTable>
-  <cs:downBar>
-    <cs:lnRef idx="0"/>
-    <cs:fillRef idx="0"/>
-    <cs:effectRef idx="0"/>
-    <cs:fontRef idx="minor">
-      <a:schemeClr val="dk1"/>
-    </cs:fontRef>
-    <cs:spPr>
-      <a:solidFill>
-        <a:schemeClr val="dk1">
-          <a:lumMod val="65000"/>
-          <a:lumOff val="35000"/>
-        </a:schemeClr>
-      </a:solidFill>
-      <a:ln w="9525">
-        <a:solidFill>
-          <a:schemeClr val="tx1">
-            <a:lumMod val="65000"/>
-            <a:lumOff val="35000"/>
-          </a:schemeClr>
-        </a:solidFill>
-      </a:ln>
-    </cs:spPr>
-  </cs:downBar>
-  <cs:dropLine>
-    <cs:lnRef idx="0"/>
-    <cs:fillRef idx="0"/>
-    <cs:effectRef idx="0"/>
-    <cs:fontRef idx="minor">
-      <a:schemeClr val="tx1"/>
-    </cs:fontRef>
-    <cs:spPr>
-      <a:ln w="9525" cap="flat" cmpd="sng" algn="ctr">
-        <a:solidFill>
-          <a:schemeClr val="tx1">
-            <a:lumMod val="35000"/>
-            <a:lumOff val="65000"/>
-          </a:schemeClr>
-        </a:solidFill>
-        <a:round/>
-      </a:ln>
-    </cs:spPr>
-  </cs:dropLine>
-  <cs:errorBar>
-    <cs:lnRef idx="0"/>
-    <cs:fillRef idx="0"/>
-    <cs:effectRef idx="0"/>
-    <cs:fontRef idx="minor">
-      <a:schemeClr val="tx1"/>
-    </cs:fontRef>
-    <cs:spPr>
-      <a:ln w="9525" cap="flat" cmpd="sng" algn="ctr">
-        <a:solidFill>
-          <a:schemeClr val="tx1">
-            <a:lumMod val="65000"/>
-            <a:lumOff val="35000"/>
-          </a:schemeClr>
-        </a:solidFill>
-        <a:round/>
-      </a:ln>
-    </cs:spPr>
-  </cs:errorBar>
-  <cs:floor>
-    <cs:lnRef idx="0"/>
-    <cs:fillRef idx="0"/>
-    <cs:effectRef idx="0"/>
-    <cs:fontRef idx="minor">
-      <a:schemeClr val="tx1"/>
-    </cs:fontRef>
-    <cs:spPr>
-      <a:noFill/>
-      <a:ln>
-        <a:noFill/>
-      </a:ln>
-    </cs:spPr>
-  </cs:floor>
-  <cs:gridlineMajor>
-    <cs:lnRef idx="0"/>
-    <cs:fillRef idx="0"/>
-    <cs:effectRef idx="0"/>
-    <cs:fontRef idx="minor">
-      <a:schemeClr val="tx1"/>
-    </cs:fontRef>
-    <cs:spPr>
-      <a:ln w="9525" cap="flat" cmpd="sng" algn="ctr">
-        <a:solidFill>
-          <a:schemeClr val="tx1">
-            <a:lumMod val="15000"/>
-            <a:lumOff val="85000"/>
-          </a:schemeClr>
-        </a:solidFill>
-        <a:round/>
-      </a:ln>
-    </cs:spPr>
-  </cs:gridlineMajor>
-  <cs:gridlineMinor>
-    <cs:lnRef idx="0"/>
-    <cs:fillRef idx="0"/>
-    <cs:effectRef idx="0"/>
-    <cs:fontRef idx="minor">
-      <a:schemeClr val="tx1"/>
-    </cs:fontRef>
-    <cs:spPr>
-      <a:ln w="9525" cap="flat" cmpd="sng" algn="ctr">
-        <a:solidFill>
-          <a:schemeClr val="tx1">
-            <a:lumMod val="5000"/>
-            <a:lumOff val="95000"/>
-          </a:schemeClr>
-        </a:solidFill>
-        <a:round/>
-      </a:ln>
-    </cs:spPr>
-  </cs:gridlineMinor>
-  <cs:hiLoLine>
-    <cs:lnRef idx="0"/>
-    <cs:fillRef idx="0"/>
-    <cs:effectRef idx="0"/>
-    <cs:fontRef idx="minor">
-      <a:schemeClr val="tx1"/>
-    </cs:fontRef>
-    <cs:spPr>
-      <a:ln w="9525" cap="flat" cmpd="sng" algn="ctr">
-        <a:solidFill>
-          <a:schemeClr val="tx1">
-            <a:lumMod val="75000"/>
-            <a:lumOff val="25000"/>
-          </a:schemeClr>
-        </a:solidFill>
-        <a:round/>
-      </a:ln>
-    </cs:spPr>
-  </cs:hiLoLine>
-  <cs:leaderLine>
-    <cs:lnRef idx="0"/>
-    <cs:fillRef idx="0"/>
-    <cs:effectRef idx="0"/>
-    <cs:fontRef idx="minor">
-      <a:schemeClr val="tx1"/>
-    </cs:fontRef>
-    <cs:spPr>
-      <a:ln w="9525" cap="flat" cmpd="sng" algn="ctr">
-        <a:solidFill>
-          <a:schemeClr val="tx1">
-            <a:lumMod val="35000"/>
-            <a:lumOff val="65000"/>
-          </a:schemeClr>
-        </a:solidFill>
-        <a:round/>
-      </a:ln>
-    </cs:spPr>
-  </cs:leaderLine>
-  <cs:legend>
-    <cs:lnRef idx="0"/>
-    <cs:fillRef idx="0"/>
-    <cs:effectRef idx="0"/>
-    <cs:fontRef idx="minor">
-      <a:schemeClr val="tx1">
-        <a:lumMod val="65000"/>
-        <a:lumOff val="35000"/>
-      </a:schemeClr>
-    </cs:fontRef>
-    <cs:defRPr sz="1197" kern="1200"/>
-  </cs:legend>
-  <cs:plotArea mods="allowNoFillOverride allowNoLineOverride">
-    <cs:lnRef idx="0"/>
-    <cs:fillRef idx="0"/>
-    <cs:effectRef idx="0"/>
-    <cs:fontRef idx="minor">
-      <a:schemeClr val="tx1"/>
-    </cs:fontRef>
-  </cs:plotArea>
-  <cs:plotArea3D mods="allowNoFillOverride allowNoLineOverride">
-    <cs:lnRef idx="0"/>
-    <cs:fillRef idx="0"/>
-    <cs:effectRef idx="0"/>
-    <cs:fontRef idx="minor">
-      <a:schemeClr val="tx1"/>
-    </cs:fontRef>
-  </cs:plotArea3D>
-  <cs:seriesAxis>
-    <cs:lnRef idx="0"/>
-    <cs:fillRef idx="0"/>
-    <cs:effectRef idx="0"/>
-    <cs:fontRef idx="minor">
-      <a:schemeClr val="tx1">
-        <a:lumMod val="65000"/>
-        <a:lumOff val="35000"/>
-      </a:schemeClr>
-    </cs:fontRef>
-    <cs:defRPr sz="1197" kern="1200"/>
-  </cs:seriesAxis>
-  <cs:seriesLine>
-    <cs:lnRef idx="0"/>
-    <cs:fillRef idx="0"/>
-    <cs:effectRef idx="0"/>
-    <cs:fontRef idx="minor">
-      <a:schemeClr val="tx1"/>
-    </cs:fontRef>
-    <cs:spPr>
-      <a:ln w="9525" cap="flat" cmpd="sng" algn="ctr">
-        <a:solidFill>
-          <a:schemeClr val="tx1">
-            <a:lumMod val="35000"/>
-            <a:lumOff val="65000"/>
-          </a:schemeClr>
-        </a:solidFill>
-        <a:round/>
-      </a:ln>
-    </cs:spPr>
-  </cs:seriesLine>
-  <cs:title>
-    <cs:lnRef idx="0"/>
-    <cs:fillRef idx="0"/>
-    <cs:effectRef idx="0"/>
-    <cs:fontRef idx="minor">
-      <a:schemeClr val="tx1">
-        <a:lumMod val="65000"/>
-        <a:lumOff val="35000"/>
-      </a:schemeClr>
-    </cs:fontRef>
-    <cs:defRPr sz="1862" b="0" kern="1200" spc="0" baseline="0"/>
-  </cs:title>
-  <cs:trendline>
-    <cs:lnRef idx="0">
-      <cs:styleClr val="auto"/>
-    </cs:lnRef>
-    <cs:fillRef idx="0"/>
-    <cs:effectRef idx="0"/>
-    <cs:fontRef idx="minor">
-      <a:schemeClr val="tx1"/>
-    </cs:fontRef>
-    <cs:spPr>
-      <a:ln w="19050" cap="rnd">
-        <a:solidFill>
-          <a:schemeClr val="phClr"/>
-        </a:solidFill>
-        <a:prstDash val="sysDot"/>
-      </a:ln>
-    </cs:spPr>
-  </cs:trendline>
-  <cs:trendlineLabel>
-    <cs:lnRef idx="0"/>
-    <cs:fillRef idx="0"/>
-    <cs:effectRef idx="0"/>
-    <cs:fontRef idx="minor">
-      <a:schemeClr val="tx1">
-        <a:lumMod val="65000"/>
-        <a:lumOff val="35000"/>
-      </a:schemeClr>
-    </cs:fontRef>
-    <cs:defRPr sz="1197" kern="1200"/>
-  </cs:trendlineLabel>
-  <cs:upBar>
-    <cs:lnRef idx="0"/>
-    <cs:fillRef idx="0"/>
-    <cs:effectRef idx="0"/>
-    <cs:fontRef idx="minor">
-      <a:schemeClr val="dk1"/>
-    </cs:fontRef>
-    <cs:spPr>
-      <a:solidFill>
-        <a:schemeClr val="lt1"/>
-      </a:solidFill>
-      <a:ln w="9525">
-        <a:solidFill>
-          <a:schemeClr val="tx1">
-            <a:lumMod val="15000"/>
-            <a:lumOff val="85000"/>
-          </a:schemeClr>
-        </a:solidFill>
-      </a:ln>
-    </cs:spPr>
-  </cs:upBar>
-  <cs:valueAxis>
-    <cs:lnRef idx="0"/>
-    <cs:fillRef idx="0"/>
-    <cs:effectRef idx="0"/>
-    <cs:fontRef idx="minor">
-      <a:schemeClr val="tx1">
-        <a:lumMod val="65000"/>
-        <a:lumOff val="35000"/>
-      </a:schemeClr>
-    </cs:fontRef>
-    <cs:defRPr sz="1197" kern="1200"/>
-  </cs:valueAxis>
-  <cs:wall>
-    <cs:lnRef idx="0"/>
-    <cs:fillRef idx="0"/>
-    <cs:effectRef idx="0"/>
-    <cs:fontRef idx="minor">
-      <a:schemeClr val="tx1"/>
-    </cs:fontRef>
-    <cs:spPr>
-      <a:noFill/>
-      <a:ln>
-        <a:noFill/>
-      </a:ln>
-    </cs:spPr>
-  </cs:wall>
-</cs:chartStyle>
-</file>
-
 <file path=ppt/handoutMasters/handoutMaster1.xml><?xml version="1.0" encoding="utf-8"?>
 <p:handoutMaster xmlns:a="http://schemas.openxmlformats.org/drawingml/2006/main" xmlns:r="http://schemas.openxmlformats.org/officeDocument/2006/relationships" xmlns:p="http://schemas.openxmlformats.org/presentationml/2006/main">
   <p:cSld>
@@ -1223,7 +245,7 @@
                   <a:schemeClr val="tx2"/>
                 </a:solidFill>
               </a:rPr>
-              <a:t>1/6/2023</a:t>
+              <a:t>1/13/2023</a:t>
             </a:fld>
             <a:endParaRPr>
               <a:solidFill>
@@ -1413,7 +435,7 @@
             <a:fld id="{F95CF31C-F757-429C-A789-86504F04C3BE}" type="datetimeFigureOut">
               <a:rPr lang="en-US"/>
               <a:pPr/>
-              <a:t>1/6/2023</a:t>
+              <a:t>1/13/2023</a:t>
             </a:fld>
             <a:endParaRPr/>
           </a:p>
@@ -1897,7 +919,7 @@
           <a:p>
             <a:fld id="{785021AC-D221-415D-B4F7-840D5E010F9D}" type="datetime1">
               <a:rPr lang="en-US" smtClean="0"/>
-              <a:t>1/6/2023</a:t>
+              <a:t>1/13/2023</a:t>
             </a:fld>
             <a:endParaRPr lang="en-US"/>
           </a:p>
@@ -2095,7 +1117,7 @@
           <a:p>
             <a:fld id="{83F064D2-94B9-4938-9B7B-A27A135B92D8}" type="datetime1">
               <a:rPr lang="en-US" smtClean="0"/>
-              <a:t>1/6/2023</a:t>
+              <a:t>1/13/2023</a:t>
             </a:fld>
             <a:endParaRPr/>
           </a:p>
@@ -2291,7 +1313,7 @@
           <a:p>
             <a:fld id="{45D1E13B-11D6-479B-A42E-5546C9C65137}" type="datetime1">
               <a:rPr lang="en-US" smtClean="0"/>
-              <a:t>1/6/2023</a:t>
+              <a:t>1/13/2023</a:t>
             </a:fld>
             <a:endParaRPr/>
           </a:p>
@@ -2493,7 +1515,7 @@
           <a:p>
             <a:fld id="{6C38EA60-1385-46F4-A096-EA2F9688E30C}" type="datetime1">
               <a:rPr lang="en-US" smtClean="0"/>
-              <a:t>1/6/2023</a:t>
+              <a:t>1/13/2023</a:t>
             </a:fld>
             <a:endParaRPr dirty="0"/>
           </a:p>
@@ -2779,7 +1801,7 @@
           <a:p>
             <a:fld id="{DE93D74C-3AF8-4EA2-9971-4F4F40BFBFD4}" type="datetime1">
               <a:rPr lang="en-US" smtClean="0"/>
-              <a:t>1/6/2023</a:t>
+              <a:t>1/13/2023</a:t>
             </a:fld>
             <a:endParaRPr lang="en-US"/>
           </a:p>
@@ -3101,7 +2123,7 @@
           <a:p>
             <a:fld id="{D934E349-8230-4EE5-8408-F54B96DE9694}" type="datetime1">
               <a:rPr lang="en-US" smtClean="0"/>
-              <a:t>1/6/2023</a:t>
+              <a:t>1/13/2023</a:t>
             </a:fld>
             <a:endParaRPr/>
           </a:p>
@@ -3552,7 +2574,7 @@
           <a:p>
             <a:fld id="{E5BDB49E-41B4-44C2-9987-B53544054B58}" type="datetime1">
               <a:rPr lang="en-US" smtClean="0"/>
-              <a:t>1/6/2023</a:t>
+              <a:t>1/13/2023</a:t>
             </a:fld>
             <a:endParaRPr/>
           </a:p>
@@ -3685,7 +2707,7 @@
           <a:p>
             <a:fld id="{5C399CB1-2DA0-4D0D-B3EC-1A0B6143F969}" type="datetime1">
               <a:rPr lang="en-US" smtClean="0"/>
-              <a:t>1/6/2023</a:t>
+              <a:t>1/13/2023</a:t>
             </a:fld>
             <a:endParaRPr/>
           </a:p>
@@ -3796,7 +2818,7 @@
           <a:p>
             <a:fld id="{F376897F-73D0-4379-B4D3-F89FE5196D70}" type="datetime1">
               <a:rPr lang="en-US" smtClean="0"/>
-              <a:t>1/6/2023</a:t>
+              <a:t>1/13/2023</a:t>
             </a:fld>
             <a:endParaRPr/>
           </a:p>
@@ -4157,7 +3179,7 @@
           <a:p>
             <a:fld id="{71758952-8338-4535-9657-D41937A33CFA}" type="datetime1">
               <a:rPr lang="en-US" smtClean="0"/>
-              <a:t>1/6/2023</a:t>
+              <a:t>1/13/2023</a:t>
             </a:fld>
             <a:endParaRPr/>
           </a:p>
@@ -4498,7 +3520,7 @@
           <a:p>
             <a:fld id="{93D27B10-76B1-4D96-A171-7BD205E92C94}" type="datetime1">
               <a:rPr lang="en-US" smtClean="0"/>
-              <a:t>1/6/2023</a:t>
+              <a:t>1/13/2023</a:t>
             </a:fld>
             <a:endParaRPr/>
           </a:p>
@@ -4796,7 +3818,7 @@
           <a:p>
             <a:fld id="{DE93D74C-3AF8-4EA2-9971-4F4F40BFBFD4}" type="datetime1">
               <a:rPr lang="en-US" smtClean="0"/>
-              <a:t>1/6/2023</a:t>
+              <a:t>1/13/2023</a:t>
             </a:fld>
             <a:endParaRPr lang="en-US"/>
           </a:p>
@@ -5313,7 +4335,7 @@
           <a:p>
             <a:fld id="{B0374218-C744-4154-9C5E-6E101E740F68}" type="datetime1">
               <a:rPr lang="en-US" smtClean="0"/>
-              <a:t>1/6/2023</a:t>
+              <a:t>1/13/2023</a:t>
             </a:fld>
             <a:endParaRPr lang="en-US"/>
           </a:p>
@@ -5382,6 +4404,920 @@
     <p:extLst>
       <p:ext uri="{BB962C8B-B14F-4D97-AF65-F5344CB8AC3E}">
         <p14:creationId xmlns:p14="http://schemas.microsoft.com/office/powerpoint/2010/main" val="3650340329"/>
+      </p:ext>
+    </p:extLst>
+  </p:cSld>
+  <p:clrMapOvr>
+    <a:masterClrMapping/>
+  </p:clrMapOvr>
+  <mc:AlternateContent xmlns:mc="http://schemas.openxmlformats.org/markup-compatibility/2006" xmlns:p14="http://schemas.microsoft.com/office/powerpoint/2010/main">
+    <mc:Choice Requires="p14">
+      <p:transition spd="med" p14:dur="700">
+        <p:fade/>
+      </p:transition>
+    </mc:Choice>
+    <mc:Fallback xmlns="">
+      <p:transition spd="med">
+        <p:fade/>
+      </p:transition>
+    </mc:Fallback>
+  </mc:AlternateContent>
+</p:sld>
+</file>
+
+<file path=ppt/slides/slide10.xml><?xml version="1.0" encoding="utf-8"?>
+<p:sld xmlns:a="http://schemas.openxmlformats.org/drawingml/2006/main" xmlns:r="http://schemas.openxmlformats.org/officeDocument/2006/relationships" xmlns:p="http://schemas.openxmlformats.org/presentationml/2006/main">
+  <p:cSld>
+    <p:spTree>
+      <p:nvGrpSpPr>
+        <p:cNvPr id="1" name=""/>
+        <p:cNvGrpSpPr/>
+        <p:nvPr/>
+      </p:nvGrpSpPr>
+      <p:grpSpPr>
+        <a:xfrm>
+          <a:off x="0" y="0"/>
+          <a:ext cx="0" cy="0"/>
+          <a:chOff x="0" y="0"/>
+          <a:chExt cx="0" cy="0"/>
+        </a:xfrm>
+      </p:grpSpPr>
+      <p:sp>
+        <p:nvSpPr>
+          <p:cNvPr id="2" name="Title 1"/>
+          <p:cNvSpPr>
+            <a:spLocks noGrp="1"/>
+          </p:cNvSpPr>
+          <p:nvPr>
+            <p:ph type="title"/>
+          </p:nvPr>
+        </p:nvSpPr>
+        <p:spPr/>
+        <p:txBody>
+          <a:bodyPr/>
+          <a:lstStyle/>
+          <a:p>
+            <a:r>
+              <a:rPr lang="en-US" dirty="0"/>
+              <a:t>The Significance: Time is Money</a:t>
+            </a:r>
+          </a:p>
+        </p:txBody>
+      </p:sp>
+      <p:sp>
+        <p:nvSpPr>
+          <p:cNvPr id="5" name="Text Placeholder 4"/>
+          <p:cNvSpPr>
+            <a:spLocks noGrp="1"/>
+          </p:cNvSpPr>
+          <p:nvPr>
+            <p:ph type="body" idx="1"/>
+          </p:nvPr>
+        </p:nvSpPr>
+        <p:spPr/>
+        <p:txBody>
+          <a:bodyPr/>
+          <a:lstStyle/>
+          <a:p>
+            <a:r>
+              <a:rPr lang="en-US" dirty="0"/>
+              <a:t>What can this do for you?</a:t>
+            </a:r>
+          </a:p>
+        </p:txBody>
+      </p:sp>
+      <p:sp>
+        <p:nvSpPr>
+          <p:cNvPr id="3" name="Content Placeholder 2"/>
+          <p:cNvSpPr>
+            <a:spLocks noGrp="1"/>
+          </p:cNvSpPr>
+          <p:nvPr>
+            <p:ph sz="half" idx="2"/>
+          </p:nvPr>
+        </p:nvSpPr>
+        <p:spPr/>
+        <p:txBody>
+          <a:bodyPr/>
+          <a:lstStyle/>
+          <a:p>
+            <a:r>
+              <a:rPr lang="en-US" dirty="0"/>
+              <a:t>Reduce the workload on editors</a:t>
+            </a:r>
+          </a:p>
+          <a:p>
+            <a:r>
+              <a:rPr lang="en-US" dirty="0"/>
+              <a:t>Provide publishers with rapid suggestions for genre tagging of texts</a:t>
+            </a:r>
+          </a:p>
+          <a:p>
+            <a:r>
+              <a:rPr lang="en-US" dirty="0"/>
+              <a:t>Help identify “tricky” books</a:t>
+            </a:r>
+          </a:p>
+          <a:p>
+            <a:r>
+              <a:rPr lang="en-US" dirty="0"/>
+              <a:t>Grow with use</a:t>
+            </a:r>
+          </a:p>
+        </p:txBody>
+      </p:sp>
+      <p:sp>
+        <p:nvSpPr>
+          <p:cNvPr id="6" name="Text Placeholder 5"/>
+          <p:cNvSpPr>
+            <a:spLocks noGrp="1"/>
+          </p:cNvSpPr>
+          <p:nvPr>
+            <p:ph type="body" sz="quarter" idx="3"/>
+          </p:nvPr>
+        </p:nvSpPr>
+        <p:spPr/>
+        <p:txBody>
+          <a:bodyPr/>
+          <a:lstStyle/>
+          <a:p>
+            <a:r>
+              <a:rPr lang="en-US" dirty="0"/>
+              <a:t>What limitations still exist?</a:t>
+            </a:r>
+          </a:p>
+        </p:txBody>
+      </p:sp>
+      <p:sp>
+        <p:nvSpPr>
+          <p:cNvPr id="4" name="Content Placeholder 3"/>
+          <p:cNvSpPr>
+            <a:spLocks noGrp="1"/>
+          </p:cNvSpPr>
+          <p:nvPr>
+            <p:ph sz="quarter" idx="4"/>
+          </p:nvPr>
+        </p:nvSpPr>
+        <p:spPr/>
+        <p:txBody>
+          <a:bodyPr/>
+          <a:lstStyle/>
+          <a:p>
+            <a:r>
+              <a:rPr lang="en-US" dirty="0"/>
+              <a:t>Only considers word use, not order or style</a:t>
+            </a:r>
+          </a:p>
+          <a:p>
+            <a:r>
+              <a:rPr lang="en-US" dirty="0"/>
+              <a:t>Suggestions are not flawless and accuracy is currently very low</a:t>
+            </a:r>
+          </a:p>
+          <a:p>
+            <a:r>
+              <a:rPr lang="en-US" dirty="0"/>
+              <a:t>Only works for English language texts</a:t>
+            </a:r>
+          </a:p>
+          <a:p>
+            <a:r>
+              <a:rPr lang="en-US" dirty="0"/>
+              <a:t>Only suggests a single genre</a:t>
+            </a:r>
+          </a:p>
+        </p:txBody>
+      </p:sp>
+      <p:sp>
+        <p:nvSpPr>
+          <p:cNvPr id="7" name="Date Placeholder 6">
+            <a:extLst>
+              <a:ext uri="{FF2B5EF4-FFF2-40B4-BE49-F238E27FC236}">
+                <a16:creationId xmlns:a16="http://schemas.microsoft.com/office/drawing/2014/main" id="{C8BA5926-576C-4C5B-8876-690E98A8A93E}"/>
+              </a:ext>
+            </a:extLst>
+          </p:cNvPr>
+          <p:cNvSpPr>
+            <a:spLocks noGrp="1"/>
+          </p:cNvSpPr>
+          <p:nvPr>
+            <p:ph type="dt" sz="half" idx="10"/>
+          </p:nvPr>
+        </p:nvSpPr>
+        <p:spPr/>
+        <p:txBody>
+          <a:bodyPr/>
+          <a:lstStyle/>
+          <a:p>
+            <a:fld id="{27352562-FD12-437A-B527-261B2080922C}" type="datetime1">
+              <a:rPr lang="en-US" smtClean="0"/>
+              <a:t>1/13/2023</a:t>
+            </a:fld>
+            <a:endParaRPr lang="en-US"/>
+          </a:p>
+        </p:txBody>
+      </p:sp>
+      <p:sp>
+        <p:nvSpPr>
+          <p:cNvPr id="8" name="Footer Placeholder 7">
+            <a:extLst>
+              <a:ext uri="{FF2B5EF4-FFF2-40B4-BE49-F238E27FC236}">
+                <a16:creationId xmlns:a16="http://schemas.microsoft.com/office/drawing/2014/main" id="{85394400-0774-4EAD-975E-6B84FD167584}"/>
+              </a:ext>
+            </a:extLst>
+          </p:cNvPr>
+          <p:cNvSpPr>
+            <a:spLocks noGrp="1"/>
+          </p:cNvSpPr>
+          <p:nvPr>
+            <p:ph type="ftr" sz="quarter" idx="11"/>
+          </p:nvPr>
+        </p:nvSpPr>
+        <p:spPr/>
+        <p:txBody>
+          <a:bodyPr/>
+          <a:lstStyle/>
+          <a:p>
+            <a:r>
+              <a:rPr lang="en-US"/>
+              <a:t>Alexander White // Deloitte AI Academy Capstone</a:t>
+            </a:r>
+            <a:endParaRPr lang="en-US" dirty="0"/>
+          </a:p>
+        </p:txBody>
+      </p:sp>
+      <p:sp>
+        <p:nvSpPr>
+          <p:cNvPr id="9" name="Slide Number Placeholder 8">
+            <a:extLst>
+              <a:ext uri="{FF2B5EF4-FFF2-40B4-BE49-F238E27FC236}">
+                <a16:creationId xmlns:a16="http://schemas.microsoft.com/office/drawing/2014/main" id="{94749F33-2A9E-4772-9284-FCE3A930D5C9}"/>
+              </a:ext>
+            </a:extLst>
+          </p:cNvPr>
+          <p:cNvSpPr>
+            <a:spLocks noGrp="1"/>
+          </p:cNvSpPr>
+          <p:nvPr>
+            <p:ph type="sldNum" sz="quarter" idx="12"/>
+          </p:nvPr>
+        </p:nvSpPr>
+        <p:spPr/>
+        <p:txBody>
+          <a:bodyPr/>
+          <a:lstStyle/>
+          <a:p>
+            <a:fld id="{EB37DED6-D4C7-42EE-AB49-D2E39E64FDE4}" type="slidenum">
+              <a:rPr lang="en-US" smtClean="0"/>
+              <a:t>10</a:t>
+            </a:fld>
+            <a:endParaRPr lang="en-US"/>
+          </a:p>
+        </p:txBody>
+      </p:sp>
+    </p:spTree>
+    <p:extLst>
+      <p:ext uri="{BB962C8B-B14F-4D97-AF65-F5344CB8AC3E}">
+        <p14:creationId xmlns:p14="http://schemas.microsoft.com/office/powerpoint/2010/main" val="650848934"/>
+      </p:ext>
+    </p:extLst>
+  </p:cSld>
+  <p:clrMapOvr>
+    <a:masterClrMapping/>
+  </p:clrMapOvr>
+  <mc:AlternateContent xmlns:mc="http://schemas.openxmlformats.org/markup-compatibility/2006" xmlns:p14="http://schemas.microsoft.com/office/powerpoint/2010/main">
+    <mc:Choice Requires="p14">
+      <p:transition spd="med" p14:dur="700">
+        <p:fade/>
+      </p:transition>
+    </mc:Choice>
+    <mc:Fallback xmlns="">
+      <p:transition spd="med">
+        <p:fade/>
+      </p:transition>
+    </mc:Fallback>
+  </mc:AlternateContent>
+</p:sld>
+</file>
+
+<file path=ppt/slides/slide11.xml><?xml version="1.0" encoding="utf-8"?>
+<p:sld xmlns:a="http://schemas.openxmlformats.org/drawingml/2006/main" xmlns:r="http://schemas.openxmlformats.org/officeDocument/2006/relationships" xmlns:p="http://schemas.openxmlformats.org/presentationml/2006/main">
+  <p:cSld>
+    <p:spTree>
+      <p:nvGrpSpPr>
+        <p:cNvPr id="1" name=""/>
+        <p:cNvGrpSpPr/>
+        <p:nvPr/>
+      </p:nvGrpSpPr>
+      <p:grpSpPr>
+        <a:xfrm>
+          <a:off x="0" y="0"/>
+          <a:ext cx="0" cy="0"/>
+          <a:chOff x="0" y="0"/>
+          <a:chExt cx="0" cy="0"/>
+        </a:xfrm>
+      </p:grpSpPr>
+      <p:sp>
+        <p:nvSpPr>
+          <p:cNvPr id="10" name="Title 9">
+            <a:extLst>
+              <a:ext uri="{FF2B5EF4-FFF2-40B4-BE49-F238E27FC236}">
+                <a16:creationId xmlns:a16="http://schemas.microsoft.com/office/drawing/2014/main" id="{B1D3A67F-C0B0-4EFD-B228-E06AA305E3ED}"/>
+              </a:ext>
+            </a:extLst>
+          </p:cNvPr>
+          <p:cNvSpPr>
+            <a:spLocks noGrp="1"/>
+          </p:cNvSpPr>
+          <p:nvPr>
+            <p:ph type="title"/>
+          </p:nvPr>
+        </p:nvSpPr>
+        <p:spPr/>
+        <p:txBody>
+          <a:bodyPr/>
+          <a:lstStyle/>
+          <a:p>
+            <a:r>
+              <a:rPr lang="en-US" dirty="0"/>
+              <a:t>Next Steps</a:t>
+            </a:r>
+          </a:p>
+        </p:txBody>
+      </p:sp>
+      <p:sp>
+        <p:nvSpPr>
+          <p:cNvPr id="11" name="Content Placeholder 10">
+            <a:extLst>
+              <a:ext uri="{FF2B5EF4-FFF2-40B4-BE49-F238E27FC236}">
+                <a16:creationId xmlns:a16="http://schemas.microsoft.com/office/drawing/2014/main" id="{3BA102F2-1769-4CD9-854E-48503FB83B53}"/>
+              </a:ext>
+            </a:extLst>
+          </p:cNvPr>
+          <p:cNvSpPr>
+            <a:spLocks noGrp="1"/>
+          </p:cNvSpPr>
+          <p:nvPr>
+            <p:ph idx="1"/>
+          </p:nvPr>
+        </p:nvSpPr>
+        <p:spPr/>
+        <p:txBody>
+          <a:bodyPr/>
+          <a:lstStyle/>
+          <a:p>
+            <a:pPr marL="0" indent="0">
+              <a:buNone/>
+            </a:pPr>
+            <a:r>
+              <a:rPr lang="en-US" dirty="0"/>
+              <a:t>Given more time, money, and data, we can significantly improve the accuracy and utility of our service.</a:t>
+            </a:r>
+          </a:p>
+          <a:p>
+            <a:r>
+              <a:rPr lang="en-US" dirty="0"/>
+              <a:t>Examine alternative modeling techniques (such as categorial)</a:t>
+            </a:r>
+          </a:p>
+          <a:p>
+            <a:r>
+              <a:rPr lang="en-US" dirty="0"/>
+              <a:t>Train with larger datasets</a:t>
+            </a:r>
+          </a:p>
+          <a:p>
+            <a:r>
+              <a:rPr lang="en-US" dirty="0"/>
+              <a:t>Examine word order and context</a:t>
+            </a:r>
+          </a:p>
+          <a:p>
+            <a:r>
+              <a:rPr lang="en-US" dirty="0"/>
+              <a:t>Include more genres</a:t>
+            </a:r>
+          </a:p>
+          <a:p>
+            <a:r>
+              <a:rPr lang="en-US" dirty="0"/>
+              <a:t>Add other features such as sentiment analysis, plot summarization, automatic editorial suggestions, and many more</a:t>
+            </a:r>
+          </a:p>
+        </p:txBody>
+      </p:sp>
+      <p:sp>
+        <p:nvSpPr>
+          <p:cNvPr id="7" name="Date Placeholder 6">
+            <a:extLst>
+              <a:ext uri="{FF2B5EF4-FFF2-40B4-BE49-F238E27FC236}">
+                <a16:creationId xmlns:a16="http://schemas.microsoft.com/office/drawing/2014/main" id="{8891A544-77C0-4469-AE28-AD99EF9BED50}"/>
+              </a:ext>
+            </a:extLst>
+          </p:cNvPr>
+          <p:cNvSpPr>
+            <a:spLocks noGrp="1"/>
+          </p:cNvSpPr>
+          <p:nvPr>
+            <p:ph type="dt" sz="half" idx="10"/>
+          </p:nvPr>
+        </p:nvSpPr>
+        <p:spPr/>
+        <p:txBody>
+          <a:bodyPr/>
+          <a:lstStyle/>
+          <a:p>
+            <a:fld id="{E5BDB49E-41B4-44C2-9987-B53544054B58}" type="datetime1">
+              <a:rPr lang="en-US" smtClean="0"/>
+              <a:t>1/13/2023</a:t>
+            </a:fld>
+            <a:endParaRPr lang="en-US"/>
+          </a:p>
+        </p:txBody>
+      </p:sp>
+      <p:sp>
+        <p:nvSpPr>
+          <p:cNvPr id="8" name="Footer Placeholder 7">
+            <a:extLst>
+              <a:ext uri="{FF2B5EF4-FFF2-40B4-BE49-F238E27FC236}">
+                <a16:creationId xmlns:a16="http://schemas.microsoft.com/office/drawing/2014/main" id="{D9DD25D6-E6EB-463A-ABC3-CCB14547019E}"/>
+              </a:ext>
+            </a:extLst>
+          </p:cNvPr>
+          <p:cNvSpPr>
+            <a:spLocks noGrp="1"/>
+          </p:cNvSpPr>
+          <p:nvPr>
+            <p:ph type="ftr" sz="quarter" idx="11"/>
+          </p:nvPr>
+        </p:nvSpPr>
+        <p:spPr/>
+        <p:txBody>
+          <a:bodyPr/>
+          <a:lstStyle/>
+          <a:p>
+            <a:r>
+              <a:rPr lang="en-US"/>
+              <a:t>Alexander White // Deloitte AI Academy Capstone</a:t>
+            </a:r>
+            <a:endParaRPr lang="en-US" dirty="0"/>
+          </a:p>
+        </p:txBody>
+      </p:sp>
+      <p:sp>
+        <p:nvSpPr>
+          <p:cNvPr id="9" name="Slide Number Placeholder 8">
+            <a:extLst>
+              <a:ext uri="{FF2B5EF4-FFF2-40B4-BE49-F238E27FC236}">
+                <a16:creationId xmlns:a16="http://schemas.microsoft.com/office/drawing/2014/main" id="{EEE19714-2E95-4360-9A92-5DDC04CD1A8B}"/>
+              </a:ext>
+            </a:extLst>
+          </p:cNvPr>
+          <p:cNvSpPr>
+            <a:spLocks noGrp="1"/>
+          </p:cNvSpPr>
+          <p:nvPr>
+            <p:ph type="sldNum" sz="quarter" idx="12"/>
+          </p:nvPr>
+        </p:nvSpPr>
+        <p:spPr/>
+        <p:txBody>
+          <a:bodyPr/>
+          <a:lstStyle/>
+          <a:p>
+            <a:fld id="{EB37DED6-D4C7-42EE-AB49-D2E39E64FDE4}" type="slidenum">
+              <a:rPr lang="en-US" smtClean="0"/>
+              <a:t>11</a:t>
+            </a:fld>
+            <a:endParaRPr lang="en-US"/>
+          </a:p>
+        </p:txBody>
+      </p:sp>
+    </p:spTree>
+    <p:extLst>
+      <p:ext uri="{BB962C8B-B14F-4D97-AF65-F5344CB8AC3E}">
+        <p14:creationId xmlns:p14="http://schemas.microsoft.com/office/powerpoint/2010/main" val="3536757245"/>
+      </p:ext>
+    </p:extLst>
+  </p:cSld>
+  <p:clrMapOvr>
+    <a:masterClrMapping/>
+  </p:clrMapOvr>
+  <mc:AlternateContent xmlns:mc="http://schemas.openxmlformats.org/markup-compatibility/2006" xmlns:p14="http://schemas.microsoft.com/office/powerpoint/2010/main">
+    <mc:Choice Requires="p14">
+      <p:transition spd="med" p14:dur="700">
+        <p:fade/>
+      </p:transition>
+    </mc:Choice>
+    <mc:Fallback xmlns="">
+      <p:transition spd="med">
+        <p:fade/>
+      </p:transition>
+    </mc:Fallback>
+  </mc:AlternateContent>
+</p:sld>
+</file>
+
+<file path=ppt/slides/slide12.xml><?xml version="1.0" encoding="utf-8"?>
+<p:sld xmlns:a="http://schemas.openxmlformats.org/drawingml/2006/main" xmlns:r="http://schemas.openxmlformats.org/officeDocument/2006/relationships" xmlns:p="http://schemas.openxmlformats.org/presentationml/2006/main">
+  <p:cSld>
+    <p:spTree>
+      <p:nvGrpSpPr>
+        <p:cNvPr id="1" name=""/>
+        <p:cNvGrpSpPr/>
+        <p:nvPr/>
+      </p:nvGrpSpPr>
+      <p:grpSpPr>
+        <a:xfrm>
+          <a:off x="0" y="0"/>
+          <a:ext cx="0" cy="0"/>
+          <a:chOff x="0" y="0"/>
+          <a:chExt cx="0" cy="0"/>
+        </a:xfrm>
+      </p:grpSpPr>
+      <p:sp>
+        <p:nvSpPr>
+          <p:cNvPr id="13" name="Title 12"/>
+          <p:cNvSpPr>
+            <a:spLocks noGrp="1"/>
+          </p:cNvSpPr>
+          <p:nvPr>
+            <p:ph type="title"/>
+          </p:nvPr>
+        </p:nvSpPr>
+        <p:spPr/>
+        <p:txBody>
+          <a:bodyPr/>
+          <a:lstStyle/>
+          <a:p>
+            <a:r>
+              <a:rPr lang="en-US" dirty="0"/>
+              <a:t>Conclusions</a:t>
+            </a:r>
+          </a:p>
+        </p:txBody>
+      </p:sp>
+      <p:sp>
+        <p:nvSpPr>
+          <p:cNvPr id="14" name="Content Placeholder 13"/>
+          <p:cNvSpPr>
+            <a:spLocks noGrp="1"/>
+          </p:cNvSpPr>
+          <p:nvPr>
+            <p:ph idx="1"/>
+          </p:nvPr>
+        </p:nvSpPr>
+        <p:spPr/>
+        <p:txBody>
+          <a:bodyPr/>
+          <a:lstStyle/>
+          <a:p>
+            <a:r>
+              <a:rPr lang="en-US" dirty="0"/>
+              <a:t>Publishers and editors can make use of Natural Language Processing to analyze books, even for less concrete ideas such as genre.</a:t>
+            </a:r>
+          </a:p>
+          <a:p>
+            <a:r>
+              <a:rPr lang="en-US" dirty="0"/>
+              <a:t>This can save man-hours and effort as well as assisting in classifying unusual texts.</a:t>
+            </a:r>
+          </a:p>
+          <a:p>
+            <a:r>
+              <a:rPr lang="en-US" dirty="0"/>
+              <a:t>The field still has plenty of room for growth and could be extended to many other aspects of the editorial and publishing business.</a:t>
+            </a:r>
+          </a:p>
+        </p:txBody>
+      </p:sp>
+      <p:sp>
+        <p:nvSpPr>
+          <p:cNvPr id="2" name="Date Placeholder 1">
+            <a:extLst>
+              <a:ext uri="{FF2B5EF4-FFF2-40B4-BE49-F238E27FC236}">
+                <a16:creationId xmlns:a16="http://schemas.microsoft.com/office/drawing/2014/main" id="{E769890B-13E4-42C8-BADE-D4F08A509F88}"/>
+              </a:ext>
+            </a:extLst>
+          </p:cNvPr>
+          <p:cNvSpPr>
+            <a:spLocks noGrp="1"/>
+          </p:cNvSpPr>
+          <p:nvPr>
+            <p:ph type="dt" sz="half" idx="10"/>
+          </p:nvPr>
+        </p:nvSpPr>
+        <p:spPr/>
+        <p:txBody>
+          <a:bodyPr/>
+          <a:lstStyle/>
+          <a:p>
+            <a:fld id="{54278573-9DC6-4FF9-B4E5-2CDAF7146583}" type="datetime1">
+              <a:rPr lang="en-US" smtClean="0"/>
+              <a:t>1/13/2023</a:t>
+            </a:fld>
+            <a:endParaRPr lang="en-US" dirty="0"/>
+          </a:p>
+        </p:txBody>
+      </p:sp>
+      <p:sp>
+        <p:nvSpPr>
+          <p:cNvPr id="3" name="Footer Placeholder 2">
+            <a:extLst>
+              <a:ext uri="{FF2B5EF4-FFF2-40B4-BE49-F238E27FC236}">
+                <a16:creationId xmlns:a16="http://schemas.microsoft.com/office/drawing/2014/main" id="{38A541A4-915D-454E-BFEC-47B1257F2283}"/>
+              </a:ext>
+            </a:extLst>
+          </p:cNvPr>
+          <p:cNvSpPr>
+            <a:spLocks noGrp="1"/>
+          </p:cNvSpPr>
+          <p:nvPr>
+            <p:ph type="ftr" sz="quarter" idx="11"/>
+          </p:nvPr>
+        </p:nvSpPr>
+        <p:spPr/>
+        <p:txBody>
+          <a:bodyPr/>
+          <a:lstStyle/>
+          <a:p>
+            <a:r>
+              <a:rPr lang="en-US"/>
+              <a:t>Alexander White // Deloitte AI Academy Capstone</a:t>
+            </a:r>
+            <a:endParaRPr lang="en-US" dirty="0"/>
+          </a:p>
+        </p:txBody>
+      </p:sp>
+      <p:sp>
+        <p:nvSpPr>
+          <p:cNvPr id="4" name="Slide Number Placeholder 3">
+            <a:extLst>
+              <a:ext uri="{FF2B5EF4-FFF2-40B4-BE49-F238E27FC236}">
+                <a16:creationId xmlns:a16="http://schemas.microsoft.com/office/drawing/2014/main" id="{03E8B4D9-E7A4-43CD-A550-C27FD2775C4C}"/>
+              </a:ext>
+            </a:extLst>
+          </p:cNvPr>
+          <p:cNvSpPr>
+            <a:spLocks noGrp="1"/>
+          </p:cNvSpPr>
+          <p:nvPr>
+            <p:ph type="sldNum" sz="quarter" idx="12"/>
+          </p:nvPr>
+        </p:nvSpPr>
+        <p:spPr/>
+        <p:txBody>
+          <a:bodyPr/>
+          <a:lstStyle/>
+          <a:p>
+            <a:fld id="{DA60BA0E-20D0-4E7C-B286-26C960A6788F}" type="slidenum">
+              <a:rPr lang="en-US" smtClean="0"/>
+              <a:t>12</a:t>
+            </a:fld>
+            <a:endParaRPr lang="en-US"/>
+          </a:p>
+        </p:txBody>
+      </p:sp>
+    </p:spTree>
+    <p:extLst>
+      <p:ext uri="{BB962C8B-B14F-4D97-AF65-F5344CB8AC3E}">
+        <p14:creationId xmlns:p14="http://schemas.microsoft.com/office/powerpoint/2010/main" val="3527848071"/>
+      </p:ext>
+    </p:extLst>
+  </p:cSld>
+  <p:clrMapOvr>
+    <a:masterClrMapping/>
+  </p:clrMapOvr>
+  <mc:AlternateContent xmlns:mc="http://schemas.openxmlformats.org/markup-compatibility/2006" xmlns:p14="http://schemas.microsoft.com/office/powerpoint/2010/main">
+    <mc:Choice Requires="p14">
+      <p:transition spd="med" p14:dur="700">
+        <p:fade/>
+      </p:transition>
+    </mc:Choice>
+    <mc:Fallback xmlns="">
+      <p:transition spd="med">
+        <p:fade/>
+      </p:transition>
+    </mc:Fallback>
+  </mc:AlternateContent>
+</p:sld>
+</file>
+
+<file path=ppt/slides/slide13.xml><?xml version="1.0" encoding="utf-8"?>
+<p:sld xmlns:a="http://schemas.openxmlformats.org/drawingml/2006/main" xmlns:r="http://schemas.openxmlformats.org/officeDocument/2006/relationships" xmlns:p="http://schemas.openxmlformats.org/presentationml/2006/main">
+  <p:cSld>
+    <p:spTree>
+      <p:nvGrpSpPr>
+        <p:cNvPr id="1" name=""/>
+        <p:cNvGrpSpPr/>
+        <p:nvPr/>
+      </p:nvGrpSpPr>
+      <p:grpSpPr>
+        <a:xfrm>
+          <a:off x="0" y="0"/>
+          <a:ext cx="0" cy="0"/>
+          <a:chOff x="0" y="0"/>
+          <a:chExt cx="0" cy="0"/>
+        </a:xfrm>
+      </p:grpSpPr>
+      <p:sp>
+        <p:nvSpPr>
+          <p:cNvPr id="3" name="Text Placeholder 2">
+            <a:extLst>
+              <a:ext uri="{FF2B5EF4-FFF2-40B4-BE49-F238E27FC236}">
+                <a16:creationId xmlns:a16="http://schemas.microsoft.com/office/drawing/2014/main" id="{D9AF7E2C-8BFC-45D0-A483-0CB19107C8B6}"/>
+              </a:ext>
+            </a:extLst>
+          </p:cNvPr>
+          <p:cNvSpPr>
+            <a:spLocks noGrp="1"/>
+          </p:cNvSpPr>
+          <p:nvPr>
+            <p:ph type="body" idx="1"/>
+          </p:nvPr>
+        </p:nvSpPr>
+        <p:spPr>
+          <a:xfrm>
+            <a:off x="812589" y="4418013"/>
+            <a:ext cx="7008574" cy="1296987"/>
+          </a:xfrm>
+        </p:spPr>
+        <p:txBody>
+          <a:bodyPr/>
+          <a:lstStyle/>
+          <a:p>
+            <a:r>
+              <a:rPr lang="en-US" dirty="0"/>
+              <a:t>Thank you for your time.</a:t>
+            </a:r>
+          </a:p>
+          <a:p>
+            <a:r>
+              <a:rPr lang="en-US" dirty="0"/>
+              <a:t>Are there any questions?</a:t>
+            </a:r>
+          </a:p>
+        </p:txBody>
+      </p:sp>
+      <p:sp>
+        <p:nvSpPr>
+          <p:cNvPr id="4" name="TextBox 3">
+            <a:extLst>
+              <a:ext uri="{FF2B5EF4-FFF2-40B4-BE49-F238E27FC236}">
+                <a16:creationId xmlns:a16="http://schemas.microsoft.com/office/drawing/2014/main" id="{5C118CE9-1741-4D40-ABD4-3EBB0B451A66}"/>
+              </a:ext>
+            </a:extLst>
+          </p:cNvPr>
+          <p:cNvSpPr txBox="1"/>
+          <p:nvPr/>
+        </p:nvSpPr>
+        <p:spPr>
+          <a:xfrm>
+            <a:off x="812589" y="1600200"/>
+            <a:ext cx="7313295" cy="2416046"/>
+          </a:xfrm>
+          <a:prstGeom prst="rect">
+            <a:avLst/>
+          </a:prstGeom>
+          <a:noFill/>
+        </p:spPr>
+        <p:txBody>
+          <a:bodyPr wrap="square" rtlCol="0">
+            <a:spAutoFit/>
+          </a:bodyPr>
+          <a:lstStyle/>
+          <a:p>
+            <a:r>
+              <a:rPr lang="en-US" sz="2800" i="1" dirty="0">
+                <a:latin typeface="Adobe Devanagari" panose="02040503050201020203" pitchFamily="18" charset="0"/>
+                <a:cs typeface="Adobe Devanagari" panose="02040503050201020203" pitchFamily="18" charset="0"/>
+              </a:rPr>
+              <a:t>“[Genre] is what tells you where to look in a bookstore…[it’s] telling you which aisles to not bother going down. That’s the simplicity of book shelving in bookstores. It tells you what not to read.”</a:t>
+            </a:r>
+          </a:p>
+          <a:p>
+            <a:endParaRPr lang="en-US" sz="1100" i="1" dirty="0">
+              <a:latin typeface="Adobe Devanagari" panose="02040503050201020203" pitchFamily="18" charset="0"/>
+              <a:cs typeface="Adobe Devanagari" panose="02040503050201020203" pitchFamily="18" charset="0"/>
+            </a:endParaRPr>
+          </a:p>
+          <a:p>
+            <a:r>
+              <a:rPr lang="en-US" sz="2800" i="1" dirty="0">
+                <a:latin typeface="Adobe Devanagari" panose="02040503050201020203" pitchFamily="18" charset="0"/>
+                <a:cs typeface="Adobe Devanagari" panose="02040503050201020203" pitchFamily="18" charset="0"/>
+              </a:rPr>
+              <a:t>-Neil </a:t>
+            </a:r>
+            <a:r>
+              <a:rPr lang="en-US" sz="2800" i="1" dirty="0" err="1">
+                <a:latin typeface="Adobe Devanagari" panose="02040503050201020203" pitchFamily="18" charset="0"/>
+                <a:cs typeface="Adobe Devanagari" panose="02040503050201020203" pitchFamily="18" charset="0"/>
+              </a:rPr>
+              <a:t>Gaiman</a:t>
+            </a:r>
+            <a:r>
+              <a:rPr lang="en-US" sz="2800" i="1" dirty="0">
+                <a:latin typeface="Adobe Devanagari" panose="02040503050201020203" pitchFamily="18" charset="0"/>
+                <a:cs typeface="Adobe Devanagari" panose="02040503050201020203" pitchFamily="18" charset="0"/>
+              </a:rPr>
+              <a:t>, 2013</a:t>
+            </a:r>
+          </a:p>
+        </p:txBody>
+      </p:sp>
+      <p:sp>
+        <p:nvSpPr>
+          <p:cNvPr id="5" name="Date Placeholder 4">
+            <a:extLst>
+              <a:ext uri="{FF2B5EF4-FFF2-40B4-BE49-F238E27FC236}">
+                <a16:creationId xmlns:a16="http://schemas.microsoft.com/office/drawing/2014/main" id="{9AC4D6C3-4446-4BD3-8213-F24206ABEE2E}"/>
+              </a:ext>
+            </a:extLst>
+          </p:cNvPr>
+          <p:cNvSpPr>
+            <a:spLocks noGrp="1"/>
+          </p:cNvSpPr>
+          <p:nvPr>
+            <p:ph type="dt" sz="half" idx="10"/>
+          </p:nvPr>
+        </p:nvSpPr>
+        <p:spPr/>
+        <p:txBody>
+          <a:bodyPr/>
+          <a:lstStyle/>
+          <a:p>
+            <a:fld id="{59465601-719B-4E6A-AB2C-8EA0F0E06762}" type="datetime1">
+              <a:rPr lang="en-US" smtClean="0"/>
+              <a:t>1/13/2023</a:t>
+            </a:fld>
+            <a:endParaRPr lang="en-US"/>
+          </a:p>
+        </p:txBody>
+      </p:sp>
+      <p:sp>
+        <p:nvSpPr>
+          <p:cNvPr id="6" name="Footer Placeholder 5">
+            <a:extLst>
+              <a:ext uri="{FF2B5EF4-FFF2-40B4-BE49-F238E27FC236}">
+                <a16:creationId xmlns:a16="http://schemas.microsoft.com/office/drawing/2014/main" id="{C0D9F1BE-40B9-4AE2-912F-DB23BB9E1A16}"/>
+              </a:ext>
+            </a:extLst>
+          </p:cNvPr>
+          <p:cNvSpPr>
+            <a:spLocks noGrp="1"/>
+          </p:cNvSpPr>
+          <p:nvPr>
+            <p:ph type="ftr" sz="quarter" idx="11"/>
+          </p:nvPr>
+        </p:nvSpPr>
+        <p:spPr/>
+        <p:txBody>
+          <a:bodyPr/>
+          <a:lstStyle/>
+          <a:p>
+            <a:r>
+              <a:rPr lang="en-US"/>
+              <a:t>Alexander White // Deloitte AI Academy Capstone</a:t>
+            </a:r>
+            <a:endParaRPr lang="en-US" dirty="0"/>
+          </a:p>
+        </p:txBody>
+      </p:sp>
+      <p:sp>
+        <p:nvSpPr>
+          <p:cNvPr id="7" name="Slide Number Placeholder 6">
+            <a:extLst>
+              <a:ext uri="{FF2B5EF4-FFF2-40B4-BE49-F238E27FC236}">
+                <a16:creationId xmlns:a16="http://schemas.microsoft.com/office/drawing/2014/main" id="{00F97DD8-1714-4770-B3D9-7BB8707FCAE6}"/>
+              </a:ext>
+            </a:extLst>
+          </p:cNvPr>
+          <p:cNvSpPr>
+            <a:spLocks noGrp="1"/>
+          </p:cNvSpPr>
+          <p:nvPr>
+            <p:ph type="sldNum" sz="quarter" idx="12"/>
+          </p:nvPr>
+        </p:nvSpPr>
+        <p:spPr/>
+        <p:txBody>
+          <a:bodyPr/>
+          <a:lstStyle/>
+          <a:p>
+            <a:fld id="{EB37DED6-D4C7-42EE-AB49-D2E39E64FDE4}" type="slidenum">
+              <a:rPr lang="en-US" smtClean="0"/>
+              <a:pPr/>
+              <a:t>13</a:t>
+            </a:fld>
+            <a:endParaRPr lang="en-US"/>
+          </a:p>
+        </p:txBody>
+      </p:sp>
+    </p:spTree>
+    <p:extLst>
+      <p:ext uri="{BB962C8B-B14F-4D97-AF65-F5344CB8AC3E}">
+        <p14:creationId xmlns:p14="http://schemas.microsoft.com/office/powerpoint/2010/main" val="2255050080"/>
       </p:ext>
     </p:extLst>
   </p:cSld>
@@ -5535,7 +5471,7 @@
             </a:pPr>
             <a:r>
               <a:rPr lang="en-US" dirty="0"/>
-              <a:t>This study was an effort to develop a model which would correctly predict the most appropriate genre for a book from the contents of its text.</a:t>
+              <a:t>This study was an effort to develop a model which would correctly predict the most appropriate genre for a book from the contents of its summary.</a:t>
             </a:r>
           </a:p>
         </p:txBody>
@@ -5575,7 +5511,7 @@
                   <a:spcPts val="600"/>
                 </a:spcAft>
               </a:pPr>
-              <a:t>1/6/2023</a:t>
+              <a:t>1/13/2023</a:t>
             </a:fld>
             <a:endParaRPr lang="en-US"/>
           </a:p>
@@ -5843,7 +5779,7 @@
           <a:p>
             <a:fld id="{CC2E7315-2682-4D2B-A3EF-BCCC38836756}" type="datetime1">
               <a:rPr lang="en-US" smtClean="0"/>
-              <a:t>1/6/2023</a:t>
+              <a:t>1/13/2023</a:t>
             </a:fld>
             <a:endParaRPr lang="en-US"/>
           </a:p>
@@ -6041,82 +5977,10 @@
       </p:grpSpPr>
       <p:sp>
         <p:nvSpPr>
-          <p:cNvPr id="13" name="Title 12"/>
-          <p:cNvSpPr>
-            <a:spLocks noGrp="1"/>
-          </p:cNvSpPr>
-          <p:nvPr>
-            <p:ph type="title"/>
-          </p:nvPr>
-        </p:nvSpPr>
-        <p:spPr/>
-        <p:txBody>
-          <a:bodyPr/>
-          <a:lstStyle/>
-          <a:p>
-            <a:r>
-              <a:rPr lang="en-US" dirty="0"/>
-              <a:t>Developing the model</a:t>
-            </a:r>
-          </a:p>
-        </p:txBody>
-      </p:sp>
-      <p:sp>
-        <p:nvSpPr>
-          <p:cNvPr id="14" name="Content Placeholder 13"/>
-          <p:cNvSpPr>
-            <a:spLocks noGrp="1"/>
-          </p:cNvSpPr>
-          <p:nvPr>
-            <p:ph idx="1"/>
-          </p:nvPr>
-        </p:nvSpPr>
-        <p:spPr/>
-        <p:txBody>
-          <a:bodyPr/>
-          <a:lstStyle/>
-          <a:p>
-            <a:r>
-              <a:rPr lang="en-US" dirty="0"/>
-              <a:t>Our initial hypothesis was that each genre would have its own subset of commonly used words.</a:t>
-            </a:r>
-          </a:p>
-          <a:p>
-            <a:r>
-              <a:rPr lang="en-US" dirty="0"/>
-              <a:t>We ingested 2000+ books from Project Gutenberg (an open use online repository).</a:t>
-            </a:r>
-          </a:p>
-          <a:p>
-            <a:r>
-              <a:rPr lang="en-US" dirty="0"/>
-              <a:t>The books were broken into standardized words (for example: am, are, were </a:t>
-            </a:r>
-            <a:r>
-              <a:rPr lang="en-US" dirty="0">
-                <a:sym typeface="Wingdings" panose="05000000000000000000" pitchFamily="2" charset="2"/>
-              </a:rPr>
-              <a:t> is)</a:t>
-            </a:r>
-            <a:r>
-              <a:rPr lang="en-US" dirty="0"/>
-              <a:t>, which were counted for each book.</a:t>
-            </a:r>
-          </a:p>
-          <a:p>
-            <a:r>
-              <a:rPr lang="en-US" dirty="0"/>
-              <a:t>From these counts, we trained our model to predict the associated genre of a book.</a:t>
-            </a:r>
-          </a:p>
-        </p:txBody>
-      </p:sp>
-      <p:sp>
-        <p:nvSpPr>
-          <p:cNvPr id="2" name="Date Placeholder 1">
+          <p:cNvPr id="9" name="Text Placeholder 8">
             <a:extLst>
               <a:ext uri="{FF2B5EF4-FFF2-40B4-BE49-F238E27FC236}">
-                <a16:creationId xmlns:a16="http://schemas.microsoft.com/office/drawing/2014/main" id="{E769890B-13E4-42C8-BADE-D4F08A509F88}"/>
+                <a16:creationId xmlns:a16="http://schemas.microsoft.com/office/drawing/2014/main" id="{8C5766F1-CCAF-4F02-9E3C-431EF24E537D}"/>
               </a:ext>
             </a:extLst>
           </p:cNvPr>
@@ -6124,28 +5988,42 @@
             <a:spLocks noGrp="1"/>
           </p:cNvSpPr>
           <p:nvPr>
-            <p:ph type="dt" sz="half" idx="10"/>
-          </p:nvPr>
-        </p:nvSpPr>
-        <p:spPr/>
-        <p:txBody>
-          <a:bodyPr/>
-          <a:lstStyle/>
-          <a:p>
-            <a:fld id="{54278573-9DC6-4FF9-B4E5-2CDAF7146583}" type="datetime1">
-              <a:rPr lang="en-US" smtClean="0"/>
-              <a:t>1/6/2023</a:t>
-            </a:fld>
-            <a:endParaRPr lang="en-US" dirty="0"/>
-          </a:p>
-        </p:txBody>
-      </p:sp>
-      <p:sp>
-        <p:nvSpPr>
-          <p:cNvPr id="3" name="Footer Placeholder 2">
+            <p:ph type="body" idx="1"/>
+          </p:nvPr>
+        </p:nvSpPr>
+        <p:spPr>
+          <a:xfrm>
+            <a:off x="812589" y="2133600"/>
+            <a:ext cx="7008574" cy="2287587"/>
+          </a:xfrm>
+        </p:spPr>
+        <p:txBody>
+          <a:bodyPr>
+            <a:noAutofit/>
+          </a:bodyPr>
+          <a:lstStyle/>
+          <a:p>
+            <a:r>
+              <a:rPr lang="en-US" sz="3600" dirty="0"/>
+              <a:t>Our goal is to help publishers and editors like </a:t>
+            </a:r>
+            <a:r>
+              <a:rPr lang="en-US" sz="3600" b="1" dirty="0"/>
+              <a:t>you</a:t>
+            </a:r>
+            <a:r>
+              <a:rPr lang="en-US" sz="3600" dirty="0"/>
+              <a:t> to quickly and efficiently process the many books you receive.</a:t>
+            </a:r>
+          </a:p>
+        </p:txBody>
+      </p:sp>
+      <p:sp>
+        <p:nvSpPr>
+          <p:cNvPr id="5" name="Date Placeholder 4">
             <a:extLst>
               <a:ext uri="{FF2B5EF4-FFF2-40B4-BE49-F238E27FC236}">
-                <a16:creationId xmlns:a16="http://schemas.microsoft.com/office/drawing/2014/main" id="{38A541A4-915D-454E-BFEC-47B1257F2283}"/>
+                <a16:creationId xmlns:a16="http://schemas.microsoft.com/office/drawing/2014/main" id="{D40F07D7-DD2C-44A0-BB51-6396561E1111}"/>
               </a:ext>
             </a:extLst>
           </p:cNvPr>
@@ -6153,7 +6031,7 @@
             <a:spLocks noGrp="1"/>
           </p:cNvSpPr>
           <p:nvPr>
-            <p:ph type="ftr" sz="quarter" idx="11"/>
+            <p:ph type="dt" sz="half" idx="10"/>
           </p:nvPr>
         </p:nvSpPr>
         <p:spPr/>
@@ -6161,20 +6039,20 @@
           <a:bodyPr/>
           <a:lstStyle/>
           <a:p>
-            <a:r>
-              <a:rPr lang="en-US"/>
-              <a:t>Alexander White // Deloitte AI Academy Capstone</a:t>
-            </a:r>
-            <a:endParaRPr lang="en-US" dirty="0"/>
-          </a:p>
-        </p:txBody>
-      </p:sp>
-      <p:sp>
-        <p:nvSpPr>
-          <p:cNvPr id="4" name="Slide Number Placeholder 3">
+            <a:fld id="{D934E349-8230-4EE5-8408-F54B96DE9694}" type="datetime1">
+              <a:rPr lang="en-US" smtClean="0"/>
+              <a:t>1/13/2023</a:t>
+            </a:fld>
+            <a:endParaRPr lang="en-US"/>
+          </a:p>
+        </p:txBody>
+      </p:sp>
+      <p:sp>
+        <p:nvSpPr>
+          <p:cNvPr id="6" name="Footer Placeholder 5">
             <a:extLst>
               <a:ext uri="{FF2B5EF4-FFF2-40B4-BE49-F238E27FC236}">
-                <a16:creationId xmlns:a16="http://schemas.microsoft.com/office/drawing/2014/main" id="{03E8B4D9-E7A4-43CD-A550-C27FD2775C4C}"/>
+                <a16:creationId xmlns:a16="http://schemas.microsoft.com/office/drawing/2014/main" id="{7D941615-E564-4573-827F-03AF02C5B2C4}"/>
               </a:ext>
             </a:extLst>
           </p:cNvPr>
@@ -6182,6 +6060,35 @@
             <a:spLocks noGrp="1"/>
           </p:cNvSpPr>
           <p:nvPr>
+            <p:ph type="ftr" sz="quarter" idx="11"/>
+          </p:nvPr>
+        </p:nvSpPr>
+        <p:spPr/>
+        <p:txBody>
+          <a:bodyPr/>
+          <a:lstStyle/>
+          <a:p>
+            <a:r>
+              <a:rPr lang="en-US"/>
+              <a:t>Alexander White // Deloitte AI Academy Capstone</a:t>
+            </a:r>
+            <a:endParaRPr lang="en-US" dirty="0"/>
+          </a:p>
+        </p:txBody>
+      </p:sp>
+      <p:sp>
+        <p:nvSpPr>
+          <p:cNvPr id="7" name="Slide Number Placeholder 6">
+            <a:extLst>
+              <a:ext uri="{FF2B5EF4-FFF2-40B4-BE49-F238E27FC236}">
+                <a16:creationId xmlns:a16="http://schemas.microsoft.com/office/drawing/2014/main" id="{B05619D4-BEFF-4C16-8292-FFA6AD9E079E}"/>
+              </a:ext>
+            </a:extLst>
+          </p:cNvPr>
+          <p:cNvSpPr>
+            <a:spLocks noGrp="1"/>
+          </p:cNvSpPr>
+          <p:nvPr>
             <p:ph type="sldNum" sz="quarter" idx="12"/>
           </p:nvPr>
         </p:nvSpPr>
@@ -6190,7 +6097,7 @@
           <a:bodyPr/>
           <a:lstStyle/>
           <a:p>
-            <a:fld id="{DA60BA0E-20D0-4E7C-B286-26C960A6788F}" type="slidenum">
+            <a:fld id="{EB37DED6-D4C7-42EE-AB49-D2E39E64FDE4}" type="slidenum">
               <a:rPr lang="en-US" smtClean="0"/>
               <a:t>4</a:t>
             </a:fld>
@@ -6201,7 +6108,7 @@
     </p:spTree>
     <p:extLst>
       <p:ext uri="{BB962C8B-B14F-4D97-AF65-F5344CB8AC3E}">
-        <p14:creationId xmlns:p14="http://schemas.microsoft.com/office/powerpoint/2010/main" val="876742528"/>
+        <p14:creationId xmlns:p14="http://schemas.microsoft.com/office/powerpoint/2010/main" val="296558813"/>
       </p:ext>
     </p:extLst>
   </p:cSld>
@@ -6242,7 +6149,7 @@
       </p:grpSpPr>
       <p:sp>
         <p:nvSpPr>
-          <p:cNvPr id="2" name="Title 1"/>
+          <p:cNvPr id="13" name="Title 12"/>
           <p:cNvSpPr>
             <a:spLocks noGrp="1"/>
           </p:cNvSpPr>
@@ -6257,37 +6164,67 @@
           <a:p>
             <a:r>
               <a:rPr lang="en-US" dirty="0"/>
-              <a:t>[Placeholder: Results]</a:t>
-            </a:r>
-          </a:p>
-        </p:txBody>
-      </p:sp>
-      <p:graphicFrame>
-        <p:nvGraphicFramePr>
-          <p:cNvPr id="7" name="Content Placeholder 6" descr="Line chart showing the values of 3 series for 4 categories"/>
-          <p:cNvGraphicFramePr>
-            <a:graphicFrameLocks noGrp="1"/>
-          </p:cNvGraphicFramePr>
+              <a:t>Developing the model</a:t>
+            </a:r>
+          </a:p>
+        </p:txBody>
+      </p:sp>
+      <p:sp>
+        <p:nvSpPr>
+          <p:cNvPr id="14" name="Content Placeholder 13"/>
+          <p:cNvSpPr>
+            <a:spLocks noGrp="1"/>
+          </p:cNvSpPr>
           <p:nvPr>
             <p:ph idx="1"/>
           </p:nvPr>
-        </p:nvGraphicFramePr>
-        <p:xfrm>
-          <a:off x="1117600" y="1701800"/>
-          <a:ext cx="10156825" cy="4470400"/>
-        </p:xfrm>
-        <a:graphic>
-          <a:graphicData uri="http://schemas.openxmlformats.org/drawingml/2006/chart">
-            <c:chart xmlns:c="http://schemas.openxmlformats.org/drawingml/2006/chart" xmlns:r="http://schemas.openxmlformats.org/officeDocument/2006/relationships" r:id="rId2"/>
-          </a:graphicData>
-        </a:graphic>
-      </p:graphicFrame>
-      <p:sp>
-        <p:nvSpPr>
-          <p:cNvPr id="3" name="Date Placeholder 2">
+        </p:nvSpPr>
+        <p:spPr/>
+        <p:txBody>
+          <a:bodyPr/>
+          <a:lstStyle/>
+          <a:p>
+            <a:r>
+              <a:rPr lang="en-US" dirty="0"/>
+              <a:t>Our initial hypothesis was that each genre would have its own subset of commonly used words.</a:t>
+            </a:r>
+          </a:p>
+          <a:p>
+            <a:r>
+              <a:rPr lang="en-US" dirty="0"/>
+              <a:t>We ingested 12,000+ book summaries from a Kaggle dataset, originally sourced from Wikipedia and Freebase.</a:t>
+            </a:r>
+          </a:p>
+          <a:p>
+            <a:r>
+              <a:rPr lang="en-US" dirty="0"/>
+              <a:t>The summaries were broken into standardized words (for example: am, are, were </a:t>
+            </a:r>
+            <a:r>
+              <a:rPr lang="en-US" dirty="0">
+                <a:sym typeface="Wingdings" panose="05000000000000000000" pitchFamily="2" charset="2"/>
+              </a:rPr>
+              <a:t> is)</a:t>
+            </a:r>
+            <a:r>
+              <a:rPr lang="en-US" dirty="0"/>
+              <a:t>, which were counted and analyzed for each book.</a:t>
+            </a:r>
+          </a:p>
+          <a:p>
+            <a:r>
+              <a:rPr lang="en-US" dirty="0"/>
+              <a:t>From these counts, we trained our model to predict the associated genre of a book.</a:t>
+            </a:r>
+          </a:p>
+        </p:txBody>
+      </p:sp>
+      <p:sp>
+        <p:nvSpPr>
+          <p:cNvPr id="2" name="Date Placeholder 1">
             <a:extLst>
               <a:ext uri="{FF2B5EF4-FFF2-40B4-BE49-F238E27FC236}">
-                <a16:creationId xmlns:a16="http://schemas.microsoft.com/office/drawing/2014/main" id="{03F5AD18-5946-4E4B-956D-19F6C887DAB6}"/>
+                <a16:creationId xmlns:a16="http://schemas.microsoft.com/office/drawing/2014/main" id="{E769890B-13E4-42C8-BADE-D4F08A509F88}"/>
               </a:ext>
             </a:extLst>
           </p:cNvPr>
@@ -6303,9 +6240,9 @@
           <a:bodyPr/>
           <a:lstStyle/>
           <a:p>
-            <a:fld id="{7E9D7C0C-5119-41E1-B8CE-F8D58BB0C82B}" type="datetime1">
+            <a:fld id="{54278573-9DC6-4FF9-B4E5-2CDAF7146583}" type="datetime1">
               <a:rPr lang="en-US" smtClean="0"/>
-              <a:t>1/6/2023</a:t>
+              <a:t>1/13/2023</a:t>
             </a:fld>
             <a:endParaRPr lang="en-US" dirty="0"/>
           </a:p>
@@ -6313,10 +6250,10 @@
       </p:sp>
       <p:sp>
         <p:nvSpPr>
-          <p:cNvPr id="4" name="Footer Placeholder 3">
+          <p:cNvPr id="3" name="Footer Placeholder 2">
             <a:extLst>
               <a:ext uri="{FF2B5EF4-FFF2-40B4-BE49-F238E27FC236}">
-                <a16:creationId xmlns:a16="http://schemas.microsoft.com/office/drawing/2014/main" id="{4735DF6E-DCD7-43F9-B5AF-2991001D306E}"/>
+                <a16:creationId xmlns:a16="http://schemas.microsoft.com/office/drawing/2014/main" id="{38A541A4-915D-454E-BFEC-47B1257F2283}"/>
               </a:ext>
             </a:extLst>
           </p:cNvPr>
@@ -6342,10 +6279,10 @@
       </p:sp>
       <p:sp>
         <p:nvSpPr>
-          <p:cNvPr id="5" name="Slide Number Placeholder 4">
+          <p:cNvPr id="4" name="Slide Number Placeholder 3">
             <a:extLst>
               <a:ext uri="{FF2B5EF4-FFF2-40B4-BE49-F238E27FC236}">
-                <a16:creationId xmlns:a16="http://schemas.microsoft.com/office/drawing/2014/main" id="{4A76CDBB-98AC-4CBB-B98D-CFC169F79FE6}"/>
+                <a16:creationId xmlns:a16="http://schemas.microsoft.com/office/drawing/2014/main" id="{03E8B4D9-E7A4-43CD-A550-C27FD2775C4C}"/>
               </a:ext>
             </a:extLst>
           </p:cNvPr>
@@ -6372,7 +6309,7 @@
     </p:spTree>
     <p:extLst>
       <p:ext uri="{BB962C8B-B14F-4D97-AF65-F5344CB8AC3E}">
-        <p14:creationId xmlns:p14="http://schemas.microsoft.com/office/powerpoint/2010/main" val="7339553"/>
+        <p14:creationId xmlns:p14="http://schemas.microsoft.com/office/powerpoint/2010/main" val="876742528"/>
       </p:ext>
     </p:extLst>
   </p:cSld>
@@ -6413,144 +6350,10 @@
       </p:grpSpPr>
       <p:sp>
         <p:nvSpPr>
-          <p:cNvPr id="2" name="Title 1"/>
-          <p:cNvSpPr>
-            <a:spLocks noGrp="1"/>
-          </p:cNvSpPr>
-          <p:nvPr>
-            <p:ph type="title"/>
-          </p:nvPr>
-        </p:nvSpPr>
-        <p:spPr/>
-        <p:txBody>
-          <a:bodyPr/>
-          <a:lstStyle/>
-          <a:p>
-            <a:r>
-              <a:rPr lang="en-US" dirty="0"/>
-              <a:t>The Significance: Time is Money</a:t>
-            </a:r>
-          </a:p>
-        </p:txBody>
-      </p:sp>
-      <p:sp>
-        <p:nvSpPr>
-          <p:cNvPr id="5" name="Text Placeholder 4"/>
-          <p:cNvSpPr>
-            <a:spLocks noGrp="1"/>
-          </p:cNvSpPr>
-          <p:nvPr>
-            <p:ph type="body" idx="1"/>
-          </p:nvPr>
-        </p:nvSpPr>
-        <p:spPr/>
-        <p:txBody>
-          <a:bodyPr/>
-          <a:lstStyle/>
-          <a:p>
-            <a:r>
-              <a:rPr lang="en-US" dirty="0"/>
-              <a:t>What can this do for you?</a:t>
-            </a:r>
-          </a:p>
-        </p:txBody>
-      </p:sp>
-      <p:sp>
-        <p:nvSpPr>
-          <p:cNvPr id="3" name="Content Placeholder 2"/>
-          <p:cNvSpPr>
-            <a:spLocks noGrp="1"/>
-          </p:cNvSpPr>
-          <p:nvPr>
-            <p:ph sz="half" idx="2"/>
-          </p:nvPr>
-        </p:nvSpPr>
-        <p:spPr/>
-        <p:txBody>
-          <a:bodyPr/>
-          <a:lstStyle/>
-          <a:p>
-            <a:r>
-              <a:rPr lang="en-US" dirty="0"/>
-              <a:t>Reduce the workload on editors</a:t>
-            </a:r>
-          </a:p>
-          <a:p>
-            <a:r>
-              <a:rPr lang="en-US" dirty="0"/>
-              <a:t>Provide rapid suggestions for genre tagging of texts</a:t>
-            </a:r>
-          </a:p>
-          <a:p>
-            <a:r>
-              <a:rPr lang="en-US" dirty="0"/>
-              <a:t>Help identify “tricky” texts</a:t>
-            </a:r>
-          </a:p>
-        </p:txBody>
-      </p:sp>
-      <p:sp>
-        <p:nvSpPr>
-          <p:cNvPr id="6" name="Text Placeholder 5"/>
-          <p:cNvSpPr>
-            <a:spLocks noGrp="1"/>
-          </p:cNvSpPr>
-          <p:nvPr>
-            <p:ph type="body" sz="quarter" idx="3"/>
-          </p:nvPr>
-        </p:nvSpPr>
-        <p:spPr/>
-        <p:txBody>
-          <a:bodyPr/>
-          <a:lstStyle/>
-          <a:p>
-            <a:r>
-              <a:rPr lang="en-US" dirty="0"/>
-              <a:t>What limitations still exist?</a:t>
-            </a:r>
-          </a:p>
-        </p:txBody>
-      </p:sp>
-      <p:sp>
-        <p:nvSpPr>
-          <p:cNvPr id="4" name="Content Placeholder 3"/>
-          <p:cNvSpPr>
-            <a:spLocks noGrp="1"/>
-          </p:cNvSpPr>
-          <p:nvPr>
-            <p:ph sz="quarter" idx="4"/>
-          </p:nvPr>
-        </p:nvSpPr>
-        <p:spPr/>
-        <p:txBody>
-          <a:bodyPr/>
-          <a:lstStyle/>
-          <a:p>
-            <a:r>
-              <a:rPr lang="en-US" dirty="0"/>
-              <a:t>Only considers word use, not style</a:t>
-            </a:r>
-          </a:p>
-          <a:p>
-            <a:r>
-              <a:rPr lang="en-US" dirty="0"/>
-              <a:t>Suggestions are not flawless</a:t>
-            </a:r>
-          </a:p>
-          <a:p>
-            <a:r>
-              <a:rPr lang="en-US" dirty="0"/>
-              <a:t>Only works for English language texts</a:t>
-            </a:r>
-          </a:p>
-        </p:txBody>
-      </p:sp>
-      <p:sp>
-        <p:nvSpPr>
-          <p:cNvPr id="7" name="Date Placeholder 6">
+          <p:cNvPr id="16" name="Title 15">
             <a:extLst>
               <a:ext uri="{FF2B5EF4-FFF2-40B4-BE49-F238E27FC236}">
-                <a16:creationId xmlns:a16="http://schemas.microsoft.com/office/drawing/2014/main" id="{C8BA5926-576C-4C5B-8876-690E98A8A93E}"/>
+                <a16:creationId xmlns:a16="http://schemas.microsoft.com/office/drawing/2014/main" id="{9FACD234-2F36-4723-BAAD-7B5E5077CCE4}"/>
               </a:ext>
             </a:extLst>
           </p:cNvPr>
@@ -6558,28 +6361,32 @@
             <a:spLocks noGrp="1"/>
           </p:cNvSpPr>
           <p:nvPr>
-            <p:ph type="dt" sz="half" idx="10"/>
-          </p:nvPr>
-        </p:nvSpPr>
-        <p:spPr/>
+            <p:ph type="title"/>
+          </p:nvPr>
+        </p:nvSpPr>
+        <p:spPr>
+          <a:xfrm>
+            <a:off x="304721" y="914400"/>
+            <a:ext cx="3351927" cy="508000"/>
+          </a:xfrm>
+        </p:spPr>
         <p:txBody>
           <a:bodyPr/>
           <a:lstStyle/>
           <a:p>
-            <a:fld id="{27352562-FD12-437A-B527-261B2080922C}" type="datetime1">
-              <a:rPr lang="en-US" smtClean="0"/>
-              <a:t>1/6/2023</a:t>
-            </a:fld>
-            <a:endParaRPr lang="en-US"/>
-          </a:p>
-        </p:txBody>
-      </p:sp>
-      <p:sp>
-        <p:nvSpPr>
-          <p:cNvPr id="8" name="Footer Placeholder 7">
+            <a:r>
+              <a:rPr lang="en-US" dirty="0"/>
+              <a:t>Defining the Data Setting</a:t>
+            </a:r>
+          </a:p>
+        </p:txBody>
+      </p:sp>
+      <p:sp>
+        <p:nvSpPr>
+          <p:cNvPr id="17" name="Text Placeholder 16">
             <a:extLst>
               <a:ext uri="{FF2B5EF4-FFF2-40B4-BE49-F238E27FC236}">
-                <a16:creationId xmlns:a16="http://schemas.microsoft.com/office/drawing/2014/main" id="{85394400-0774-4EAD-975E-6B84FD167584}"/>
+                <a16:creationId xmlns:a16="http://schemas.microsoft.com/office/drawing/2014/main" id="{72D2A5A5-D662-4FF2-8A5D-A6188C0E4E2B}"/>
               </a:ext>
             </a:extLst>
           </p:cNvPr>
@@ -6587,31 +6394,141 @@
             <a:spLocks noGrp="1"/>
           </p:cNvSpPr>
           <p:nvPr>
-            <p:ph type="ftr" sz="quarter" idx="11"/>
-          </p:nvPr>
-        </p:nvSpPr>
-        <p:spPr/>
+            <p:ph type="body" sz="half" idx="2"/>
+          </p:nvPr>
+        </p:nvSpPr>
+        <p:spPr>
+          <a:xfrm>
+            <a:off x="304721" y="1447800"/>
+            <a:ext cx="3351927" cy="4927600"/>
+          </a:xfrm>
+        </p:spPr>
         <p:txBody>
           <a:bodyPr/>
           <a:lstStyle/>
           <a:p>
             <a:r>
-              <a:rPr lang="en-US"/>
-              <a:t>Alexander White // Deloitte AI Academy Capstone</a:t>
-            </a:r>
-            <a:endParaRPr lang="en-US" dirty="0"/>
-          </a:p>
-        </p:txBody>
-      </p:sp>
-      <p:sp>
-        <p:nvSpPr>
-          <p:cNvPr id="9" name="Slide Number Placeholder 8">
+              <a:rPr lang="en-US" dirty="0"/>
+              <a:t>The initial data was severely unbalanced, so we focused the modeling on only those genres with more than 500 samples in our set.</a:t>
+            </a:r>
+          </a:p>
+        </p:txBody>
+      </p:sp>
+      <p:pic>
+        <p:nvPicPr>
+          <p:cNvPr id="1028" name="Picture 4">
             <a:extLst>
               <a:ext uri="{FF2B5EF4-FFF2-40B4-BE49-F238E27FC236}">
-                <a16:creationId xmlns:a16="http://schemas.microsoft.com/office/drawing/2014/main" id="{94749F33-2A9E-4772-9284-FCE3A930D5C9}"/>
+                <a16:creationId xmlns:a16="http://schemas.microsoft.com/office/drawing/2014/main" id="{964AF56C-8753-4F73-927F-7D177BA1114A}"/>
               </a:ext>
             </a:extLst>
           </p:cNvPr>
+          <p:cNvPicPr>
+            <a:picLocks noGrp="1" noChangeAspect="1" noChangeArrowheads="1"/>
+          </p:cNvPicPr>
+          <p:nvPr>
+            <p:ph idx="1"/>
+          </p:nvPr>
+        </p:nvPicPr>
+        <p:blipFill>
+          <a:blip r:embed="rId2" cstate="print">
+            <a:extLst>
+              <a:ext uri="{28A0092B-C50C-407E-A947-70E740481C1C}">
+                <a14:useLocalDpi xmlns:a14="http://schemas.microsoft.com/office/drawing/2010/main" val="0"/>
+              </a:ext>
+            </a:extLst>
+          </a:blip>
+          <a:stretch>
+            <a:fillRect/>
+          </a:stretch>
+        </p:blipFill>
+        <p:spPr bwMode="auto">
+          <a:xfrm>
+            <a:off x="4646612" y="3714927"/>
+            <a:ext cx="6805612" cy="2704015"/>
+          </a:xfrm>
+          <a:prstGeom prst="rect">
+            <a:avLst/>
+          </a:prstGeom>
+          <a:noFill/>
+          <a:extLst>
+            <a:ext uri="{909E8E84-426E-40DD-AFC4-6F175D3DCCD1}">
+              <a14:hiddenFill xmlns:a14="http://schemas.microsoft.com/office/drawing/2010/main">
+                <a:solidFill>
+                  <a:srgbClr val="FFFFFF"/>
+                </a:solidFill>
+              </a14:hiddenFill>
+            </a:ext>
+          </a:extLst>
+        </p:spPr>
+      </p:pic>
+      <p:sp>
+        <p:nvSpPr>
+          <p:cNvPr id="3" name="Date Placeholder 2">
+            <a:extLst>
+              <a:ext uri="{FF2B5EF4-FFF2-40B4-BE49-F238E27FC236}">
+                <a16:creationId xmlns:a16="http://schemas.microsoft.com/office/drawing/2014/main" id="{03F5AD18-5946-4E4B-956D-19F6C887DAB6}"/>
+              </a:ext>
+            </a:extLst>
+          </p:cNvPr>
+          <p:cNvSpPr>
+            <a:spLocks noGrp="1"/>
+          </p:cNvSpPr>
+          <p:nvPr>
+            <p:ph type="dt" sz="half" idx="10"/>
+          </p:nvPr>
+        </p:nvSpPr>
+        <p:spPr/>
+        <p:txBody>
+          <a:bodyPr/>
+          <a:lstStyle/>
+          <a:p>
+            <a:fld id="{7E9D7C0C-5119-41E1-B8CE-F8D58BB0C82B}" type="datetime1">
+              <a:rPr lang="en-US" smtClean="0"/>
+              <a:t>1/13/2023</a:t>
+            </a:fld>
+            <a:endParaRPr lang="en-US" dirty="0"/>
+          </a:p>
+        </p:txBody>
+      </p:sp>
+      <p:sp>
+        <p:nvSpPr>
+          <p:cNvPr id="4" name="Footer Placeholder 3">
+            <a:extLst>
+              <a:ext uri="{FF2B5EF4-FFF2-40B4-BE49-F238E27FC236}">
+                <a16:creationId xmlns:a16="http://schemas.microsoft.com/office/drawing/2014/main" id="{4735DF6E-DCD7-43F9-B5AF-2991001D306E}"/>
+              </a:ext>
+            </a:extLst>
+          </p:cNvPr>
+          <p:cNvSpPr>
+            <a:spLocks noGrp="1"/>
+          </p:cNvSpPr>
+          <p:nvPr>
+            <p:ph type="ftr" sz="quarter" idx="11"/>
+          </p:nvPr>
+        </p:nvSpPr>
+        <p:spPr/>
+        <p:txBody>
+          <a:bodyPr/>
+          <a:lstStyle/>
+          <a:p>
+            <a:r>
+              <a:rPr lang="en-US"/>
+              <a:t>Alexander White // Deloitte AI Academy Capstone</a:t>
+            </a:r>
+            <a:endParaRPr lang="en-US" dirty="0"/>
+          </a:p>
+        </p:txBody>
+      </p:sp>
+      <p:sp>
+        <p:nvSpPr>
+          <p:cNvPr id="5" name="Slide Number Placeholder 4">
+            <a:extLst>
+              <a:ext uri="{FF2B5EF4-FFF2-40B4-BE49-F238E27FC236}">
+                <a16:creationId xmlns:a16="http://schemas.microsoft.com/office/drawing/2014/main" id="{4A76CDBB-98AC-4CBB-B98D-CFC169F79FE6}"/>
+              </a:ext>
+            </a:extLst>
+          </p:cNvPr>
           <p:cNvSpPr>
             <a:spLocks noGrp="1"/>
           </p:cNvSpPr>
@@ -6624,7 +6541,7 @@
           <a:bodyPr/>
           <a:lstStyle/>
           <a:p>
-            <a:fld id="{EB37DED6-D4C7-42EE-AB49-D2E39E64FDE4}" type="slidenum">
+            <a:fld id="{DA60BA0E-20D0-4E7C-B286-26C960A6788F}" type="slidenum">
               <a:rPr lang="en-US" smtClean="0"/>
               <a:t>6</a:t>
             </a:fld>
@@ -6632,10 +6549,807 @@
           </a:p>
         </p:txBody>
       </p:sp>
+      <p:pic>
+        <p:nvPicPr>
+          <p:cNvPr id="1026" name="Picture 2">
+            <a:extLst>
+              <a:ext uri="{FF2B5EF4-FFF2-40B4-BE49-F238E27FC236}">
+                <a16:creationId xmlns:a16="http://schemas.microsoft.com/office/drawing/2014/main" id="{59D23CDE-DB8E-4669-AF55-F91D6B13D8A7}"/>
+              </a:ext>
+            </a:extLst>
+          </p:cNvPr>
+          <p:cNvPicPr>
+            <a:picLocks noChangeAspect="1" noChangeArrowheads="1"/>
+          </p:cNvPicPr>
+          <p:nvPr/>
+        </p:nvPicPr>
+        <p:blipFill>
+          <a:blip r:embed="rId3" cstate="print">
+            <a:extLst>
+              <a:ext uri="{28A0092B-C50C-407E-A947-70E740481C1C}">
+                <a14:useLocalDpi xmlns:a14="http://schemas.microsoft.com/office/drawing/2010/main" val="0"/>
+              </a:ext>
+            </a:extLst>
+          </a:blip>
+          <a:srcRect/>
+          <a:stretch>
+            <a:fillRect/>
+          </a:stretch>
+        </p:blipFill>
+        <p:spPr bwMode="auto">
+          <a:xfrm>
+            <a:off x="4646612" y="720634"/>
+            <a:ext cx="6804792" cy="2704015"/>
+          </a:xfrm>
+          <a:prstGeom prst="rect">
+            <a:avLst/>
+          </a:prstGeom>
+          <a:noFill/>
+          <a:extLst>
+            <a:ext uri="{909E8E84-426E-40DD-AFC4-6F175D3DCCD1}">
+              <a14:hiddenFill xmlns:a14="http://schemas.microsoft.com/office/drawing/2010/main">
+                <a:solidFill>
+                  <a:srgbClr val="FFFFFF"/>
+                </a:solidFill>
+              </a14:hiddenFill>
+            </a:ext>
+          </a:extLst>
+        </p:spPr>
+      </p:pic>
+      <p:graphicFrame>
+        <p:nvGraphicFramePr>
+          <p:cNvPr id="15" name="Table 14">
+            <a:extLst>
+              <a:ext uri="{FF2B5EF4-FFF2-40B4-BE49-F238E27FC236}">
+                <a16:creationId xmlns:a16="http://schemas.microsoft.com/office/drawing/2014/main" id="{CAAAA121-5C36-4B1B-A22B-EF0D09B43658}"/>
+              </a:ext>
+            </a:extLst>
+          </p:cNvPr>
+          <p:cNvGraphicFramePr>
+            <a:graphicFrameLocks noGrp="1"/>
+          </p:cNvGraphicFramePr>
+          <p:nvPr>
+            <p:extLst>
+              <p:ext uri="{D42A27DB-BD31-4B8C-83A1-F6EECF244321}">
+                <p14:modId xmlns:p14="http://schemas.microsoft.com/office/powerpoint/2010/main" val="784110023"/>
+              </p:ext>
+            </p:extLst>
+          </p:nvPr>
+        </p:nvGraphicFramePr>
+        <p:xfrm>
+          <a:off x="432526" y="2859306"/>
+          <a:ext cx="2631181" cy="2931900"/>
+        </p:xfrm>
+        <a:graphic>
+          <a:graphicData uri="http://schemas.openxmlformats.org/drawingml/2006/table">
+            <a:tbl>
+              <a:tblPr firstRow="1">
+                <a:tableStyleId>{69012ECD-51FC-41F1-AA8D-1B2483CD663E}</a:tableStyleId>
+              </a:tblPr>
+              <a:tblGrid>
+                <a:gridCol w="1952167">
+                  <a:extLst>
+                    <a:ext uri="{9D8B030D-6E8A-4147-A177-3AD203B41FA5}">
+                      <a16:colId xmlns:a16="http://schemas.microsoft.com/office/drawing/2014/main" val="1844961041"/>
+                    </a:ext>
+                  </a:extLst>
+                </a:gridCol>
+                <a:gridCol w="679014">
+                  <a:extLst>
+                    <a:ext uri="{9D8B030D-6E8A-4147-A177-3AD203B41FA5}">
+                      <a16:colId xmlns:a16="http://schemas.microsoft.com/office/drawing/2014/main" val="1411481985"/>
+                    </a:ext>
+                  </a:extLst>
+                </a:gridCol>
+              </a:tblGrid>
+              <a:tr h="244325">
+                <a:tc>
+                  <a:txBody>
+                    <a:bodyPr/>
+                    <a:lstStyle/>
+                    <a:p>
+                      <a:pPr algn="l" fontAlgn="b"/>
+                      <a:r>
+                        <a:rPr lang="en-US" sz="1400" b="1" u="none" strike="noStrike" dirty="0">
+                          <a:effectLst/>
+                        </a:rPr>
+                        <a:t>Genre</a:t>
+                      </a:r>
+                      <a:endParaRPr lang="en-US" sz="1400" b="1" i="0" u="none" strike="noStrike" dirty="0">
+                        <a:solidFill>
+                          <a:srgbClr val="000000"/>
+                        </a:solidFill>
+                        <a:effectLst/>
+                        <a:latin typeface="Calibri" panose="020F0502020204030204" pitchFamily="34" charset="0"/>
+                      </a:endParaRPr>
+                    </a:p>
+                  </a:txBody>
+                  <a:tcPr marL="8433" marR="8433" marT="8433" marB="0" anchor="b"/>
+                </a:tc>
+                <a:tc>
+                  <a:txBody>
+                    <a:bodyPr/>
+                    <a:lstStyle/>
+                    <a:p>
+                      <a:pPr algn="r" fontAlgn="b"/>
+                      <a:r>
+                        <a:rPr lang="en-US" sz="1400" b="1" u="none" strike="noStrike" dirty="0">
+                          <a:effectLst/>
+                        </a:rPr>
+                        <a:t>Count</a:t>
+                      </a:r>
+                      <a:endParaRPr lang="en-US" sz="1400" b="1" i="0" u="none" strike="noStrike" dirty="0">
+                        <a:solidFill>
+                          <a:srgbClr val="000000"/>
+                        </a:solidFill>
+                        <a:effectLst/>
+                        <a:latin typeface="Calibri" panose="020F0502020204030204" pitchFamily="34" charset="0"/>
+                      </a:endParaRPr>
+                    </a:p>
+                  </a:txBody>
+                  <a:tcPr marL="8433" marR="8433" marT="8433" marB="0" anchor="b"/>
+                </a:tc>
+                <a:extLst>
+                  <a:ext uri="{0D108BD9-81ED-4DB2-BD59-A6C34878D82A}">
+                    <a16:rowId xmlns:a16="http://schemas.microsoft.com/office/drawing/2014/main" val="1146658613"/>
+                  </a:ext>
+                </a:extLst>
+              </a:tr>
+              <a:tr h="244325">
+                <a:tc>
+                  <a:txBody>
+                    <a:bodyPr/>
+                    <a:lstStyle/>
+                    <a:p>
+                      <a:pPr algn="l" fontAlgn="ctr"/>
+                      <a:r>
+                        <a:rPr lang="en-US" sz="1400" u="none" strike="noStrike">
+                          <a:effectLst/>
+                        </a:rPr>
+                        <a:t>Fiction</a:t>
+                      </a:r>
+                      <a:endParaRPr lang="en-US" sz="1400" b="0" i="0" u="none" strike="noStrike">
+                        <a:solidFill>
+                          <a:srgbClr val="000000"/>
+                        </a:solidFill>
+                        <a:effectLst/>
+                        <a:latin typeface="Calibri" panose="020F0502020204030204" pitchFamily="34" charset="0"/>
+                      </a:endParaRPr>
+                    </a:p>
+                  </a:txBody>
+                  <a:tcPr marL="8433" marR="8433" marT="8433" marB="0" anchor="ctr"/>
+                </a:tc>
+                <a:tc>
+                  <a:txBody>
+                    <a:bodyPr/>
+                    <a:lstStyle/>
+                    <a:p>
+                      <a:pPr algn="r" fontAlgn="b"/>
+                      <a:r>
+                        <a:rPr lang="en-US" sz="1400" u="none" strike="noStrike">
+                          <a:effectLst/>
+                        </a:rPr>
+                        <a:t>4747</a:t>
+                      </a:r>
+                      <a:endParaRPr lang="en-US" sz="1400" b="0" i="0" u="none" strike="noStrike">
+                        <a:solidFill>
+                          <a:srgbClr val="000000"/>
+                        </a:solidFill>
+                        <a:effectLst/>
+                        <a:latin typeface="Calibri" panose="020F0502020204030204" pitchFamily="34" charset="0"/>
+                      </a:endParaRPr>
+                    </a:p>
+                  </a:txBody>
+                  <a:tcPr marL="8433" marR="8433" marT="8433" marB="0" anchor="b"/>
+                </a:tc>
+                <a:extLst>
+                  <a:ext uri="{0D108BD9-81ED-4DB2-BD59-A6C34878D82A}">
+                    <a16:rowId xmlns:a16="http://schemas.microsoft.com/office/drawing/2014/main" val="304306084"/>
+                  </a:ext>
+                </a:extLst>
+              </a:tr>
+              <a:tr h="244325">
+                <a:tc>
+                  <a:txBody>
+                    <a:bodyPr/>
+                    <a:lstStyle/>
+                    <a:p>
+                      <a:pPr algn="l" fontAlgn="ctr"/>
+                      <a:r>
+                        <a:rPr lang="en-US" sz="1400" u="none" strike="noStrike">
+                          <a:effectLst/>
+                        </a:rPr>
+                        <a:t>Speculative fiction</a:t>
+                      </a:r>
+                      <a:endParaRPr lang="en-US" sz="1400" b="0" i="0" u="none" strike="noStrike">
+                        <a:solidFill>
+                          <a:srgbClr val="000000"/>
+                        </a:solidFill>
+                        <a:effectLst/>
+                        <a:latin typeface="Calibri" panose="020F0502020204030204" pitchFamily="34" charset="0"/>
+                      </a:endParaRPr>
+                    </a:p>
+                  </a:txBody>
+                  <a:tcPr marL="8433" marR="8433" marT="8433" marB="0" anchor="ctr"/>
+                </a:tc>
+                <a:tc>
+                  <a:txBody>
+                    <a:bodyPr/>
+                    <a:lstStyle/>
+                    <a:p>
+                      <a:pPr algn="r" fontAlgn="b"/>
+                      <a:r>
+                        <a:rPr lang="en-US" sz="1400" u="none" strike="noStrike">
+                          <a:effectLst/>
+                        </a:rPr>
+                        <a:t>4314</a:t>
+                      </a:r>
+                      <a:endParaRPr lang="en-US" sz="1400" b="0" i="0" u="none" strike="noStrike">
+                        <a:solidFill>
+                          <a:srgbClr val="000000"/>
+                        </a:solidFill>
+                        <a:effectLst/>
+                        <a:latin typeface="Calibri" panose="020F0502020204030204" pitchFamily="34" charset="0"/>
+                      </a:endParaRPr>
+                    </a:p>
+                  </a:txBody>
+                  <a:tcPr marL="8433" marR="8433" marT="8433" marB="0" anchor="b"/>
+                </a:tc>
+                <a:extLst>
+                  <a:ext uri="{0D108BD9-81ED-4DB2-BD59-A6C34878D82A}">
+                    <a16:rowId xmlns:a16="http://schemas.microsoft.com/office/drawing/2014/main" val="3447642309"/>
+                  </a:ext>
+                </a:extLst>
+              </a:tr>
+              <a:tr h="244325">
+                <a:tc>
+                  <a:txBody>
+                    <a:bodyPr/>
+                    <a:lstStyle/>
+                    <a:p>
+                      <a:pPr algn="l" fontAlgn="ctr"/>
+                      <a:r>
+                        <a:rPr lang="en-US" sz="1400" u="none" strike="noStrike">
+                          <a:effectLst/>
+                        </a:rPr>
+                        <a:t>Science Fiction</a:t>
+                      </a:r>
+                      <a:endParaRPr lang="en-US" sz="1400" b="0" i="0" u="none" strike="noStrike">
+                        <a:solidFill>
+                          <a:srgbClr val="000000"/>
+                        </a:solidFill>
+                        <a:effectLst/>
+                        <a:latin typeface="Calibri" panose="020F0502020204030204" pitchFamily="34" charset="0"/>
+                      </a:endParaRPr>
+                    </a:p>
+                  </a:txBody>
+                  <a:tcPr marL="8433" marR="8433" marT="8433" marB="0" anchor="ctr"/>
+                </a:tc>
+                <a:tc>
+                  <a:txBody>
+                    <a:bodyPr/>
+                    <a:lstStyle/>
+                    <a:p>
+                      <a:pPr algn="r" fontAlgn="b"/>
+                      <a:r>
+                        <a:rPr lang="en-US" sz="1400" u="none" strike="noStrike">
+                          <a:effectLst/>
+                        </a:rPr>
+                        <a:t>2870</a:t>
+                      </a:r>
+                      <a:endParaRPr lang="en-US" sz="1400" b="0" i="0" u="none" strike="noStrike">
+                        <a:solidFill>
+                          <a:srgbClr val="000000"/>
+                        </a:solidFill>
+                        <a:effectLst/>
+                        <a:latin typeface="Calibri" panose="020F0502020204030204" pitchFamily="34" charset="0"/>
+                      </a:endParaRPr>
+                    </a:p>
+                  </a:txBody>
+                  <a:tcPr marL="8433" marR="8433" marT="8433" marB="0" anchor="b"/>
+                </a:tc>
+                <a:extLst>
+                  <a:ext uri="{0D108BD9-81ED-4DB2-BD59-A6C34878D82A}">
+                    <a16:rowId xmlns:a16="http://schemas.microsoft.com/office/drawing/2014/main" val="65264597"/>
+                  </a:ext>
+                </a:extLst>
+              </a:tr>
+              <a:tr h="244325">
+                <a:tc>
+                  <a:txBody>
+                    <a:bodyPr/>
+                    <a:lstStyle/>
+                    <a:p>
+                      <a:pPr algn="l" fontAlgn="ctr"/>
+                      <a:r>
+                        <a:rPr lang="en-US" sz="1400" u="none" strike="noStrike">
+                          <a:effectLst/>
+                        </a:rPr>
+                        <a:t>Novel</a:t>
+                      </a:r>
+                      <a:endParaRPr lang="en-US" sz="1400" b="0" i="0" u="none" strike="noStrike">
+                        <a:solidFill>
+                          <a:srgbClr val="000000"/>
+                        </a:solidFill>
+                        <a:effectLst/>
+                        <a:latin typeface="Calibri" panose="020F0502020204030204" pitchFamily="34" charset="0"/>
+                      </a:endParaRPr>
+                    </a:p>
+                  </a:txBody>
+                  <a:tcPr marL="8433" marR="8433" marT="8433" marB="0" anchor="ctr"/>
+                </a:tc>
+                <a:tc>
+                  <a:txBody>
+                    <a:bodyPr/>
+                    <a:lstStyle/>
+                    <a:p>
+                      <a:pPr algn="r" fontAlgn="b"/>
+                      <a:r>
+                        <a:rPr lang="en-US" sz="1400" u="none" strike="noStrike">
+                          <a:effectLst/>
+                        </a:rPr>
+                        <a:t>2463</a:t>
+                      </a:r>
+                      <a:endParaRPr lang="en-US" sz="1400" b="0" i="0" u="none" strike="noStrike">
+                        <a:solidFill>
+                          <a:srgbClr val="000000"/>
+                        </a:solidFill>
+                        <a:effectLst/>
+                        <a:latin typeface="Calibri" panose="020F0502020204030204" pitchFamily="34" charset="0"/>
+                      </a:endParaRPr>
+                    </a:p>
+                  </a:txBody>
+                  <a:tcPr marL="8433" marR="8433" marT="8433" marB="0" anchor="b"/>
+                </a:tc>
+                <a:extLst>
+                  <a:ext uri="{0D108BD9-81ED-4DB2-BD59-A6C34878D82A}">
+                    <a16:rowId xmlns:a16="http://schemas.microsoft.com/office/drawing/2014/main" val="544536788"/>
+                  </a:ext>
+                </a:extLst>
+              </a:tr>
+              <a:tr h="244325">
+                <a:tc>
+                  <a:txBody>
+                    <a:bodyPr/>
+                    <a:lstStyle/>
+                    <a:p>
+                      <a:pPr algn="l" fontAlgn="ctr"/>
+                      <a:r>
+                        <a:rPr lang="en-US" sz="1400" u="none" strike="noStrike">
+                          <a:effectLst/>
+                        </a:rPr>
+                        <a:t>Fantasy</a:t>
+                      </a:r>
+                      <a:endParaRPr lang="en-US" sz="1400" b="0" i="0" u="none" strike="noStrike">
+                        <a:solidFill>
+                          <a:srgbClr val="000000"/>
+                        </a:solidFill>
+                        <a:effectLst/>
+                        <a:latin typeface="Calibri" panose="020F0502020204030204" pitchFamily="34" charset="0"/>
+                      </a:endParaRPr>
+                    </a:p>
+                  </a:txBody>
+                  <a:tcPr marL="8433" marR="8433" marT="8433" marB="0" anchor="ctr"/>
+                </a:tc>
+                <a:tc>
+                  <a:txBody>
+                    <a:bodyPr/>
+                    <a:lstStyle/>
+                    <a:p>
+                      <a:pPr algn="r" fontAlgn="b"/>
+                      <a:r>
+                        <a:rPr lang="en-US" sz="1400" u="none" strike="noStrike">
+                          <a:effectLst/>
+                        </a:rPr>
+                        <a:t>2413</a:t>
+                      </a:r>
+                      <a:endParaRPr lang="en-US" sz="1400" b="0" i="0" u="none" strike="noStrike">
+                        <a:solidFill>
+                          <a:srgbClr val="000000"/>
+                        </a:solidFill>
+                        <a:effectLst/>
+                        <a:latin typeface="Calibri" panose="020F0502020204030204" pitchFamily="34" charset="0"/>
+                      </a:endParaRPr>
+                    </a:p>
+                  </a:txBody>
+                  <a:tcPr marL="8433" marR="8433" marT="8433" marB="0" anchor="b"/>
+                </a:tc>
+                <a:extLst>
+                  <a:ext uri="{0D108BD9-81ED-4DB2-BD59-A6C34878D82A}">
+                    <a16:rowId xmlns:a16="http://schemas.microsoft.com/office/drawing/2014/main" val="2127633159"/>
+                  </a:ext>
+                </a:extLst>
+              </a:tr>
+              <a:tr h="244325">
+                <a:tc>
+                  <a:txBody>
+                    <a:bodyPr/>
+                    <a:lstStyle/>
+                    <a:p>
+                      <a:pPr algn="l" fontAlgn="ctr"/>
+                      <a:r>
+                        <a:rPr lang="en-US" sz="1400" u="none" strike="noStrike">
+                          <a:effectLst/>
+                        </a:rPr>
+                        <a:t>…</a:t>
+                      </a:r>
+                      <a:endParaRPr lang="en-US" sz="1400" b="0" i="0" u="none" strike="noStrike">
+                        <a:solidFill>
+                          <a:srgbClr val="000000"/>
+                        </a:solidFill>
+                        <a:effectLst/>
+                        <a:latin typeface="Calibri" panose="020F0502020204030204" pitchFamily="34" charset="0"/>
+                      </a:endParaRPr>
+                    </a:p>
+                  </a:txBody>
+                  <a:tcPr marL="8433" marR="8433" marT="8433" marB="0" anchor="ctr"/>
+                </a:tc>
+                <a:tc>
+                  <a:txBody>
+                    <a:bodyPr/>
+                    <a:lstStyle/>
+                    <a:p>
+                      <a:pPr algn="l" fontAlgn="b"/>
+                      <a:endParaRPr lang="en-US" sz="1400" b="0" i="0" u="none" strike="noStrike">
+                        <a:solidFill>
+                          <a:srgbClr val="000000"/>
+                        </a:solidFill>
+                        <a:effectLst/>
+                        <a:latin typeface="Calibri" panose="020F0502020204030204" pitchFamily="34" charset="0"/>
+                      </a:endParaRPr>
+                    </a:p>
+                  </a:txBody>
+                  <a:tcPr marL="8433" marR="8433" marT="8433" marB="0" anchor="b"/>
+                </a:tc>
+                <a:extLst>
+                  <a:ext uri="{0D108BD9-81ED-4DB2-BD59-A6C34878D82A}">
+                    <a16:rowId xmlns:a16="http://schemas.microsoft.com/office/drawing/2014/main" val="2316430152"/>
+                  </a:ext>
+                </a:extLst>
+              </a:tr>
+              <a:tr h="244325">
+                <a:tc>
+                  <a:txBody>
+                    <a:bodyPr/>
+                    <a:lstStyle/>
+                    <a:p>
+                      <a:pPr algn="l" fontAlgn="ctr"/>
+                      <a:r>
+                        <a:rPr lang="en-US" sz="1400" u="none" strike="noStrike">
+                          <a:effectLst/>
+                        </a:rPr>
+                        <a:t>Pastiche</a:t>
+                      </a:r>
+                      <a:endParaRPr lang="en-US" sz="1400" b="0" i="0" u="none" strike="noStrike">
+                        <a:solidFill>
+                          <a:srgbClr val="000000"/>
+                        </a:solidFill>
+                        <a:effectLst/>
+                        <a:latin typeface="Calibri" panose="020F0502020204030204" pitchFamily="34" charset="0"/>
+                      </a:endParaRPr>
+                    </a:p>
+                  </a:txBody>
+                  <a:tcPr marL="8433" marR="8433" marT="8433" marB="0" anchor="ctr"/>
+                </a:tc>
+                <a:tc>
+                  <a:txBody>
+                    <a:bodyPr/>
+                    <a:lstStyle/>
+                    <a:p>
+                      <a:pPr algn="r" fontAlgn="b"/>
+                      <a:r>
+                        <a:rPr lang="en-US" sz="1400" u="none" strike="noStrike">
+                          <a:effectLst/>
+                        </a:rPr>
+                        <a:t>1</a:t>
+                      </a:r>
+                      <a:endParaRPr lang="en-US" sz="1400" b="0" i="0" u="none" strike="noStrike">
+                        <a:solidFill>
+                          <a:srgbClr val="000000"/>
+                        </a:solidFill>
+                        <a:effectLst/>
+                        <a:latin typeface="Calibri" panose="020F0502020204030204" pitchFamily="34" charset="0"/>
+                      </a:endParaRPr>
+                    </a:p>
+                  </a:txBody>
+                  <a:tcPr marL="8433" marR="8433" marT="8433" marB="0" anchor="b"/>
+                </a:tc>
+                <a:extLst>
+                  <a:ext uri="{0D108BD9-81ED-4DB2-BD59-A6C34878D82A}">
+                    <a16:rowId xmlns:a16="http://schemas.microsoft.com/office/drawing/2014/main" val="3788979031"/>
+                  </a:ext>
+                </a:extLst>
+              </a:tr>
+              <a:tr h="244325">
+                <a:tc>
+                  <a:txBody>
+                    <a:bodyPr/>
+                    <a:lstStyle/>
+                    <a:p>
+                      <a:pPr algn="l" fontAlgn="ctr"/>
+                      <a:r>
+                        <a:rPr lang="en-US" sz="1400" u="none" strike="noStrike">
+                          <a:effectLst/>
+                        </a:rPr>
+                        <a:t>Marketing</a:t>
+                      </a:r>
+                      <a:endParaRPr lang="en-US" sz="1400" b="0" i="0" u="none" strike="noStrike">
+                        <a:solidFill>
+                          <a:srgbClr val="000000"/>
+                        </a:solidFill>
+                        <a:effectLst/>
+                        <a:latin typeface="Calibri" panose="020F0502020204030204" pitchFamily="34" charset="0"/>
+                      </a:endParaRPr>
+                    </a:p>
+                  </a:txBody>
+                  <a:tcPr marL="8433" marR="8433" marT="8433" marB="0" anchor="ctr"/>
+                </a:tc>
+                <a:tc>
+                  <a:txBody>
+                    <a:bodyPr/>
+                    <a:lstStyle/>
+                    <a:p>
+                      <a:pPr algn="r" fontAlgn="b"/>
+                      <a:r>
+                        <a:rPr lang="en-US" sz="1400" u="none" strike="noStrike">
+                          <a:effectLst/>
+                        </a:rPr>
+                        <a:t>1</a:t>
+                      </a:r>
+                      <a:endParaRPr lang="en-US" sz="1400" b="0" i="0" u="none" strike="noStrike">
+                        <a:solidFill>
+                          <a:srgbClr val="000000"/>
+                        </a:solidFill>
+                        <a:effectLst/>
+                        <a:latin typeface="Calibri" panose="020F0502020204030204" pitchFamily="34" charset="0"/>
+                      </a:endParaRPr>
+                    </a:p>
+                  </a:txBody>
+                  <a:tcPr marL="8433" marR="8433" marT="8433" marB="0" anchor="b"/>
+                </a:tc>
+                <a:extLst>
+                  <a:ext uri="{0D108BD9-81ED-4DB2-BD59-A6C34878D82A}">
+                    <a16:rowId xmlns:a16="http://schemas.microsoft.com/office/drawing/2014/main" val="1634272313"/>
+                  </a:ext>
+                </a:extLst>
+              </a:tr>
+              <a:tr h="244325">
+                <a:tc>
+                  <a:txBody>
+                    <a:bodyPr/>
+                    <a:lstStyle/>
+                    <a:p>
+                      <a:pPr algn="l" fontAlgn="ctr"/>
+                      <a:r>
+                        <a:rPr lang="en-US" sz="1400" u="none" strike="noStrike">
+                          <a:effectLst/>
+                        </a:rPr>
+                        <a:t>Anti-nuclear</a:t>
+                      </a:r>
+                      <a:endParaRPr lang="en-US" sz="1400" b="0" i="0" u="none" strike="noStrike">
+                        <a:solidFill>
+                          <a:srgbClr val="000000"/>
+                        </a:solidFill>
+                        <a:effectLst/>
+                        <a:latin typeface="Calibri" panose="020F0502020204030204" pitchFamily="34" charset="0"/>
+                      </a:endParaRPr>
+                    </a:p>
+                  </a:txBody>
+                  <a:tcPr marL="8433" marR="8433" marT="8433" marB="0" anchor="ctr"/>
+                </a:tc>
+                <a:tc>
+                  <a:txBody>
+                    <a:bodyPr/>
+                    <a:lstStyle/>
+                    <a:p>
+                      <a:pPr algn="r" fontAlgn="b"/>
+                      <a:r>
+                        <a:rPr lang="en-US" sz="1400" u="none" strike="noStrike">
+                          <a:effectLst/>
+                        </a:rPr>
+                        <a:t>1</a:t>
+                      </a:r>
+                      <a:endParaRPr lang="en-US" sz="1400" b="0" i="0" u="none" strike="noStrike">
+                        <a:solidFill>
+                          <a:srgbClr val="000000"/>
+                        </a:solidFill>
+                        <a:effectLst/>
+                        <a:latin typeface="Calibri" panose="020F0502020204030204" pitchFamily="34" charset="0"/>
+                      </a:endParaRPr>
+                    </a:p>
+                  </a:txBody>
+                  <a:tcPr marL="8433" marR="8433" marT="8433" marB="0" anchor="b"/>
+                </a:tc>
+                <a:extLst>
+                  <a:ext uri="{0D108BD9-81ED-4DB2-BD59-A6C34878D82A}">
+                    <a16:rowId xmlns:a16="http://schemas.microsoft.com/office/drawing/2014/main" val="1986009171"/>
+                  </a:ext>
+                </a:extLst>
+              </a:tr>
+              <a:tr h="244325">
+                <a:tc>
+                  <a:txBody>
+                    <a:bodyPr/>
+                    <a:lstStyle/>
+                    <a:p>
+                      <a:pPr algn="l" fontAlgn="ctr"/>
+                      <a:r>
+                        <a:rPr lang="en-US" sz="1400" u="none" strike="noStrike">
+                          <a:effectLst/>
+                        </a:rPr>
+                        <a:t>Fictional crossover</a:t>
+                      </a:r>
+                      <a:endParaRPr lang="en-US" sz="1400" b="0" i="0" u="none" strike="noStrike">
+                        <a:solidFill>
+                          <a:srgbClr val="000000"/>
+                        </a:solidFill>
+                        <a:effectLst/>
+                        <a:latin typeface="Calibri" panose="020F0502020204030204" pitchFamily="34" charset="0"/>
+                      </a:endParaRPr>
+                    </a:p>
+                  </a:txBody>
+                  <a:tcPr marL="8433" marR="8433" marT="8433" marB="0" anchor="ctr"/>
+                </a:tc>
+                <a:tc>
+                  <a:txBody>
+                    <a:bodyPr/>
+                    <a:lstStyle/>
+                    <a:p>
+                      <a:pPr algn="r" fontAlgn="b"/>
+                      <a:r>
+                        <a:rPr lang="en-US" sz="1400" u="none" strike="noStrike">
+                          <a:effectLst/>
+                        </a:rPr>
+                        <a:t>1</a:t>
+                      </a:r>
+                      <a:endParaRPr lang="en-US" sz="1400" b="0" i="0" u="none" strike="noStrike">
+                        <a:solidFill>
+                          <a:srgbClr val="000000"/>
+                        </a:solidFill>
+                        <a:effectLst/>
+                        <a:latin typeface="Calibri" panose="020F0502020204030204" pitchFamily="34" charset="0"/>
+                      </a:endParaRPr>
+                    </a:p>
+                  </a:txBody>
+                  <a:tcPr marL="8433" marR="8433" marT="8433" marB="0" anchor="b"/>
+                </a:tc>
+                <a:extLst>
+                  <a:ext uri="{0D108BD9-81ED-4DB2-BD59-A6C34878D82A}">
+                    <a16:rowId xmlns:a16="http://schemas.microsoft.com/office/drawing/2014/main" val="1205491364"/>
+                  </a:ext>
+                </a:extLst>
+              </a:tr>
+              <a:tr h="244325">
+                <a:tc>
+                  <a:txBody>
+                    <a:bodyPr/>
+                    <a:lstStyle/>
+                    <a:p>
+                      <a:pPr algn="l" fontAlgn="ctr"/>
+                      <a:r>
+                        <a:rPr lang="en-US" sz="1400" u="none" strike="noStrike">
+                          <a:effectLst/>
+                        </a:rPr>
+                        <a:t>Collage</a:t>
+                      </a:r>
+                      <a:endParaRPr lang="en-US" sz="1400" b="0" i="0" u="none" strike="noStrike">
+                        <a:solidFill>
+                          <a:srgbClr val="000000"/>
+                        </a:solidFill>
+                        <a:effectLst/>
+                        <a:latin typeface="Calibri" panose="020F0502020204030204" pitchFamily="34" charset="0"/>
+                      </a:endParaRPr>
+                    </a:p>
+                  </a:txBody>
+                  <a:tcPr marL="8433" marR="8433" marT="8433" marB="0" anchor="ctr"/>
+                </a:tc>
+                <a:tc>
+                  <a:txBody>
+                    <a:bodyPr/>
+                    <a:lstStyle/>
+                    <a:p>
+                      <a:pPr algn="r" fontAlgn="b"/>
+                      <a:r>
+                        <a:rPr lang="en-US" sz="1400" u="none" strike="noStrike" dirty="0">
+                          <a:effectLst/>
+                        </a:rPr>
+                        <a:t>1</a:t>
+                      </a:r>
+                      <a:endParaRPr lang="en-US" sz="1400" b="0" i="0" u="none" strike="noStrike" dirty="0">
+                        <a:solidFill>
+                          <a:srgbClr val="000000"/>
+                        </a:solidFill>
+                        <a:effectLst/>
+                        <a:latin typeface="Calibri" panose="020F0502020204030204" pitchFamily="34" charset="0"/>
+                      </a:endParaRPr>
+                    </a:p>
+                  </a:txBody>
+                  <a:tcPr marL="8433" marR="8433" marT="8433" marB="0" anchor="b"/>
+                </a:tc>
+                <a:extLst>
+                  <a:ext uri="{0D108BD9-81ED-4DB2-BD59-A6C34878D82A}">
+                    <a16:rowId xmlns:a16="http://schemas.microsoft.com/office/drawing/2014/main" val="1194908828"/>
+                  </a:ext>
+                </a:extLst>
+              </a:tr>
+            </a:tbl>
+          </a:graphicData>
+        </a:graphic>
+      </p:graphicFrame>
+      <p:sp>
+        <p:nvSpPr>
+          <p:cNvPr id="19" name="TextBox 18">
+            <a:extLst>
+              <a:ext uri="{FF2B5EF4-FFF2-40B4-BE49-F238E27FC236}">
+                <a16:creationId xmlns:a16="http://schemas.microsoft.com/office/drawing/2014/main" id="{D9AF0859-F84C-4662-8EE3-F188973071B4}"/>
+              </a:ext>
+            </a:extLst>
+          </p:cNvPr>
+          <p:cNvSpPr txBox="1"/>
+          <p:nvPr/>
+        </p:nvSpPr>
+        <p:spPr>
+          <a:xfrm rot="16200000">
+            <a:off x="3962818" y="1841809"/>
+            <a:ext cx="938077" cy="461665"/>
+          </a:xfrm>
+          <a:prstGeom prst="rect">
+            <a:avLst/>
+          </a:prstGeom>
+          <a:noFill/>
+        </p:spPr>
+        <p:txBody>
+          <a:bodyPr wrap="none" rtlCol="0">
+            <a:spAutoFit/>
+          </a:bodyPr>
+          <a:lstStyle/>
+          <a:p>
+            <a:r>
+              <a:rPr lang="en-US" dirty="0"/>
+              <a:t>Initial</a:t>
+            </a:r>
+          </a:p>
+        </p:txBody>
+      </p:sp>
+      <p:sp>
+        <p:nvSpPr>
+          <p:cNvPr id="22" name="TextBox 21">
+            <a:extLst>
+              <a:ext uri="{FF2B5EF4-FFF2-40B4-BE49-F238E27FC236}">
+                <a16:creationId xmlns:a16="http://schemas.microsoft.com/office/drawing/2014/main" id="{640EC9B9-B898-48BF-BCAA-D56D935BA609}"/>
+              </a:ext>
+            </a:extLst>
+          </p:cNvPr>
+          <p:cNvSpPr txBox="1"/>
+          <p:nvPr/>
+        </p:nvSpPr>
+        <p:spPr>
+          <a:xfrm rot="16200000">
+            <a:off x="3674277" y="4836102"/>
+            <a:ext cx="1515158" cy="461665"/>
+          </a:xfrm>
+          <a:prstGeom prst="rect">
+            <a:avLst/>
+          </a:prstGeom>
+          <a:noFill/>
+        </p:spPr>
+        <p:txBody>
+          <a:bodyPr wrap="none" rtlCol="0">
+            <a:spAutoFit/>
+          </a:bodyPr>
+          <a:lstStyle/>
+          <a:p>
+            <a:r>
+              <a:rPr lang="en-US" dirty="0"/>
+              <a:t>Selected</a:t>
+            </a:r>
+          </a:p>
+        </p:txBody>
+      </p:sp>
     </p:spTree>
     <p:extLst>
       <p:ext uri="{BB962C8B-B14F-4D97-AF65-F5344CB8AC3E}">
-        <p14:creationId xmlns:p14="http://schemas.microsoft.com/office/powerpoint/2010/main" val="650848934"/>
+        <p14:creationId xmlns:p14="http://schemas.microsoft.com/office/powerpoint/2010/main" val="7339553"/>
       </p:ext>
     </p:extLst>
   </p:cSld>
@@ -6676,66 +7390,10 @@
       </p:grpSpPr>
       <p:sp>
         <p:nvSpPr>
-          <p:cNvPr id="13" name="Title 12"/>
-          <p:cNvSpPr>
-            <a:spLocks noGrp="1"/>
-          </p:cNvSpPr>
-          <p:nvPr>
-            <p:ph type="title"/>
-          </p:nvPr>
-        </p:nvSpPr>
-        <p:spPr/>
-        <p:txBody>
-          <a:bodyPr/>
-          <a:lstStyle/>
-          <a:p>
-            <a:r>
-              <a:rPr lang="en-US" dirty="0"/>
-              <a:t>Conclusions</a:t>
-            </a:r>
-          </a:p>
-        </p:txBody>
-      </p:sp>
-      <p:sp>
-        <p:nvSpPr>
-          <p:cNvPr id="14" name="Content Placeholder 13"/>
-          <p:cNvSpPr>
-            <a:spLocks noGrp="1"/>
-          </p:cNvSpPr>
-          <p:nvPr>
-            <p:ph idx="1"/>
-          </p:nvPr>
-        </p:nvSpPr>
-        <p:spPr/>
-        <p:txBody>
-          <a:bodyPr/>
-          <a:lstStyle/>
-          <a:p>
-            <a:r>
-              <a:rPr lang="en-US" dirty="0"/>
-              <a:t>Publishers can make use of Natural Language Processing to analyze books, even for less concrete ideas such as genre.</a:t>
-            </a:r>
-          </a:p>
-          <a:p>
-            <a:r>
-              <a:rPr lang="en-US" dirty="0"/>
-              <a:t>This can save man-hours and effort as well as assisting in classifying unusual texts.</a:t>
-            </a:r>
-          </a:p>
-          <a:p>
-            <a:r>
-              <a:rPr lang="en-US" dirty="0"/>
-              <a:t>The field still has plenty of room for growth and could be extended to many other aspects of the editorial and publishing business.</a:t>
-            </a:r>
-          </a:p>
-        </p:txBody>
-      </p:sp>
-      <p:sp>
-        <p:nvSpPr>
-          <p:cNvPr id="2" name="Date Placeholder 1">
+          <p:cNvPr id="13" name="Title 12">
             <a:extLst>
               <a:ext uri="{FF2B5EF4-FFF2-40B4-BE49-F238E27FC236}">
-                <a16:creationId xmlns:a16="http://schemas.microsoft.com/office/drawing/2014/main" id="{E769890B-13E4-42C8-BADE-D4F08A509F88}"/>
+                <a16:creationId xmlns:a16="http://schemas.microsoft.com/office/drawing/2014/main" id="{C2D66458-029D-4037-A510-BFCF7C5EEA82}"/>
               </a:ext>
             </a:extLst>
           </p:cNvPr>
@@ -6743,7 +7401,7 @@
             <a:spLocks noGrp="1"/>
           </p:cNvSpPr>
           <p:nvPr>
-            <p:ph type="dt" sz="half" idx="10"/>
+            <p:ph type="title"/>
           </p:nvPr>
         </p:nvSpPr>
         <p:spPr/>
@@ -6751,20 +7409,19 @@
           <a:bodyPr/>
           <a:lstStyle/>
           <a:p>
-            <a:fld id="{54278573-9DC6-4FF9-B4E5-2CDAF7146583}" type="datetime1">
-              <a:rPr lang="en-US" smtClean="0"/>
-              <a:t>1/6/2023</a:t>
-            </a:fld>
-            <a:endParaRPr lang="en-US" dirty="0"/>
-          </a:p>
-        </p:txBody>
-      </p:sp>
-      <p:sp>
-        <p:nvSpPr>
-          <p:cNvPr id="3" name="Footer Placeholder 2">
+            <a:r>
+              <a:rPr lang="en-US" dirty="0"/>
+              <a:t>Initial modeling and predictions</a:t>
+            </a:r>
+          </a:p>
+        </p:txBody>
+      </p:sp>
+      <p:sp>
+        <p:nvSpPr>
+          <p:cNvPr id="5" name="Date Placeholder 4">
             <a:extLst>
               <a:ext uri="{FF2B5EF4-FFF2-40B4-BE49-F238E27FC236}">
-                <a16:creationId xmlns:a16="http://schemas.microsoft.com/office/drawing/2014/main" id="{38A541A4-915D-454E-BFEC-47B1257F2283}"/>
+                <a16:creationId xmlns:a16="http://schemas.microsoft.com/office/drawing/2014/main" id="{9373B874-63D4-4BA9-8299-7A125A514BCC}"/>
               </a:ext>
             </a:extLst>
           </p:cNvPr>
@@ -6772,7 +7429,7 @@
             <a:spLocks noGrp="1"/>
           </p:cNvSpPr>
           <p:nvPr>
-            <p:ph type="ftr" sz="quarter" idx="11"/>
+            <p:ph type="dt" sz="half" idx="10"/>
           </p:nvPr>
         </p:nvSpPr>
         <p:spPr/>
@@ -6780,20 +7437,20 @@
           <a:bodyPr/>
           <a:lstStyle/>
           <a:p>
-            <a:r>
-              <a:rPr lang="en-US"/>
-              <a:t>Alexander White // Deloitte AI Academy Capstone</a:t>
-            </a:r>
-            <a:endParaRPr lang="en-US" dirty="0"/>
-          </a:p>
-        </p:txBody>
-      </p:sp>
-      <p:sp>
-        <p:nvSpPr>
-          <p:cNvPr id="4" name="Slide Number Placeholder 3">
+            <a:fld id="{71758952-8338-4535-9657-D41937A33CFA}" type="datetime1">
+              <a:rPr lang="en-US" smtClean="0"/>
+              <a:t>1/13/2023</a:t>
+            </a:fld>
+            <a:endParaRPr lang="en-US"/>
+          </a:p>
+        </p:txBody>
+      </p:sp>
+      <p:sp>
+        <p:nvSpPr>
+          <p:cNvPr id="6" name="Footer Placeholder 5">
             <a:extLst>
               <a:ext uri="{FF2B5EF4-FFF2-40B4-BE49-F238E27FC236}">
-                <a16:creationId xmlns:a16="http://schemas.microsoft.com/office/drawing/2014/main" id="{03E8B4D9-E7A4-43CD-A550-C27FD2775C4C}"/>
+                <a16:creationId xmlns:a16="http://schemas.microsoft.com/office/drawing/2014/main" id="{1724A815-22CC-46E2-8ABC-2ED75F33A9BE}"/>
               </a:ext>
             </a:extLst>
           </p:cNvPr>
@@ -6801,6 +7458,35 @@
             <a:spLocks noGrp="1"/>
           </p:cNvSpPr>
           <p:nvPr>
+            <p:ph type="ftr" sz="quarter" idx="11"/>
+          </p:nvPr>
+        </p:nvSpPr>
+        <p:spPr/>
+        <p:txBody>
+          <a:bodyPr/>
+          <a:lstStyle/>
+          <a:p>
+            <a:r>
+              <a:rPr lang="en-US"/>
+              <a:t>Alexander White // Deloitte AI Academy Capstone</a:t>
+            </a:r>
+            <a:endParaRPr lang="en-US" dirty="0"/>
+          </a:p>
+        </p:txBody>
+      </p:sp>
+      <p:sp>
+        <p:nvSpPr>
+          <p:cNvPr id="7" name="Slide Number Placeholder 6">
+            <a:extLst>
+              <a:ext uri="{FF2B5EF4-FFF2-40B4-BE49-F238E27FC236}">
+                <a16:creationId xmlns:a16="http://schemas.microsoft.com/office/drawing/2014/main" id="{A7F5A32C-53CA-4AD1-9872-74C132705988}"/>
+              </a:ext>
+            </a:extLst>
+          </p:cNvPr>
+          <p:cNvSpPr>
+            <a:spLocks noGrp="1"/>
+          </p:cNvSpPr>
+          <p:nvPr>
             <p:ph type="sldNum" sz="quarter" idx="12"/>
           </p:nvPr>
         </p:nvSpPr>
@@ -6809,7 +7495,7 @@
           <a:bodyPr/>
           <a:lstStyle/>
           <a:p>
-            <a:fld id="{DA60BA0E-20D0-4E7C-B286-26C960A6788F}" type="slidenum">
+            <a:fld id="{2DFBB78A-01B4-41F2-96B0-677A4A282832}" type="slidenum">
               <a:rPr lang="en-US" smtClean="0"/>
               <a:t>7</a:t>
             </a:fld>
@@ -6817,10 +7503,2440 @@
           </a:p>
         </p:txBody>
       </p:sp>
+      <p:grpSp>
+        <p:nvGrpSpPr>
+          <p:cNvPr id="16" name="Group 15">
+            <a:extLst>
+              <a:ext uri="{FF2B5EF4-FFF2-40B4-BE49-F238E27FC236}">
+                <a16:creationId xmlns:a16="http://schemas.microsoft.com/office/drawing/2014/main" id="{3AB6880A-DAE6-4848-B0E8-BD96A0A40E05}"/>
+              </a:ext>
+            </a:extLst>
+          </p:cNvPr>
+          <p:cNvGrpSpPr/>
+          <p:nvPr/>
+        </p:nvGrpSpPr>
+        <p:grpSpPr>
+          <a:xfrm>
+            <a:off x="430159" y="1524000"/>
+            <a:ext cx="5867400" cy="5110316"/>
+            <a:chOff x="303212" y="533400"/>
+            <a:chExt cx="6496050" cy="5657850"/>
+          </a:xfrm>
+        </p:grpSpPr>
+        <p:pic>
+          <p:nvPicPr>
+            <p:cNvPr id="17" name="Picture 2">
+              <a:extLst>
+                <a:ext uri="{FF2B5EF4-FFF2-40B4-BE49-F238E27FC236}">
+                  <a16:creationId xmlns:a16="http://schemas.microsoft.com/office/drawing/2014/main" id="{FE7FF1F4-7222-4DF5-9F02-F90AA8986A1C}"/>
+                </a:ext>
+              </a:extLst>
+            </p:cNvPr>
+            <p:cNvPicPr>
+              <a:picLocks noChangeAspect="1" noChangeArrowheads="1"/>
+            </p:cNvPicPr>
+            <p:nvPr/>
+          </p:nvPicPr>
+          <p:blipFill>
+            <a:blip r:embed="rId2">
+              <a:extLst>
+                <a:ext uri="{28A0092B-C50C-407E-A947-70E740481C1C}">
+                  <a14:useLocalDpi xmlns:a14="http://schemas.microsoft.com/office/drawing/2010/main" val="0"/>
+                </a:ext>
+              </a:extLst>
+            </a:blip>
+            <a:srcRect/>
+            <a:stretch>
+              <a:fillRect/>
+            </a:stretch>
+          </p:blipFill>
+          <p:spPr bwMode="auto">
+            <a:xfrm>
+              <a:off x="303212" y="533400"/>
+              <a:ext cx="6496050" cy="5657850"/>
+            </a:xfrm>
+            <a:prstGeom prst="rect">
+              <a:avLst/>
+            </a:prstGeom>
+            <a:noFill/>
+            <a:extLst>
+              <a:ext uri="{909E8E84-426E-40DD-AFC4-6F175D3DCCD1}">
+                <a14:hiddenFill xmlns:a14="http://schemas.microsoft.com/office/drawing/2010/main">
+                  <a:solidFill>
+                    <a:srgbClr val="FFFFFF"/>
+                  </a:solidFill>
+                </a14:hiddenFill>
+              </a:ext>
+            </a:extLst>
+          </p:spPr>
+        </p:pic>
+        <p:cxnSp>
+          <p:nvCxnSpPr>
+            <p:cNvPr id="18" name="Straight Connector 17">
+              <a:extLst>
+                <a:ext uri="{FF2B5EF4-FFF2-40B4-BE49-F238E27FC236}">
+                  <a16:creationId xmlns:a16="http://schemas.microsoft.com/office/drawing/2014/main" id="{62722592-8157-468F-868C-385281F25896}"/>
+                </a:ext>
+              </a:extLst>
+            </p:cNvPr>
+            <p:cNvCxnSpPr>
+              <a:cxnSpLocks/>
+            </p:cNvCxnSpPr>
+            <p:nvPr/>
+          </p:nvCxnSpPr>
+          <p:spPr>
+            <a:xfrm>
+              <a:off x="1614488" y="762000"/>
+              <a:ext cx="4219575" cy="4133850"/>
+            </a:xfrm>
+            <a:prstGeom prst="line">
+              <a:avLst/>
+            </a:prstGeom>
+            <a:ln w="38100">
+              <a:solidFill>
+                <a:srgbClr val="0070C0"/>
+              </a:solidFill>
+            </a:ln>
+          </p:spPr>
+          <p:style>
+            <a:lnRef idx="1">
+              <a:schemeClr val="accent1"/>
+            </a:lnRef>
+            <a:fillRef idx="0">
+              <a:schemeClr val="accent1"/>
+            </a:fillRef>
+            <a:effectRef idx="0">
+              <a:schemeClr val="accent1"/>
+            </a:effectRef>
+            <a:fontRef idx="minor">
+              <a:schemeClr val="tx1"/>
+            </a:fontRef>
+          </p:style>
+        </p:cxnSp>
+      </p:grpSp>
+      <p:graphicFrame>
+        <p:nvGraphicFramePr>
+          <p:cNvPr id="19" name="Table 18">
+            <a:extLst>
+              <a:ext uri="{FF2B5EF4-FFF2-40B4-BE49-F238E27FC236}">
+                <a16:creationId xmlns:a16="http://schemas.microsoft.com/office/drawing/2014/main" id="{F4BCF11D-7E62-44D9-8EB1-B7FC1D5162B7}"/>
+              </a:ext>
+            </a:extLst>
+          </p:cNvPr>
+          <p:cNvGraphicFramePr>
+            <a:graphicFrameLocks noGrp="1"/>
+          </p:cNvGraphicFramePr>
+          <p:nvPr>
+            <p:extLst>
+              <p:ext uri="{D42A27DB-BD31-4B8C-83A1-F6EECF244321}">
+                <p14:modId xmlns:p14="http://schemas.microsoft.com/office/powerpoint/2010/main" val="3812025584"/>
+              </p:ext>
+            </p:extLst>
+          </p:nvPr>
+        </p:nvGraphicFramePr>
+        <p:xfrm>
+          <a:off x="6624720" y="1741542"/>
+          <a:ext cx="4419600" cy="4390916"/>
+        </p:xfrm>
+        <a:graphic>
+          <a:graphicData uri="http://schemas.openxmlformats.org/drawingml/2006/table">
+            <a:tbl>
+              <a:tblPr firstRow="1" firstCol="1" bandRow="1">
+                <a:tableStyleId>{69012ECD-51FC-41F1-AA8D-1B2483CD663E}</a:tableStyleId>
+              </a:tblPr>
+              <a:tblGrid>
+                <a:gridCol w="1676400">
+                  <a:extLst>
+                    <a:ext uri="{9D8B030D-6E8A-4147-A177-3AD203B41FA5}">
+                      <a16:colId xmlns:a16="http://schemas.microsoft.com/office/drawing/2014/main" val="861858196"/>
+                    </a:ext>
+                  </a:extLst>
+                </a:gridCol>
+                <a:gridCol w="685800">
+                  <a:extLst>
+                    <a:ext uri="{9D8B030D-6E8A-4147-A177-3AD203B41FA5}">
+                      <a16:colId xmlns:a16="http://schemas.microsoft.com/office/drawing/2014/main" val="672221394"/>
+                    </a:ext>
+                  </a:extLst>
+                </a:gridCol>
+                <a:gridCol w="685800">
+                  <a:extLst>
+                    <a:ext uri="{9D8B030D-6E8A-4147-A177-3AD203B41FA5}">
+                      <a16:colId xmlns:a16="http://schemas.microsoft.com/office/drawing/2014/main" val="3878361745"/>
+                    </a:ext>
+                  </a:extLst>
+                </a:gridCol>
+                <a:gridCol w="685800">
+                  <a:extLst>
+                    <a:ext uri="{9D8B030D-6E8A-4147-A177-3AD203B41FA5}">
+                      <a16:colId xmlns:a16="http://schemas.microsoft.com/office/drawing/2014/main" val="558627724"/>
+                    </a:ext>
+                  </a:extLst>
+                </a:gridCol>
+                <a:gridCol w="685800">
+                  <a:extLst>
+                    <a:ext uri="{9D8B030D-6E8A-4147-A177-3AD203B41FA5}">
+                      <a16:colId xmlns:a16="http://schemas.microsoft.com/office/drawing/2014/main" val="3922362110"/>
+                    </a:ext>
+                  </a:extLst>
+                </a:gridCol>
+              </a:tblGrid>
+              <a:tr h="250099">
+                <a:tc>
+                  <a:txBody>
+                    <a:bodyPr/>
+                    <a:lstStyle/>
+                    <a:p>
+                      <a:pPr algn="ctr" fontAlgn="ctr"/>
+                      <a:r>
+                        <a:rPr lang="en-US" sz="1000" b="1" u="none" strike="noStrike" dirty="0">
+                          <a:effectLst/>
+                        </a:rPr>
+                        <a:t>genre</a:t>
+                      </a:r>
+                      <a:endParaRPr lang="en-US" sz="1000" b="1" i="0" u="none" strike="noStrike" dirty="0">
+                        <a:solidFill>
+                          <a:srgbClr val="000000"/>
+                        </a:solidFill>
+                        <a:effectLst/>
+                        <a:latin typeface="Calibri" panose="020F0502020204030204" pitchFamily="34" charset="0"/>
+                      </a:endParaRPr>
+                    </a:p>
+                  </a:txBody>
+                  <a:tcPr marL="5345" marR="5345" marT="5345" marB="0" anchor="b"/>
+                </a:tc>
+                <a:tc>
+                  <a:txBody>
+                    <a:bodyPr/>
+                    <a:lstStyle/>
+                    <a:p>
+                      <a:pPr algn="ctr" fontAlgn="b"/>
+                      <a:r>
+                        <a:rPr lang="en-US" sz="1000" b="1" u="none" strike="noStrike" dirty="0">
+                          <a:effectLst/>
+                        </a:rPr>
+                        <a:t>precision</a:t>
+                      </a:r>
+                      <a:endParaRPr lang="en-US" sz="1000" b="1" i="0" u="none" strike="noStrike" dirty="0">
+                        <a:solidFill>
+                          <a:srgbClr val="000000"/>
+                        </a:solidFill>
+                        <a:effectLst/>
+                        <a:latin typeface="Calibri" panose="020F0502020204030204" pitchFamily="34" charset="0"/>
+                      </a:endParaRPr>
+                    </a:p>
+                  </a:txBody>
+                  <a:tcPr marL="5345" marR="5345" marT="5345" marB="0" anchor="b"/>
+                </a:tc>
+                <a:tc>
+                  <a:txBody>
+                    <a:bodyPr/>
+                    <a:lstStyle/>
+                    <a:p>
+                      <a:pPr algn="ctr" fontAlgn="b"/>
+                      <a:r>
+                        <a:rPr lang="en-US" sz="1000" b="1" u="none" strike="noStrike">
+                          <a:effectLst/>
+                        </a:rPr>
+                        <a:t>recall</a:t>
+                      </a:r>
+                      <a:endParaRPr lang="en-US" sz="1000" b="1" i="0" u="none" strike="noStrike">
+                        <a:solidFill>
+                          <a:srgbClr val="000000"/>
+                        </a:solidFill>
+                        <a:effectLst/>
+                        <a:latin typeface="Calibri" panose="020F0502020204030204" pitchFamily="34" charset="0"/>
+                      </a:endParaRPr>
+                    </a:p>
+                  </a:txBody>
+                  <a:tcPr marL="5345" marR="5345" marT="5345" marB="0" anchor="b"/>
+                </a:tc>
+                <a:tc>
+                  <a:txBody>
+                    <a:bodyPr/>
+                    <a:lstStyle/>
+                    <a:p>
+                      <a:pPr algn="ctr" fontAlgn="b"/>
+                      <a:r>
+                        <a:rPr lang="en-US" sz="1000" b="1" u="none" strike="noStrike">
+                          <a:effectLst/>
+                        </a:rPr>
+                        <a:t>f1-score</a:t>
+                      </a:r>
+                      <a:endParaRPr lang="en-US" sz="1000" b="1" i="0" u="none" strike="noStrike">
+                        <a:solidFill>
+                          <a:srgbClr val="000000"/>
+                        </a:solidFill>
+                        <a:effectLst/>
+                        <a:latin typeface="Calibri" panose="020F0502020204030204" pitchFamily="34" charset="0"/>
+                      </a:endParaRPr>
+                    </a:p>
+                  </a:txBody>
+                  <a:tcPr marL="5345" marR="5345" marT="5345" marB="0" anchor="b"/>
+                </a:tc>
+                <a:tc>
+                  <a:txBody>
+                    <a:bodyPr/>
+                    <a:lstStyle/>
+                    <a:p>
+                      <a:pPr algn="ctr" fontAlgn="b"/>
+                      <a:r>
+                        <a:rPr lang="en-US" sz="1000" b="1" u="none" strike="noStrike" dirty="0">
+                          <a:effectLst/>
+                        </a:rPr>
+                        <a:t>support</a:t>
+                      </a:r>
+                      <a:endParaRPr lang="en-US" sz="1000" b="1" i="0" u="none" strike="noStrike" dirty="0">
+                        <a:solidFill>
+                          <a:srgbClr val="000000"/>
+                        </a:solidFill>
+                        <a:effectLst/>
+                        <a:latin typeface="Calibri" panose="020F0502020204030204" pitchFamily="34" charset="0"/>
+                      </a:endParaRPr>
+                    </a:p>
+                  </a:txBody>
+                  <a:tcPr marL="5345" marR="5345" marT="5345" marB="0" anchor="b"/>
+                </a:tc>
+                <a:extLst>
+                  <a:ext uri="{0D108BD9-81ED-4DB2-BD59-A6C34878D82A}">
+                    <a16:rowId xmlns:a16="http://schemas.microsoft.com/office/drawing/2014/main" val="1911270296"/>
+                  </a:ext>
+                </a:extLst>
+              </a:tr>
+              <a:tr h="248942">
+                <a:tc>
+                  <a:txBody>
+                    <a:bodyPr/>
+                    <a:lstStyle/>
+                    <a:p>
+                      <a:pPr algn="l" fontAlgn="ctr"/>
+                      <a:r>
+                        <a:rPr lang="en-US" sz="1000" u="none" strike="noStrike" dirty="0">
+                          <a:effectLst/>
+                        </a:rPr>
+                        <a:t>Children's literature</a:t>
+                      </a:r>
+                      <a:endParaRPr lang="en-US" sz="1000" b="0" i="0" u="none" strike="noStrike" dirty="0">
+                        <a:solidFill>
+                          <a:srgbClr val="000000"/>
+                        </a:solidFill>
+                        <a:effectLst/>
+                        <a:latin typeface="Calibri" panose="020F0502020204030204" pitchFamily="34" charset="0"/>
+                      </a:endParaRPr>
+                    </a:p>
+                  </a:txBody>
+                  <a:tcPr marL="5345" marR="5345" marT="5345" marB="0" anchor="ctr"/>
+                </a:tc>
+                <a:tc>
+                  <a:txBody>
+                    <a:bodyPr/>
+                    <a:lstStyle/>
+                    <a:p>
+                      <a:pPr algn="r" fontAlgn="b"/>
+                      <a:r>
+                        <a:rPr lang="en-US" sz="1000" u="none" strike="noStrike" dirty="0">
+                          <a:effectLst/>
+                        </a:rPr>
+                        <a:t>0.15</a:t>
+                      </a:r>
+                      <a:endParaRPr lang="en-US" sz="1000" b="0" i="0" u="none" strike="noStrike" dirty="0">
+                        <a:solidFill>
+                          <a:srgbClr val="000000"/>
+                        </a:solidFill>
+                        <a:effectLst/>
+                        <a:latin typeface="Calibri" panose="020F0502020204030204" pitchFamily="34" charset="0"/>
+                      </a:endParaRPr>
+                    </a:p>
+                  </a:txBody>
+                  <a:tcPr marL="5345" marR="5345" marT="5345" marB="0" anchor="b"/>
+                </a:tc>
+                <a:tc>
+                  <a:txBody>
+                    <a:bodyPr/>
+                    <a:lstStyle/>
+                    <a:p>
+                      <a:pPr algn="r" fontAlgn="b"/>
+                      <a:r>
+                        <a:rPr lang="en-US" sz="1000" u="none" strike="noStrike">
+                          <a:effectLst/>
+                        </a:rPr>
+                        <a:t>0.09</a:t>
+                      </a:r>
+                      <a:endParaRPr lang="en-US" sz="1000" b="0" i="0" u="none" strike="noStrike">
+                        <a:solidFill>
+                          <a:srgbClr val="000000"/>
+                        </a:solidFill>
+                        <a:effectLst/>
+                        <a:latin typeface="Calibri" panose="020F0502020204030204" pitchFamily="34" charset="0"/>
+                      </a:endParaRPr>
+                    </a:p>
+                  </a:txBody>
+                  <a:tcPr marL="5345" marR="5345" marT="5345" marB="0" anchor="b"/>
+                </a:tc>
+                <a:tc>
+                  <a:txBody>
+                    <a:bodyPr/>
+                    <a:lstStyle/>
+                    <a:p>
+                      <a:pPr algn="r" fontAlgn="b"/>
+                      <a:r>
+                        <a:rPr lang="en-US" sz="1000" u="none" strike="noStrike" dirty="0">
+                          <a:effectLst/>
+                        </a:rPr>
+                        <a:t>0.11</a:t>
+                      </a:r>
+                      <a:endParaRPr lang="en-US" sz="1000" b="0" i="0" u="none" strike="noStrike" dirty="0">
+                        <a:solidFill>
+                          <a:srgbClr val="000000"/>
+                        </a:solidFill>
+                        <a:effectLst/>
+                        <a:latin typeface="Calibri" panose="020F0502020204030204" pitchFamily="34" charset="0"/>
+                      </a:endParaRPr>
+                    </a:p>
+                  </a:txBody>
+                  <a:tcPr marL="5345" marR="5345" marT="5345" marB="0" anchor="b">
+                    <a:solidFill>
+                      <a:schemeClr val="accent4"/>
+                    </a:solidFill>
+                  </a:tcPr>
+                </a:tc>
+                <a:tc>
+                  <a:txBody>
+                    <a:bodyPr/>
+                    <a:lstStyle/>
+                    <a:p>
+                      <a:pPr algn="r" fontAlgn="b"/>
+                      <a:r>
+                        <a:rPr lang="en-US" sz="1000" u="none" strike="noStrike">
+                          <a:effectLst/>
+                        </a:rPr>
+                        <a:t>619</a:t>
+                      </a:r>
+                      <a:endParaRPr lang="en-US" sz="1000" b="0" i="0" u="none" strike="noStrike">
+                        <a:solidFill>
+                          <a:srgbClr val="000000"/>
+                        </a:solidFill>
+                        <a:effectLst/>
+                        <a:latin typeface="Calibri" panose="020F0502020204030204" pitchFamily="34" charset="0"/>
+                      </a:endParaRPr>
+                    </a:p>
+                  </a:txBody>
+                  <a:tcPr marL="5345" marR="5345" marT="5345" marB="0" anchor="b"/>
+                </a:tc>
+                <a:extLst>
+                  <a:ext uri="{0D108BD9-81ED-4DB2-BD59-A6C34878D82A}">
+                    <a16:rowId xmlns:a16="http://schemas.microsoft.com/office/drawing/2014/main" val="3393505748"/>
+                  </a:ext>
+                </a:extLst>
+              </a:tr>
+              <a:tr h="248942">
+                <a:tc>
+                  <a:txBody>
+                    <a:bodyPr/>
+                    <a:lstStyle/>
+                    <a:p>
+                      <a:pPr algn="l" fontAlgn="ctr"/>
+                      <a:r>
+                        <a:rPr lang="en-US" sz="1000" u="none" strike="noStrike" dirty="0">
+                          <a:effectLst/>
+                        </a:rPr>
+                        <a:t>Crime Fiction</a:t>
+                      </a:r>
+                      <a:endParaRPr lang="en-US" sz="1000" b="0" i="0" u="none" strike="noStrike" dirty="0">
+                        <a:solidFill>
+                          <a:srgbClr val="000000"/>
+                        </a:solidFill>
+                        <a:effectLst/>
+                        <a:latin typeface="Calibri" panose="020F0502020204030204" pitchFamily="34" charset="0"/>
+                      </a:endParaRPr>
+                    </a:p>
+                  </a:txBody>
+                  <a:tcPr marL="5345" marR="5345" marT="5345" marB="0" anchor="ctr"/>
+                </a:tc>
+                <a:tc>
+                  <a:txBody>
+                    <a:bodyPr/>
+                    <a:lstStyle/>
+                    <a:p>
+                      <a:pPr algn="r" fontAlgn="b"/>
+                      <a:r>
+                        <a:rPr lang="en-US" sz="1000" u="none" strike="noStrike">
+                          <a:effectLst/>
+                        </a:rPr>
+                        <a:t>0.15</a:t>
+                      </a:r>
+                      <a:endParaRPr lang="en-US" sz="1000" b="0" i="0" u="none" strike="noStrike">
+                        <a:solidFill>
+                          <a:srgbClr val="000000"/>
+                        </a:solidFill>
+                        <a:effectLst/>
+                        <a:latin typeface="Calibri" panose="020F0502020204030204" pitchFamily="34" charset="0"/>
+                      </a:endParaRPr>
+                    </a:p>
+                  </a:txBody>
+                  <a:tcPr marL="5345" marR="5345" marT="5345" marB="0" anchor="b"/>
+                </a:tc>
+                <a:tc>
+                  <a:txBody>
+                    <a:bodyPr/>
+                    <a:lstStyle/>
+                    <a:p>
+                      <a:pPr algn="r" fontAlgn="b"/>
+                      <a:r>
+                        <a:rPr lang="en-US" sz="1000" u="none" strike="noStrike">
+                          <a:effectLst/>
+                        </a:rPr>
+                        <a:t>0.06</a:t>
+                      </a:r>
+                      <a:endParaRPr lang="en-US" sz="1000" b="0" i="0" u="none" strike="noStrike">
+                        <a:solidFill>
+                          <a:srgbClr val="000000"/>
+                        </a:solidFill>
+                        <a:effectLst/>
+                        <a:latin typeface="Calibri" panose="020F0502020204030204" pitchFamily="34" charset="0"/>
+                      </a:endParaRPr>
+                    </a:p>
+                  </a:txBody>
+                  <a:tcPr marL="5345" marR="5345" marT="5345" marB="0" anchor="b"/>
+                </a:tc>
+                <a:tc>
+                  <a:txBody>
+                    <a:bodyPr/>
+                    <a:lstStyle/>
+                    <a:p>
+                      <a:pPr algn="r" fontAlgn="b"/>
+                      <a:r>
+                        <a:rPr lang="en-US" sz="1000" u="none" strike="noStrike">
+                          <a:effectLst/>
+                        </a:rPr>
+                        <a:t>0.08</a:t>
+                      </a:r>
+                      <a:endParaRPr lang="en-US" sz="1000" b="0" i="0" u="none" strike="noStrike">
+                        <a:solidFill>
+                          <a:srgbClr val="000000"/>
+                        </a:solidFill>
+                        <a:effectLst/>
+                        <a:latin typeface="Calibri" panose="020F0502020204030204" pitchFamily="34" charset="0"/>
+                      </a:endParaRPr>
+                    </a:p>
+                  </a:txBody>
+                  <a:tcPr marL="5345" marR="5345" marT="5345" marB="0" anchor="b">
+                    <a:solidFill>
+                      <a:schemeClr val="accent4"/>
+                    </a:solidFill>
+                  </a:tcPr>
+                </a:tc>
+                <a:tc>
+                  <a:txBody>
+                    <a:bodyPr/>
+                    <a:lstStyle/>
+                    <a:p>
+                      <a:pPr algn="r" fontAlgn="b"/>
+                      <a:r>
+                        <a:rPr lang="en-US" sz="1000" u="none" strike="noStrike">
+                          <a:effectLst/>
+                        </a:rPr>
+                        <a:t>241</a:t>
+                      </a:r>
+                      <a:endParaRPr lang="en-US" sz="1000" b="0" i="0" u="none" strike="noStrike">
+                        <a:solidFill>
+                          <a:srgbClr val="000000"/>
+                        </a:solidFill>
+                        <a:effectLst/>
+                        <a:latin typeface="Calibri" panose="020F0502020204030204" pitchFamily="34" charset="0"/>
+                      </a:endParaRPr>
+                    </a:p>
+                  </a:txBody>
+                  <a:tcPr marL="5345" marR="5345" marT="5345" marB="0" anchor="b"/>
+                </a:tc>
+                <a:extLst>
+                  <a:ext uri="{0D108BD9-81ED-4DB2-BD59-A6C34878D82A}">
+                    <a16:rowId xmlns:a16="http://schemas.microsoft.com/office/drawing/2014/main" val="1882665136"/>
+                  </a:ext>
+                </a:extLst>
+              </a:tr>
+              <a:tr h="248942">
+                <a:tc>
+                  <a:txBody>
+                    <a:bodyPr/>
+                    <a:lstStyle/>
+                    <a:p>
+                      <a:pPr algn="l" fontAlgn="ctr"/>
+                      <a:r>
+                        <a:rPr lang="en-US" sz="1000" u="none" strike="noStrike">
+                          <a:effectLst/>
+                        </a:rPr>
+                        <a:t>Fantasy</a:t>
+                      </a:r>
+                      <a:endParaRPr lang="en-US" sz="1000" b="0" i="0" u="none" strike="noStrike">
+                        <a:solidFill>
+                          <a:srgbClr val="000000"/>
+                        </a:solidFill>
+                        <a:effectLst/>
+                        <a:latin typeface="Calibri" panose="020F0502020204030204" pitchFamily="34" charset="0"/>
+                      </a:endParaRPr>
+                    </a:p>
+                  </a:txBody>
+                  <a:tcPr marL="5345" marR="5345" marT="5345" marB="0" anchor="ctr"/>
+                </a:tc>
+                <a:tc>
+                  <a:txBody>
+                    <a:bodyPr/>
+                    <a:lstStyle/>
+                    <a:p>
+                      <a:pPr algn="r" fontAlgn="b"/>
+                      <a:r>
+                        <a:rPr lang="en-US" sz="1000" u="none" strike="noStrike">
+                          <a:effectLst/>
+                        </a:rPr>
+                        <a:t>0.14</a:t>
+                      </a:r>
+                      <a:endParaRPr lang="en-US" sz="1000" b="0" i="0" u="none" strike="noStrike">
+                        <a:solidFill>
+                          <a:srgbClr val="000000"/>
+                        </a:solidFill>
+                        <a:effectLst/>
+                        <a:latin typeface="Calibri" panose="020F0502020204030204" pitchFamily="34" charset="0"/>
+                      </a:endParaRPr>
+                    </a:p>
+                  </a:txBody>
+                  <a:tcPr marL="5345" marR="5345" marT="5345" marB="0" anchor="b"/>
+                </a:tc>
+                <a:tc>
+                  <a:txBody>
+                    <a:bodyPr/>
+                    <a:lstStyle/>
+                    <a:p>
+                      <a:pPr algn="r" fontAlgn="b"/>
+                      <a:r>
+                        <a:rPr lang="en-US" sz="1000" u="none" strike="noStrike">
+                          <a:effectLst/>
+                        </a:rPr>
+                        <a:t>0.11</a:t>
+                      </a:r>
+                      <a:endParaRPr lang="en-US" sz="1000" b="0" i="0" u="none" strike="noStrike">
+                        <a:solidFill>
+                          <a:srgbClr val="000000"/>
+                        </a:solidFill>
+                        <a:effectLst/>
+                        <a:latin typeface="Calibri" panose="020F0502020204030204" pitchFamily="34" charset="0"/>
+                      </a:endParaRPr>
+                    </a:p>
+                  </a:txBody>
+                  <a:tcPr marL="5345" marR="5345" marT="5345" marB="0" anchor="b"/>
+                </a:tc>
+                <a:tc>
+                  <a:txBody>
+                    <a:bodyPr/>
+                    <a:lstStyle/>
+                    <a:p>
+                      <a:pPr algn="r" fontAlgn="b"/>
+                      <a:r>
+                        <a:rPr lang="en-US" sz="1000" u="none" strike="noStrike" dirty="0">
+                          <a:effectLst/>
+                        </a:rPr>
+                        <a:t>0.13</a:t>
+                      </a:r>
+                      <a:endParaRPr lang="en-US" sz="1000" b="0" i="0" u="none" strike="noStrike" dirty="0">
+                        <a:solidFill>
+                          <a:srgbClr val="000000"/>
+                        </a:solidFill>
+                        <a:effectLst/>
+                        <a:latin typeface="Calibri" panose="020F0502020204030204" pitchFamily="34" charset="0"/>
+                      </a:endParaRPr>
+                    </a:p>
+                  </a:txBody>
+                  <a:tcPr marL="5345" marR="5345" marT="5345" marB="0" anchor="b">
+                    <a:solidFill>
+                      <a:schemeClr val="accent4"/>
+                    </a:solidFill>
+                  </a:tcPr>
+                </a:tc>
+                <a:tc>
+                  <a:txBody>
+                    <a:bodyPr/>
+                    <a:lstStyle/>
+                    <a:p>
+                      <a:pPr algn="r" fontAlgn="b"/>
+                      <a:r>
+                        <a:rPr lang="en-US" sz="1000" u="none" strike="noStrike">
+                          <a:effectLst/>
+                        </a:rPr>
+                        <a:t>713</a:t>
+                      </a:r>
+                      <a:endParaRPr lang="en-US" sz="1000" b="0" i="0" u="none" strike="noStrike">
+                        <a:solidFill>
+                          <a:srgbClr val="000000"/>
+                        </a:solidFill>
+                        <a:effectLst/>
+                        <a:latin typeface="Calibri" panose="020F0502020204030204" pitchFamily="34" charset="0"/>
+                      </a:endParaRPr>
+                    </a:p>
+                  </a:txBody>
+                  <a:tcPr marL="5345" marR="5345" marT="5345" marB="0" anchor="b"/>
+                </a:tc>
+                <a:extLst>
+                  <a:ext uri="{0D108BD9-81ED-4DB2-BD59-A6C34878D82A}">
+                    <a16:rowId xmlns:a16="http://schemas.microsoft.com/office/drawing/2014/main" val="3686481814"/>
+                  </a:ext>
+                </a:extLst>
+              </a:tr>
+              <a:tr h="248942">
+                <a:tc>
+                  <a:txBody>
+                    <a:bodyPr/>
+                    <a:lstStyle/>
+                    <a:p>
+                      <a:pPr algn="l" fontAlgn="ctr"/>
+                      <a:r>
+                        <a:rPr lang="en-US" sz="1000" u="none" strike="noStrike">
+                          <a:effectLst/>
+                        </a:rPr>
+                        <a:t>Fiction</a:t>
+                      </a:r>
+                      <a:endParaRPr lang="en-US" sz="1000" b="0" i="0" u="none" strike="noStrike">
+                        <a:solidFill>
+                          <a:srgbClr val="000000"/>
+                        </a:solidFill>
+                        <a:effectLst/>
+                        <a:latin typeface="Calibri" panose="020F0502020204030204" pitchFamily="34" charset="0"/>
+                      </a:endParaRPr>
+                    </a:p>
+                  </a:txBody>
+                  <a:tcPr marL="5345" marR="5345" marT="5345" marB="0" anchor="ctr"/>
+                </a:tc>
+                <a:tc>
+                  <a:txBody>
+                    <a:bodyPr/>
+                    <a:lstStyle/>
+                    <a:p>
+                      <a:pPr algn="r" fontAlgn="b"/>
+                      <a:r>
+                        <a:rPr lang="en-US" sz="1000" u="none" strike="noStrike">
+                          <a:effectLst/>
+                        </a:rPr>
+                        <a:t>0.17</a:t>
+                      </a:r>
+                      <a:endParaRPr lang="en-US" sz="1000" b="0" i="0" u="none" strike="noStrike">
+                        <a:solidFill>
+                          <a:srgbClr val="000000"/>
+                        </a:solidFill>
+                        <a:effectLst/>
+                        <a:latin typeface="Calibri" panose="020F0502020204030204" pitchFamily="34" charset="0"/>
+                      </a:endParaRPr>
+                    </a:p>
+                  </a:txBody>
+                  <a:tcPr marL="5345" marR="5345" marT="5345" marB="0" anchor="b"/>
+                </a:tc>
+                <a:tc>
+                  <a:txBody>
+                    <a:bodyPr/>
+                    <a:lstStyle/>
+                    <a:p>
+                      <a:pPr algn="r" fontAlgn="b"/>
+                      <a:r>
+                        <a:rPr lang="en-US" sz="1000" u="none" strike="noStrike">
+                          <a:effectLst/>
+                        </a:rPr>
+                        <a:t>0.33</a:t>
+                      </a:r>
+                      <a:endParaRPr lang="en-US" sz="1000" b="0" i="0" u="none" strike="noStrike">
+                        <a:solidFill>
+                          <a:srgbClr val="000000"/>
+                        </a:solidFill>
+                        <a:effectLst/>
+                        <a:latin typeface="Calibri" panose="020F0502020204030204" pitchFamily="34" charset="0"/>
+                      </a:endParaRPr>
+                    </a:p>
+                  </a:txBody>
+                  <a:tcPr marL="5345" marR="5345" marT="5345" marB="0" anchor="b"/>
+                </a:tc>
+                <a:tc>
+                  <a:txBody>
+                    <a:bodyPr/>
+                    <a:lstStyle/>
+                    <a:p>
+                      <a:pPr algn="r" fontAlgn="b"/>
+                      <a:r>
+                        <a:rPr lang="en-US" sz="1000" u="none" strike="noStrike">
+                          <a:effectLst/>
+                        </a:rPr>
+                        <a:t>0.22</a:t>
+                      </a:r>
+                      <a:endParaRPr lang="en-US" sz="1000" b="0" i="0" u="none" strike="noStrike">
+                        <a:solidFill>
+                          <a:srgbClr val="000000"/>
+                        </a:solidFill>
+                        <a:effectLst/>
+                        <a:latin typeface="Calibri" panose="020F0502020204030204" pitchFamily="34" charset="0"/>
+                      </a:endParaRPr>
+                    </a:p>
+                  </a:txBody>
+                  <a:tcPr marL="5345" marR="5345" marT="5345" marB="0" anchor="b">
+                    <a:solidFill>
+                      <a:schemeClr val="accent4"/>
+                    </a:solidFill>
+                  </a:tcPr>
+                </a:tc>
+                <a:tc>
+                  <a:txBody>
+                    <a:bodyPr/>
+                    <a:lstStyle/>
+                    <a:p>
+                      <a:pPr algn="r" fontAlgn="b"/>
+                      <a:r>
+                        <a:rPr lang="en-US" sz="1000" u="none" strike="noStrike" dirty="0">
+                          <a:effectLst/>
+                        </a:rPr>
+                        <a:t>1454</a:t>
+                      </a:r>
+                      <a:endParaRPr lang="en-US" sz="1000" b="0" i="0" u="none" strike="noStrike" dirty="0">
+                        <a:solidFill>
+                          <a:srgbClr val="000000"/>
+                        </a:solidFill>
+                        <a:effectLst/>
+                        <a:latin typeface="Calibri" panose="020F0502020204030204" pitchFamily="34" charset="0"/>
+                      </a:endParaRPr>
+                    </a:p>
+                  </a:txBody>
+                  <a:tcPr marL="5345" marR="5345" marT="5345" marB="0" anchor="b"/>
+                </a:tc>
+                <a:extLst>
+                  <a:ext uri="{0D108BD9-81ED-4DB2-BD59-A6C34878D82A}">
+                    <a16:rowId xmlns:a16="http://schemas.microsoft.com/office/drawing/2014/main" val="1823455339"/>
+                  </a:ext>
+                </a:extLst>
+              </a:tr>
+              <a:tr h="248942">
+                <a:tc>
+                  <a:txBody>
+                    <a:bodyPr/>
+                    <a:lstStyle/>
+                    <a:p>
+                      <a:pPr algn="l" fontAlgn="ctr"/>
+                      <a:r>
+                        <a:rPr lang="en-US" sz="1000" u="none" strike="noStrike">
+                          <a:effectLst/>
+                        </a:rPr>
+                        <a:t>Historical novel</a:t>
+                      </a:r>
+                      <a:endParaRPr lang="en-US" sz="1000" b="0" i="0" u="none" strike="noStrike">
+                        <a:solidFill>
+                          <a:srgbClr val="000000"/>
+                        </a:solidFill>
+                        <a:effectLst/>
+                        <a:latin typeface="Calibri" panose="020F0502020204030204" pitchFamily="34" charset="0"/>
+                      </a:endParaRPr>
+                    </a:p>
+                  </a:txBody>
+                  <a:tcPr marL="5345" marR="5345" marT="5345" marB="0" anchor="ctr"/>
+                </a:tc>
+                <a:tc>
+                  <a:txBody>
+                    <a:bodyPr/>
+                    <a:lstStyle/>
+                    <a:p>
+                      <a:pPr algn="r" fontAlgn="b"/>
+                      <a:r>
+                        <a:rPr lang="en-US" sz="1000" u="none" strike="noStrike">
+                          <a:effectLst/>
+                        </a:rPr>
+                        <a:t>0.26</a:t>
+                      </a:r>
+                      <a:endParaRPr lang="en-US" sz="1000" b="0" i="0" u="none" strike="noStrike">
+                        <a:solidFill>
+                          <a:srgbClr val="000000"/>
+                        </a:solidFill>
+                        <a:effectLst/>
+                        <a:latin typeface="Calibri" panose="020F0502020204030204" pitchFamily="34" charset="0"/>
+                      </a:endParaRPr>
+                    </a:p>
+                  </a:txBody>
+                  <a:tcPr marL="5345" marR="5345" marT="5345" marB="0" anchor="b"/>
+                </a:tc>
+                <a:tc>
+                  <a:txBody>
+                    <a:bodyPr/>
+                    <a:lstStyle/>
+                    <a:p>
+                      <a:pPr algn="r" fontAlgn="b"/>
+                      <a:r>
+                        <a:rPr lang="en-US" sz="1000" u="none" strike="noStrike">
+                          <a:effectLst/>
+                        </a:rPr>
+                        <a:t>0.09</a:t>
+                      </a:r>
+                      <a:endParaRPr lang="en-US" sz="1000" b="0" i="0" u="none" strike="noStrike">
+                        <a:solidFill>
+                          <a:srgbClr val="000000"/>
+                        </a:solidFill>
+                        <a:effectLst/>
+                        <a:latin typeface="Calibri" panose="020F0502020204030204" pitchFamily="34" charset="0"/>
+                      </a:endParaRPr>
+                    </a:p>
+                  </a:txBody>
+                  <a:tcPr marL="5345" marR="5345" marT="5345" marB="0" anchor="b"/>
+                </a:tc>
+                <a:tc>
+                  <a:txBody>
+                    <a:bodyPr/>
+                    <a:lstStyle/>
+                    <a:p>
+                      <a:pPr algn="r" fontAlgn="b"/>
+                      <a:r>
+                        <a:rPr lang="en-US" sz="1000" u="none" strike="noStrike">
+                          <a:effectLst/>
+                        </a:rPr>
+                        <a:t>0.13</a:t>
+                      </a:r>
+                      <a:endParaRPr lang="en-US" sz="1000" b="0" i="0" u="none" strike="noStrike">
+                        <a:solidFill>
+                          <a:srgbClr val="000000"/>
+                        </a:solidFill>
+                        <a:effectLst/>
+                        <a:latin typeface="Calibri" panose="020F0502020204030204" pitchFamily="34" charset="0"/>
+                      </a:endParaRPr>
+                    </a:p>
+                  </a:txBody>
+                  <a:tcPr marL="5345" marR="5345" marT="5345" marB="0" anchor="b">
+                    <a:solidFill>
+                      <a:schemeClr val="accent4"/>
+                    </a:solidFill>
+                  </a:tcPr>
+                </a:tc>
+                <a:tc>
+                  <a:txBody>
+                    <a:bodyPr/>
+                    <a:lstStyle/>
+                    <a:p>
+                      <a:pPr algn="r" fontAlgn="b"/>
+                      <a:r>
+                        <a:rPr lang="en-US" sz="1000" u="none" strike="noStrike">
+                          <a:effectLst/>
+                        </a:rPr>
+                        <a:t>219</a:t>
+                      </a:r>
+                      <a:endParaRPr lang="en-US" sz="1000" b="0" i="0" u="none" strike="noStrike">
+                        <a:solidFill>
+                          <a:srgbClr val="000000"/>
+                        </a:solidFill>
+                        <a:effectLst/>
+                        <a:latin typeface="Calibri" panose="020F0502020204030204" pitchFamily="34" charset="0"/>
+                      </a:endParaRPr>
+                    </a:p>
+                  </a:txBody>
+                  <a:tcPr marL="5345" marR="5345" marT="5345" marB="0" anchor="b"/>
+                </a:tc>
+                <a:extLst>
+                  <a:ext uri="{0D108BD9-81ED-4DB2-BD59-A6C34878D82A}">
+                    <a16:rowId xmlns:a16="http://schemas.microsoft.com/office/drawing/2014/main" val="956239410"/>
+                  </a:ext>
+                </a:extLst>
+              </a:tr>
+              <a:tr h="248942">
+                <a:tc>
+                  <a:txBody>
+                    <a:bodyPr/>
+                    <a:lstStyle/>
+                    <a:p>
+                      <a:pPr algn="l" fontAlgn="ctr"/>
+                      <a:r>
+                        <a:rPr lang="en-US" sz="1000" u="none" strike="noStrike">
+                          <a:effectLst/>
+                        </a:rPr>
+                        <a:t>Horror</a:t>
+                      </a:r>
+                      <a:endParaRPr lang="en-US" sz="1000" b="0" i="0" u="none" strike="noStrike">
+                        <a:solidFill>
+                          <a:srgbClr val="000000"/>
+                        </a:solidFill>
+                        <a:effectLst/>
+                        <a:latin typeface="Calibri" panose="020F0502020204030204" pitchFamily="34" charset="0"/>
+                      </a:endParaRPr>
+                    </a:p>
+                  </a:txBody>
+                  <a:tcPr marL="5345" marR="5345" marT="5345" marB="0" anchor="ctr"/>
+                </a:tc>
+                <a:tc>
+                  <a:txBody>
+                    <a:bodyPr/>
+                    <a:lstStyle/>
+                    <a:p>
+                      <a:pPr algn="r" fontAlgn="b"/>
+                      <a:r>
+                        <a:rPr lang="en-US" sz="1000" u="none" strike="noStrike">
+                          <a:effectLst/>
+                        </a:rPr>
+                        <a:t>0.1</a:t>
+                      </a:r>
+                      <a:endParaRPr lang="en-US" sz="1000" b="0" i="0" u="none" strike="noStrike">
+                        <a:solidFill>
+                          <a:srgbClr val="000000"/>
+                        </a:solidFill>
+                        <a:effectLst/>
+                        <a:latin typeface="Calibri" panose="020F0502020204030204" pitchFamily="34" charset="0"/>
+                      </a:endParaRPr>
+                    </a:p>
+                  </a:txBody>
+                  <a:tcPr marL="5345" marR="5345" marT="5345" marB="0" anchor="b"/>
+                </a:tc>
+                <a:tc>
+                  <a:txBody>
+                    <a:bodyPr/>
+                    <a:lstStyle/>
+                    <a:p>
+                      <a:pPr algn="r" fontAlgn="b"/>
+                      <a:r>
+                        <a:rPr lang="en-US" sz="1000" u="none" strike="noStrike">
+                          <a:effectLst/>
+                        </a:rPr>
+                        <a:t>0.03</a:t>
+                      </a:r>
+                      <a:endParaRPr lang="en-US" sz="1000" b="0" i="0" u="none" strike="noStrike">
+                        <a:solidFill>
+                          <a:srgbClr val="000000"/>
+                        </a:solidFill>
+                        <a:effectLst/>
+                        <a:latin typeface="Calibri" panose="020F0502020204030204" pitchFamily="34" charset="0"/>
+                      </a:endParaRPr>
+                    </a:p>
+                  </a:txBody>
+                  <a:tcPr marL="5345" marR="5345" marT="5345" marB="0" anchor="b"/>
+                </a:tc>
+                <a:tc>
+                  <a:txBody>
+                    <a:bodyPr/>
+                    <a:lstStyle/>
+                    <a:p>
+                      <a:pPr algn="r" fontAlgn="b"/>
+                      <a:r>
+                        <a:rPr lang="en-US" sz="1000" u="none" strike="noStrike">
+                          <a:effectLst/>
+                        </a:rPr>
+                        <a:t>0.04</a:t>
+                      </a:r>
+                      <a:endParaRPr lang="en-US" sz="1000" b="0" i="0" u="none" strike="noStrike">
+                        <a:solidFill>
+                          <a:srgbClr val="000000"/>
+                        </a:solidFill>
+                        <a:effectLst/>
+                        <a:latin typeface="Calibri" panose="020F0502020204030204" pitchFamily="34" charset="0"/>
+                      </a:endParaRPr>
+                    </a:p>
+                  </a:txBody>
+                  <a:tcPr marL="5345" marR="5345" marT="5345" marB="0" anchor="b">
+                    <a:solidFill>
+                      <a:schemeClr val="accent4"/>
+                    </a:solidFill>
+                  </a:tcPr>
+                </a:tc>
+                <a:tc>
+                  <a:txBody>
+                    <a:bodyPr/>
+                    <a:lstStyle/>
+                    <a:p>
+                      <a:pPr algn="r" fontAlgn="b"/>
+                      <a:r>
+                        <a:rPr lang="en-US" sz="1000" u="none" strike="noStrike">
+                          <a:effectLst/>
+                        </a:rPr>
+                        <a:t>147</a:t>
+                      </a:r>
+                      <a:endParaRPr lang="en-US" sz="1000" b="0" i="0" u="none" strike="noStrike">
+                        <a:solidFill>
+                          <a:srgbClr val="000000"/>
+                        </a:solidFill>
+                        <a:effectLst/>
+                        <a:latin typeface="Calibri" panose="020F0502020204030204" pitchFamily="34" charset="0"/>
+                      </a:endParaRPr>
+                    </a:p>
+                  </a:txBody>
+                  <a:tcPr marL="5345" marR="5345" marT="5345" marB="0" anchor="b"/>
+                </a:tc>
+                <a:extLst>
+                  <a:ext uri="{0D108BD9-81ED-4DB2-BD59-A6C34878D82A}">
+                    <a16:rowId xmlns:a16="http://schemas.microsoft.com/office/drawing/2014/main" val="2496498921"/>
+                  </a:ext>
+                </a:extLst>
+              </a:tr>
+              <a:tr h="248942">
+                <a:tc>
+                  <a:txBody>
+                    <a:bodyPr/>
+                    <a:lstStyle/>
+                    <a:p>
+                      <a:pPr algn="l" fontAlgn="ctr"/>
+                      <a:r>
+                        <a:rPr lang="en-US" sz="1000" u="none" strike="noStrike">
+                          <a:effectLst/>
+                        </a:rPr>
+                        <a:t>Mystery</a:t>
+                      </a:r>
+                      <a:endParaRPr lang="en-US" sz="1000" b="0" i="0" u="none" strike="noStrike">
+                        <a:solidFill>
+                          <a:srgbClr val="000000"/>
+                        </a:solidFill>
+                        <a:effectLst/>
+                        <a:latin typeface="Calibri" panose="020F0502020204030204" pitchFamily="34" charset="0"/>
+                      </a:endParaRPr>
+                    </a:p>
+                  </a:txBody>
+                  <a:tcPr marL="5345" marR="5345" marT="5345" marB="0" anchor="ctr"/>
+                </a:tc>
+                <a:tc>
+                  <a:txBody>
+                    <a:bodyPr/>
+                    <a:lstStyle/>
+                    <a:p>
+                      <a:pPr algn="r" fontAlgn="b"/>
+                      <a:r>
+                        <a:rPr lang="en-US" sz="1000" u="none" strike="noStrike" dirty="0">
+                          <a:effectLst/>
+                        </a:rPr>
+                        <a:t>0.15</a:t>
+                      </a:r>
+                      <a:endParaRPr lang="en-US" sz="1000" b="0" i="0" u="none" strike="noStrike" dirty="0">
+                        <a:solidFill>
+                          <a:srgbClr val="000000"/>
+                        </a:solidFill>
+                        <a:effectLst/>
+                        <a:latin typeface="Calibri" panose="020F0502020204030204" pitchFamily="34" charset="0"/>
+                      </a:endParaRPr>
+                    </a:p>
+                  </a:txBody>
+                  <a:tcPr marL="5345" marR="5345" marT="5345" marB="0" anchor="b"/>
+                </a:tc>
+                <a:tc>
+                  <a:txBody>
+                    <a:bodyPr/>
+                    <a:lstStyle/>
+                    <a:p>
+                      <a:pPr algn="r" fontAlgn="b"/>
+                      <a:r>
+                        <a:rPr lang="en-US" sz="1000" u="none" strike="noStrike">
+                          <a:effectLst/>
+                        </a:rPr>
+                        <a:t>0.1</a:t>
+                      </a:r>
+                      <a:endParaRPr lang="en-US" sz="1000" b="0" i="0" u="none" strike="noStrike">
+                        <a:solidFill>
+                          <a:srgbClr val="000000"/>
+                        </a:solidFill>
+                        <a:effectLst/>
+                        <a:latin typeface="Calibri" panose="020F0502020204030204" pitchFamily="34" charset="0"/>
+                      </a:endParaRPr>
+                    </a:p>
+                  </a:txBody>
+                  <a:tcPr marL="5345" marR="5345" marT="5345" marB="0" anchor="b"/>
+                </a:tc>
+                <a:tc>
+                  <a:txBody>
+                    <a:bodyPr/>
+                    <a:lstStyle/>
+                    <a:p>
+                      <a:pPr algn="r" fontAlgn="b"/>
+                      <a:r>
+                        <a:rPr lang="en-US" sz="1000" u="none" strike="noStrike">
+                          <a:effectLst/>
+                        </a:rPr>
+                        <a:t>0.12</a:t>
+                      </a:r>
+                      <a:endParaRPr lang="en-US" sz="1000" b="0" i="0" u="none" strike="noStrike">
+                        <a:solidFill>
+                          <a:srgbClr val="000000"/>
+                        </a:solidFill>
+                        <a:effectLst/>
+                        <a:latin typeface="Calibri" panose="020F0502020204030204" pitchFamily="34" charset="0"/>
+                      </a:endParaRPr>
+                    </a:p>
+                  </a:txBody>
+                  <a:tcPr marL="5345" marR="5345" marT="5345" marB="0" anchor="b">
+                    <a:solidFill>
+                      <a:schemeClr val="accent4"/>
+                    </a:solidFill>
+                  </a:tcPr>
+                </a:tc>
+                <a:tc>
+                  <a:txBody>
+                    <a:bodyPr/>
+                    <a:lstStyle/>
+                    <a:p>
+                      <a:pPr algn="r" fontAlgn="b"/>
+                      <a:r>
+                        <a:rPr lang="en-US" sz="1000" u="none" strike="noStrike" dirty="0">
+                          <a:effectLst/>
+                        </a:rPr>
+                        <a:t>431</a:t>
+                      </a:r>
+                      <a:endParaRPr lang="en-US" sz="1000" b="0" i="0" u="none" strike="noStrike" dirty="0">
+                        <a:solidFill>
+                          <a:srgbClr val="000000"/>
+                        </a:solidFill>
+                        <a:effectLst/>
+                        <a:latin typeface="Calibri" panose="020F0502020204030204" pitchFamily="34" charset="0"/>
+                      </a:endParaRPr>
+                    </a:p>
+                  </a:txBody>
+                  <a:tcPr marL="5345" marR="5345" marT="5345" marB="0" anchor="b"/>
+                </a:tc>
+                <a:extLst>
+                  <a:ext uri="{0D108BD9-81ED-4DB2-BD59-A6C34878D82A}">
+                    <a16:rowId xmlns:a16="http://schemas.microsoft.com/office/drawing/2014/main" val="3628157775"/>
+                  </a:ext>
+                </a:extLst>
+              </a:tr>
+              <a:tr h="248942">
+                <a:tc>
+                  <a:txBody>
+                    <a:bodyPr/>
+                    <a:lstStyle/>
+                    <a:p>
+                      <a:pPr algn="l" fontAlgn="ctr"/>
+                      <a:r>
+                        <a:rPr lang="en-US" sz="1000" u="none" strike="noStrike">
+                          <a:effectLst/>
+                        </a:rPr>
+                        <a:t>Novel</a:t>
+                      </a:r>
+                      <a:endParaRPr lang="en-US" sz="1000" b="0" i="0" u="none" strike="noStrike">
+                        <a:solidFill>
+                          <a:srgbClr val="000000"/>
+                        </a:solidFill>
+                        <a:effectLst/>
+                        <a:latin typeface="Calibri" panose="020F0502020204030204" pitchFamily="34" charset="0"/>
+                      </a:endParaRPr>
+                    </a:p>
+                  </a:txBody>
+                  <a:tcPr marL="5345" marR="5345" marT="5345" marB="0" anchor="ctr"/>
+                </a:tc>
+                <a:tc>
+                  <a:txBody>
+                    <a:bodyPr/>
+                    <a:lstStyle/>
+                    <a:p>
+                      <a:pPr algn="r" fontAlgn="b"/>
+                      <a:r>
+                        <a:rPr lang="en-US" sz="1000" u="none" strike="noStrike">
+                          <a:effectLst/>
+                        </a:rPr>
+                        <a:t>0.16</a:t>
+                      </a:r>
+                      <a:endParaRPr lang="en-US" sz="1000" b="0" i="0" u="none" strike="noStrike">
+                        <a:solidFill>
+                          <a:srgbClr val="000000"/>
+                        </a:solidFill>
+                        <a:effectLst/>
+                        <a:latin typeface="Calibri" panose="020F0502020204030204" pitchFamily="34" charset="0"/>
+                      </a:endParaRPr>
+                    </a:p>
+                  </a:txBody>
+                  <a:tcPr marL="5345" marR="5345" marT="5345" marB="0" anchor="b"/>
+                </a:tc>
+                <a:tc>
+                  <a:txBody>
+                    <a:bodyPr/>
+                    <a:lstStyle/>
+                    <a:p>
+                      <a:pPr algn="r" fontAlgn="b"/>
+                      <a:r>
+                        <a:rPr lang="en-US" sz="1000" u="none" strike="noStrike">
+                          <a:effectLst/>
+                        </a:rPr>
+                        <a:t>0.07</a:t>
+                      </a:r>
+                      <a:endParaRPr lang="en-US" sz="1000" b="0" i="0" u="none" strike="noStrike">
+                        <a:solidFill>
+                          <a:srgbClr val="000000"/>
+                        </a:solidFill>
+                        <a:effectLst/>
+                        <a:latin typeface="Calibri" panose="020F0502020204030204" pitchFamily="34" charset="0"/>
+                      </a:endParaRPr>
+                    </a:p>
+                  </a:txBody>
+                  <a:tcPr marL="5345" marR="5345" marT="5345" marB="0" anchor="b"/>
+                </a:tc>
+                <a:tc>
+                  <a:txBody>
+                    <a:bodyPr/>
+                    <a:lstStyle/>
+                    <a:p>
+                      <a:pPr algn="r" fontAlgn="b"/>
+                      <a:r>
+                        <a:rPr lang="en-US" sz="1000" u="none" strike="noStrike">
+                          <a:effectLst/>
+                        </a:rPr>
+                        <a:t>0.1</a:t>
+                      </a:r>
+                      <a:endParaRPr lang="en-US" sz="1000" b="0" i="0" u="none" strike="noStrike">
+                        <a:solidFill>
+                          <a:srgbClr val="000000"/>
+                        </a:solidFill>
+                        <a:effectLst/>
+                        <a:latin typeface="Calibri" panose="020F0502020204030204" pitchFamily="34" charset="0"/>
+                      </a:endParaRPr>
+                    </a:p>
+                  </a:txBody>
+                  <a:tcPr marL="5345" marR="5345" marT="5345" marB="0" anchor="b">
+                    <a:solidFill>
+                      <a:schemeClr val="accent4"/>
+                    </a:solidFill>
+                  </a:tcPr>
+                </a:tc>
+                <a:tc>
+                  <a:txBody>
+                    <a:bodyPr/>
+                    <a:lstStyle/>
+                    <a:p>
+                      <a:pPr algn="r" fontAlgn="b"/>
+                      <a:r>
+                        <a:rPr lang="en-US" sz="1000" u="none" strike="noStrike" dirty="0">
+                          <a:effectLst/>
+                        </a:rPr>
+                        <a:t>705</a:t>
+                      </a:r>
+                      <a:endParaRPr lang="en-US" sz="1000" b="0" i="0" u="none" strike="noStrike" dirty="0">
+                        <a:solidFill>
+                          <a:srgbClr val="000000"/>
+                        </a:solidFill>
+                        <a:effectLst/>
+                        <a:latin typeface="Calibri" panose="020F0502020204030204" pitchFamily="34" charset="0"/>
+                      </a:endParaRPr>
+                    </a:p>
+                  </a:txBody>
+                  <a:tcPr marL="5345" marR="5345" marT="5345" marB="0" anchor="b"/>
+                </a:tc>
+                <a:extLst>
+                  <a:ext uri="{0D108BD9-81ED-4DB2-BD59-A6C34878D82A}">
+                    <a16:rowId xmlns:a16="http://schemas.microsoft.com/office/drawing/2014/main" val="1199246926"/>
+                  </a:ext>
+                </a:extLst>
+              </a:tr>
+              <a:tr h="248942">
+                <a:tc>
+                  <a:txBody>
+                    <a:bodyPr/>
+                    <a:lstStyle/>
+                    <a:p>
+                      <a:pPr algn="l" fontAlgn="ctr"/>
+                      <a:r>
+                        <a:rPr lang="en-US" sz="1000" u="none" strike="noStrike">
+                          <a:effectLst/>
+                        </a:rPr>
+                        <a:t>Science Fiction</a:t>
+                      </a:r>
+                      <a:endParaRPr lang="en-US" sz="1000" b="0" i="0" u="none" strike="noStrike">
+                        <a:solidFill>
+                          <a:srgbClr val="000000"/>
+                        </a:solidFill>
+                        <a:effectLst/>
+                        <a:latin typeface="Calibri" panose="020F0502020204030204" pitchFamily="34" charset="0"/>
+                      </a:endParaRPr>
+                    </a:p>
+                  </a:txBody>
+                  <a:tcPr marL="5345" marR="5345" marT="5345" marB="0" anchor="ctr"/>
+                </a:tc>
+                <a:tc>
+                  <a:txBody>
+                    <a:bodyPr/>
+                    <a:lstStyle/>
+                    <a:p>
+                      <a:pPr algn="r" fontAlgn="b"/>
+                      <a:r>
+                        <a:rPr lang="en-US" sz="1000" u="none" strike="noStrike">
+                          <a:effectLst/>
+                        </a:rPr>
+                        <a:t>0.23</a:t>
+                      </a:r>
+                      <a:endParaRPr lang="en-US" sz="1000" b="0" i="0" u="none" strike="noStrike">
+                        <a:solidFill>
+                          <a:srgbClr val="000000"/>
+                        </a:solidFill>
+                        <a:effectLst/>
+                        <a:latin typeface="Calibri" panose="020F0502020204030204" pitchFamily="34" charset="0"/>
+                      </a:endParaRPr>
+                    </a:p>
+                  </a:txBody>
+                  <a:tcPr marL="5345" marR="5345" marT="5345" marB="0" anchor="b"/>
+                </a:tc>
+                <a:tc>
+                  <a:txBody>
+                    <a:bodyPr/>
+                    <a:lstStyle/>
+                    <a:p>
+                      <a:pPr algn="r" fontAlgn="b"/>
+                      <a:r>
+                        <a:rPr lang="en-US" sz="1000" u="none" strike="noStrike">
+                          <a:effectLst/>
+                        </a:rPr>
+                        <a:t>0.23</a:t>
+                      </a:r>
+                      <a:endParaRPr lang="en-US" sz="1000" b="0" i="0" u="none" strike="noStrike">
+                        <a:solidFill>
+                          <a:srgbClr val="000000"/>
+                        </a:solidFill>
+                        <a:effectLst/>
+                        <a:latin typeface="Calibri" panose="020F0502020204030204" pitchFamily="34" charset="0"/>
+                      </a:endParaRPr>
+                    </a:p>
+                  </a:txBody>
+                  <a:tcPr marL="5345" marR="5345" marT="5345" marB="0" anchor="b"/>
+                </a:tc>
+                <a:tc>
+                  <a:txBody>
+                    <a:bodyPr/>
+                    <a:lstStyle/>
+                    <a:p>
+                      <a:pPr algn="r" fontAlgn="b"/>
+                      <a:r>
+                        <a:rPr lang="en-US" sz="1000" u="none" strike="noStrike">
+                          <a:effectLst/>
+                        </a:rPr>
+                        <a:t>0.23</a:t>
+                      </a:r>
+                      <a:endParaRPr lang="en-US" sz="1000" b="0" i="0" u="none" strike="noStrike">
+                        <a:solidFill>
+                          <a:srgbClr val="000000"/>
+                        </a:solidFill>
+                        <a:effectLst/>
+                        <a:latin typeface="Calibri" panose="020F0502020204030204" pitchFamily="34" charset="0"/>
+                      </a:endParaRPr>
+                    </a:p>
+                  </a:txBody>
+                  <a:tcPr marL="5345" marR="5345" marT="5345" marB="0" anchor="b">
+                    <a:solidFill>
+                      <a:schemeClr val="accent4"/>
+                    </a:solidFill>
+                  </a:tcPr>
+                </a:tc>
+                <a:tc>
+                  <a:txBody>
+                    <a:bodyPr/>
+                    <a:lstStyle/>
+                    <a:p>
+                      <a:pPr algn="r" fontAlgn="b"/>
+                      <a:r>
+                        <a:rPr lang="en-US" sz="1000" u="none" strike="noStrike" dirty="0">
+                          <a:effectLst/>
+                        </a:rPr>
+                        <a:t>881</a:t>
+                      </a:r>
+                      <a:endParaRPr lang="en-US" sz="1000" b="0" i="0" u="none" strike="noStrike" dirty="0">
+                        <a:solidFill>
+                          <a:srgbClr val="000000"/>
+                        </a:solidFill>
+                        <a:effectLst/>
+                        <a:latin typeface="Calibri" panose="020F0502020204030204" pitchFamily="34" charset="0"/>
+                      </a:endParaRPr>
+                    </a:p>
+                  </a:txBody>
+                  <a:tcPr marL="5345" marR="5345" marT="5345" marB="0" anchor="b"/>
+                </a:tc>
+                <a:extLst>
+                  <a:ext uri="{0D108BD9-81ED-4DB2-BD59-A6C34878D82A}">
+                    <a16:rowId xmlns:a16="http://schemas.microsoft.com/office/drawing/2014/main" val="2738640639"/>
+                  </a:ext>
+                </a:extLst>
+              </a:tr>
+              <a:tr h="248942">
+                <a:tc>
+                  <a:txBody>
+                    <a:bodyPr/>
+                    <a:lstStyle/>
+                    <a:p>
+                      <a:pPr algn="l" fontAlgn="ctr"/>
+                      <a:r>
+                        <a:rPr lang="en-US" sz="1000" u="none" strike="noStrike">
+                          <a:effectLst/>
+                        </a:rPr>
+                        <a:t>Speculative fiction</a:t>
+                      </a:r>
+                      <a:endParaRPr lang="en-US" sz="1000" b="0" i="0" u="none" strike="noStrike">
+                        <a:solidFill>
+                          <a:srgbClr val="000000"/>
+                        </a:solidFill>
+                        <a:effectLst/>
+                        <a:latin typeface="Calibri" panose="020F0502020204030204" pitchFamily="34" charset="0"/>
+                      </a:endParaRPr>
+                    </a:p>
+                  </a:txBody>
+                  <a:tcPr marL="5345" marR="5345" marT="5345" marB="0" anchor="ctr"/>
+                </a:tc>
+                <a:tc>
+                  <a:txBody>
+                    <a:bodyPr/>
+                    <a:lstStyle/>
+                    <a:p>
+                      <a:pPr algn="r" fontAlgn="b"/>
+                      <a:r>
+                        <a:rPr lang="en-US" sz="1000" u="none" strike="noStrike">
+                          <a:effectLst/>
+                        </a:rPr>
+                        <a:t>0.09</a:t>
+                      </a:r>
+                      <a:endParaRPr lang="en-US" sz="1000" b="0" i="0" u="none" strike="noStrike">
+                        <a:solidFill>
+                          <a:srgbClr val="000000"/>
+                        </a:solidFill>
+                        <a:effectLst/>
+                        <a:latin typeface="Calibri" panose="020F0502020204030204" pitchFamily="34" charset="0"/>
+                      </a:endParaRPr>
+                    </a:p>
+                  </a:txBody>
+                  <a:tcPr marL="5345" marR="5345" marT="5345" marB="0" anchor="b"/>
+                </a:tc>
+                <a:tc>
+                  <a:txBody>
+                    <a:bodyPr/>
+                    <a:lstStyle/>
+                    <a:p>
+                      <a:pPr algn="r" fontAlgn="b"/>
+                      <a:r>
+                        <a:rPr lang="en-US" sz="1000" u="none" strike="noStrike" dirty="0">
+                          <a:effectLst/>
+                        </a:rPr>
+                        <a:t>0.12</a:t>
+                      </a:r>
+                      <a:endParaRPr lang="en-US" sz="1000" b="0" i="0" u="none" strike="noStrike" dirty="0">
+                        <a:solidFill>
+                          <a:srgbClr val="000000"/>
+                        </a:solidFill>
+                        <a:effectLst/>
+                        <a:latin typeface="Calibri" panose="020F0502020204030204" pitchFamily="34" charset="0"/>
+                      </a:endParaRPr>
+                    </a:p>
+                  </a:txBody>
+                  <a:tcPr marL="5345" marR="5345" marT="5345" marB="0" anchor="b"/>
+                </a:tc>
+                <a:tc>
+                  <a:txBody>
+                    <a:bodyPr/>
+                    <a:lstStyle/>
+                    <a:p>
+                      <a:pPr algn="r" fontAlgn="b"/>
+                      <a:r>
+                        <a:rPr lang="en-US" sz="1000" u="none" strike="noStrike">
+                          <a:effectLst/>
+                        </a:rPr>
+                        <a:t>0.1</a:t>
+                      </a:r>
+                      <a:endParaRPr lang="en-US" sz="1000" b="0" i="0" u="none" strike="noStrike">
+                        <a:solidFill>
+                          <a:srgbClr val="000000"/>
+                        </a:solidFill>
+                        <a:effectLst/>
+                        <a:latin typeface="Calibri" panose="020F0502020204030204" pitchFamily="34" charset="0"/>
+                      </a:endParaRPr>
+                    </a:p>
+                  </a:txBody>
+                  <a:tcPr marL="5345" marR="5345" marT="5345" marB="0" anchor="b">
+                    <a:solidFill>
+                      <a:schemeClr val="accent4"/>
+                    </a:solidFill>
+                  </a:tcPr>
+                </a:tc>
+                <a:tc>
+                  <a:txBody>
+                    <a:bodyPr/>
+                    <a:lstStyle/>
+                    <a:p>
+                      <a:pPr algn="r" fontAlgn="b"/>
+                      <a:r>
+                        <a:rPr lang="en-US" sz="1000" u="none" strike="noStrike" dirty="0">
+                          <a:effectLst/>
+                        </a:rPr>
+                        <a:t>1262</a:t>
+                      </a:r>
+                      <a:endParaRPr lang="en-US" sz="1000" b="0" i="0" u="none" strike="noStrike" dirty="0">
+                        <a:solidFill>
+                          <a:srgbClr val="000000"/>
+                        </a:solidFill>
+                        <a:effectLst/>
+                        <a:latin typeface="Calibri" panose="020F0502020204030204" pitchFamily="34" charset="0"/>
+                      </a:endParaRPr>
+                    </a:p>
+                  </a:txBody>
+                  <a:tcPr marL="5345" marR="5345" marT="5345" marB="0" anchor="b"/>
+                </a:tc>
+                <a:extLst>
+                  <a:ext uri="{0D108BD9-81ED-4DB2-BD59-A6C34878D82A}">
+                    <a16:rowId xmlns:a16="http://schemas.microsoft.com/office/drawing/2014/main" val="2164122931"/>
+                  </a:ext>
+                </a:extLst>
+              </a:tr>
+              <a:tr h="248942">
+                <a:tc>
+                  <a:txBody>
+                    <a:bodyPr/>
+                    <a:lstStyle/>
+                    <a:p>
+                      <a:pPr algn="l" fontAlgn="ctr"/>
+                      <a:r>
+                        <a:rPr lang="en-US" sz="1000" u="none" strike="noStrike">
+                          <a:effectLst/>
+                        </a:rPr>
+                        <a:t>Suspense</a:t>
+                      </a:r>
+                      <a:endParaRPr lang="en-US" sz="1000" b="0" i="0" u="none" strike="noStrike">
+                        <a:solidFill>
+                          <a:srgbClr val="000000"/>
+                        </a:solidFill>
+                        <a:effectLst/>
+                        <a:latin typeface="Calibri" panose="020F0502020204030204" pitchFamily="34" charset="0"/>
+                      </a:endParaRPr>
+                    </a:p>
+                  </a:txBody>
+                  <a:tcPr marL="5345" marR="5345" marT="5345" marB="0" anchor="ctr"/>
+                </a:tc>
+                <a:tc>
+                  <a:txBody>
+                    <a:bodyPr/>
+                    <a:lstStyle/>
+                    <a:p>
+                      <a:pPr algn="r" fontAlgn="b"/>
+                      <a:r>
+                        <a:rPr lang="en-US" sz="1000" u="none" strike="noStrike">
+                          <a:effectLst/>
+                        </a:rPr>
+                        <a:t>0</a:t>
+                      </a:r>
+                      <a:endParaRPr lang="en-US" sz="1000" b="0" i="0" u="none" strike="noStrike">
+                        <a:solidFill>
+                          <a:srgbClr val="000000"/>
+                        </a:solidFill>
+                        <a:effectLst/>
+                        <a:latin typeface="Calibri" panose="020F0502020204030204" pitchFamily="34" charset="0"/>
+                      </a:endParaRPr>
+                    </a:p>
+                  </a:txBody>
+                  <a:tcPr marL="5345" marR="5345" marT="5345" marB="0" anchor="b"/>
+                </a:tc>
+                <a:tc>
+                  <a:txBody>
+                    <a:bodyPr/>
+                    <a:lstStyle/>
+                    <a:p>
+                      <a:pPr algn="r" fontAlgn="b"/>
+                      <a:r>
+                        <a:rPr lang="en-US" sz="1000" u="none" strike="noStrike">
+                          <a:effectLst/>
+                        </a:rPr>
+                        <a:t>0</a:t>
+                      </a:r>
+                      <a:endParaRPr lang="en-US" sz="1000" b="0" i="0" u="none" strike="noStrike">
+                        <a:solidFill>
+                          <a:srgbClr val="000000"/>
+                        </a:solidFill>
+                        <a:effectLst/>
+                        <a:latin typeface="Calibri" panose="020F0502020204030204" pitchFamily="34" charset="0"/>
+                      </a:endParaRPr>
+                    </a:p>
+                  </a:txBody>
+                  <a:tcPr marL="5345" marR="5345" marT="5345" marB="0" anchor="b"/>
+                </a:tc>
+                <a:tc>
+                  <a:txBody>
+                    <a:bodyPr/>
+                    <a:lstStyle/>
+                    <a:p>
+                      <a:pPr algn="r" fontAlgn="b"/>
+                      <a:r>
+                        <a:rPr lang="en-US" sz="1000" u="none" strike="noStrike">
+                          <a:effectLst/>
+                        </a:rPr>
+                        <a:t>0</a:t>
+                      </a:r>
+                      <a:endParaRPr lang="en-US" sz="1000" b="0" i="0" u="none" strike="noStrike">
+                        <a:solidFill>
+                          <a:srgbClr val="000000"/>
+                        </a:solidFill>
+                        <a:effectLst/>
+                        <a:latin typeface="Calibri" panose="020F0502020204030204" pitchFamily="34" charset="0"/>
+                      </a:endParaRPr>
+                    </a:p>
+                  </a:txBody>
+                  <a:tcPr marL="5345" marR="5345" marT="5345" marB="0" anchor="b">
+                    <a:solidFill>
+                      <a:schemeClr val="accent4"/>
+                    </a:solidFill>
+                  </a:tcPr>
+                </a:tc>
+                <a:tc>
+                  <a:txBody>
+                    <a:bodyPr/>
+                    <a:lstStyle/>
+                    <a:p>
+                      <a:pPr algn="r" fontAlgn="b"/>
+                      <a:r>
+                        <a:rPr lang="en-US" sz="1000" u="none" strike="noStrike">
+                          <a:effectLst/>
+                        </a:rPr>
+                        <a:t>235</a:t>
+                      </a:r>
+                      <a:endParaRPr lang="en-US" sz="1000" b="0" i="0" u="none" strike="noStrike">
+                        <a:solidFill>
+                          <a:srgbClr val="000000"/>
+                        </a:solidFill>
+                        <a:effectLst/>
+                        <a:latin typeface="Calibri" panose="020F0502020204030204" pitchFamily="34" charset="0"/>
+                      </a:endParaRPr>
+                    </a:p>
+                  </a:txBody>
+                  <a:tcPr marL="5345" marR="5345" marT="5345" marB="0" anchor="b"/>
+                </a:tc>
+                <a:extLst>
+                  <a:ext uri="{0D108BD9-81ED-4DB2-BD59-A6C34878D82A}">
+                    <a16:rowId xmlns:a16="http://schemas.microsoft.com/office/drawing/2014/main" val="4087016920"/>
+                  </a:ext>
+                </a:extLst>
+              </a:tr>
+              <a:tr h="248942">
+                <a:tc>
+                  <a:txBody>
+                    <a:bodyPr/>
+                    <a:lstStyle/>
+                    <a:p>
+                      <a:pPr algn="l" fontAlgn="ctr"/>
+                      <a:r>
+                        <a:rPr lang="en-US" sz="1000" u="none" strike="noStrike">
+                          <a:effectLst/>
+                        </a:rPr>
+                        <a:t>Thriller</a:t>
+                      </a:r>
+                      <a:endParaRPr lang="en-US" sz="1000" b="0" i="0" u="none" strike="noStrike">
+                        <a:solidFill>
+                          <a:srgbClr val="000000"/>
+                        </a:solidFill>
+                        <a:effectLst/>
+                        <a:latin typeface="Calibri" panose="020F0502020204030204" pitchFamily="34" charset="0"/>
+                      </a:endParaRPr>
+                    </a:p>
+                  </a:txBody>
+                  <a:tcPr marL="5345" marR="5345" marT="5345" marB="0" anchor="ctr"/>
+                </a:tc>
+                <a:tc>
+                  <a:txBody>
+                    <a:bodyPr/>
+                    <a:lstStyle/>
+                    <a:p>
+                      <a:pPr algn="r" fontAlgn="b"/>
+                      <a:r>
+                        <a:rPr lang="en-US" sz="1000" u="none" strike="noStrike">
+                          <a:effectLst/>
+                        </a:rPr>
+                        <a:t>0.03</a:t>
+                      </a:r>
+                      <a:endParaRPr lang="en-US" sz="1000" b="0" i="0" u="none" strike="noStrike">
+                        <a:solidFill>
+                          <a:srgbClr val="000000"/>
+                        </a:solidFill>
+                        <a:effectLst/>
+                        <a:latin typeface="Calibri" panose="020F0502020204030204" pitchFamily="34" charset="0"/>
+                      </a:endParaRPr>
+                    </a:p>
+                  </a:txBody>
+                  <a:tcPr marL="5345" marR="5345" marT="5345" marB="0" anchor="b"/>
+                </a:tc>
+                <a:tc>
+                  <a:txBody>
+                    <a:bodyPr/>
+                    <a:lstStyle/>
+                    <a:p>
+                      <a:pPr algn="r" fontAlgn="b"/>
+                      <a:r>
+                        <a:rPr lang="en-US" sz="1000" u="none" strike="noStrike">
+                          <a:effectLst/>
+                        </a:rPr>
+                        <a:t>0.01</a:t>
+                      </a:r>
+                      <a:endParaRPr lang="en-US" sz="1000" b="0" i="0" u="none" strike="noStrike">
+                        <a:solidFill>
+                          <a:srgbClr val="000000"/>
+                        </a:solidFill>
+                        <a:effectLst/>
+                        <a:latin typeface="Calibri" panose="020F0502020204030204" pitchFamily="34" charset="0"/>
+                      </a:endParaRPr>
+                    </a:p>
+                  </a:txBody>
+                  <a:tcPr marL="5345" marR="5345" marT="5345" marB="0" anchor="b"/>
+                </a:tc>
+                <a:tc>
+                  <a:txBody>
+                    <a:bodyPr/>
+                    <a:lstStyle/>
+                    <a:p>
+                      <a:pPr algn="r" fontAlgn="b"/>
+                      <a:r>
+                        <a:rPr lang="en-US" sz="1000" u="none" strike="noStrike">
+                          <a:effectLst/>
+                        </a:rPr>
+                        <a:t>0.01</a:t>
+                      </a:r>
+                      <a:endParaRPr lang="en-US" sz="1000" b="0" i="0" u="none" strike="noStrike">
+                        <a:solidFill>
+                          <a:srgbClr val="000000"/>
+                        </a:solidFill>
+                        <a:effectLst/>
+                        <a:latin typeface="Calibri" panose="020F0502020204030204" pitchFamily="34" charset="0"/>
+                      </a:endParaRPr>
+                    </a:p>
+                  </a:txBody>
+                  <a:tcPr marL="5345" marR="5345" marT="5345" marB="0" anchor="b">
+                    <a:solidFill>
+                      <a:schemeClr val="accent4"/>
+                    </a:solidFill>
+                  </a:tcPr>
+                </a:tc>
+                <a:tc>
+                  <a:txBody>
+                    <a:bodyPr/>
+                    <a:lstStyle/>
+                    <a:p>
+                      <a:pPr algn="r" fontAlgn="b"/>
+                      <a:r>
+                        <a:rPr lang="en-US" sz="1000" u="none" strike="noStrike" dirty="0">
+                          <a:effectLst/>
+                        </a:rPr>
+                        <a:t>173</a:t>
+                      </a:r>
+                      <a:endParaRPr lang="en-US" sz="1000" b="0" i="0" u="none" strike="noStrike" dirty="0">
+                        <a:solidFill>
+                          <a:srgbClr val="000000"/>
+                        </a:solidFill>
+                        <a:effectLst/>
+                        <a:latin typeface="Calibri" panose="020F0502020204030204" pitchFamily="34" charset="0"/>
+                      </a:endParaRPr>
+                    </a:p>
+                  </a:txBody>
+                  <a:tcPr marL="5345" marR="5345" marT="5345" marB="0" anchor="b"/>
+                </a:tc>
+                <a:extLst>
+                  <a:ext uri="{0D108BD9-81ED-4DB2-BD59-A6C34878D82A}">
+                    <a16:rowId xmlns:a16="http://schemas.microsoft.com/office/drawing/2014/main" val="2980543831"/>
+                  </a:ext>
+                </a:extLst>
+              </a:tr>
+              <a:tr h="248942">
+                <a:tc>
+                  <a:txBody>
+                    <a:bodyPr/>
+                    <a:lstStyle/>
+                    <a:p>
+                      <a:pPr algn="l" fontAlgn="ctr"/>
+                      <a:r>
+                        <a:rPr lang="en-US" sz="1000" u="none" strike="noStrike">
+                          <a:effectLst/>
+                        </a:rPr>
+                        <a:t>Young adult literature</a:t>
+                      </a:r>
+                      <a:endParaRPr lang="en-US" sz="1000" b="0" i="0" u="none" strike="noStrike">
+                        <a:solidFill>
+                          <a:srgbClr val="000000"/>
+                        </a:solidFill>
+                        <a:effectLst/>
+                        <a:latin typeface="Calibri" panose="020F0502020204030204" pitchFamily="34" charset="0"/>
+                      </a:endParaRPr>
+                    </a:p>
+                  </a:txBody>
+                  <a:tcPr marL="5345" marR="5345" marT="5345" marB="0" anchor="ctr"/>
+                </a:tc>
+                <a:tc>
+                  <a:txBody>
+                    <a:bodyPr/>
+                    <a:lstStyle/>
+                    <a:p>
+                      <a:pPr algn="r" fontAlgn="b"/>
+                      <a:r>
+                        <a:rPr lang="en-US" sz="1000" u="none" strike="noStrike">
+                          <a:effectLst/>
+                        </a:rPr>
+                        <a:t>0.16</a:t>
+                      </a:r>
+                      <a:endParaRPr lang="en-US" sz="1000" b="0" i="0" u="none" strike="noStrike">
+                        <a:solidFill>
+                          <a:srgbClr val="000000"/>
+                        </a:solidFill>
+                        <a:effectLst/>
+                        <a:latin typeface="Calibri" panose="020F0502020204030204" pitchFamily="34" charset="0"/>
+                      </a:endParaRPr>
+                    </a:p>
+                  </a:txBody>
+                  <a:tcPr marL="5345" marR="5345" marT="5345" marB="0" anchor="b"/>
+                </a:tc>
+                <a:tc>
+                  <a:txBody>
+                    <a:bodyPr/>
+                    <a:lstStyle/>
+                    <a:p>
+                      <a:pPr algn="r" fontAlgn="b"/>
+                      <a:r>
+                        <a:rPr lang="en-US" sz="1000" u="none" strike="noStrike" dirty="0">
+                          <a:effectLst/>
+                        </a:rPr>
+                        <a:t>0.05</a:t>
+                      </a:r>
+                      <a:endParaRPr lang="en-US" sz="1000" b="0" i="0" u="none" strike="noStrike" dirty="0">
+                        <a:solidFill>
+                          <a:srgbClr val="000000"/>
+                        </a:solidFill>
+                        <a:effectLst/>
+                        <a:latin typeface="Calibri" panose="020F0502020204030204" pitchFamily="34" charset="0"/>
+                      </a:endParaRPr>
+                    </a:p>
+                  </a:txBody>
+                  <a:tcPr marL="5345" marR="5345" marT="5345" marB="0" anchor="b"/>
+                </a:tc>
+                <a:tc>
+                  <a:txBody>
+                    <a:bodyPr/>
+                    <a:lstStyle/>
+                    <a:p>
+                      <a:pPr algn="r" fontAlgn="b"/>
+                      <a:r>
+                        <a:rPr lang="en-US" sz="1000" u="none" strike="noStrike">
+                          <a:effectLst/>
+                        </a:rPr>
+                        <a:t>0.08</a:t>
+                      </a:r>
+                      <a:endParaRPr lang="en-US" sz="1000" b="0" i="0" u="none" strike="noStrike">
+                        <a:solidFill>
+                          <a:srgbClr val="000000"/>
+                        </a:solidFill>
+                        <a:effectLst/>
+                        <a:latin typeface="Calibri" panose="020F0502020204030204" pitchFamily="34" charset="0"/>
+                      </a:endParaRPr>
+                    </a:p>
+                  </a:txBody>
+                  <a:tcPr marL="5345" marR="5345" marT="5345" marB="0" anchor="b">
+                    <a:solidFill>
+                      <a:schemeClr val="accent4"/>
+                    </a:solidFill>
+                  </a:tcPr>
+                </a:tc>
+                <a:tc>
+                  <a:txBody>
+                    <a:bodyPr/>
+                    <a:lstStyle/>
+                    <a:p>
+                      <a:pPr algn="r" fontAlgn="b"/>
+                      <a:r>
+                        <a:rPr lang="en-US" sz="1000" u="none" strike="noStrike" dirty="0">
+                          <a:effectLst/>
+                        </a:rPr>
+                        <a:t>241</a:t>
+                      </a:r>
+                      <a:endParaRPr lang="en-US" sz="1000" b="0" i="0" u="none" strike="noStrike" dirty="0">
+                        <a:solidFill>
+                          <a:srgbClr val="000000"/>
+                        </a:solidFill>
+                        <a:effectLst/>
+                        <a:latin typeface="Calibri" panose="020F0502020204030204" pitchFamily="34" charset="0"/>
+                      </a:endParaRPr>
+                    </a:p>
+                  </a:txBody>
+                  <a:tcPr marL="5345" marR="5345" marT="5345" marB="0" anchor="b"/>
+                </a:tc>
+                <a:extLst>
+                  <a:ext uri="{0D108BD9-81ED-4DB2-BD59-A6C34878D82A}">
+                    <a16:rowId xmlns:a16="http://schemas.microsoft.com/office/drawing/2014/main" val="1259499101"/>
+                  </a:ext>
+                </a:extLst>
+              </a:tr>
+              <a:tr h="0">
+                <a:tc>
+                  <a:txBody>
+                    <a:bodyPr/>
+                    <a:lstStyle/>
+                    <a:p>
+                      <a:pPr algn="l" fontAlgn="ctr"/>
+                      <a:endParaRPr lang="en-US" sz="1000" b="0" i="0" u="none" strike="noStrike" dirty="0">
+                        <a:solidFill>
+                          <a:srgbClr val="000000"/>
+                        </a:solidFill>
+                        <a:effectLst/>
+                        <a:latin typeface="Calibri" panose="020F0502020204030204" pitchFamily="34" charset="0"/>
+                      </a:endParaRPr>
+                    </a:p>
+                  </a:txBody>
+                  <a:tcPr marL="5345" marR="5345" marT="5345" marB="0" anchor="ctr">
+                    <a:solidFill>
+                      <a:schemeClr val="bg1">
+                        <a:lumMod val="50000"/>
+                      </a:schemeClr>
+                    </a:solidFill>
+                  </a:tcPr>
+                </a:tc>
+                <a:tc>
+                  <a:txBody>
+                    <a:bodyPr/>
+                    <a:lstStyle/>
+                    <a:p>
+                      <a:pPr algn="l" fontAlgn="b"/>
+                      <a:endParaRPr lang="en-US" sz="1000" b="0" i="0" u="none" strike="noStrike">
+                        <a:solidFill>
+                          <a:srgbClr val="000000"/>
+                        </a:solidFill>
+                        <a:effectLst/>
+                        <a:latin typeface="Calibri" panose="020F0502020204030204" pitchFamily="34" charset="0"/>
+                      </a:endParaRPr>
+                    </a:p>
+                  </a:txBody>
+                  <a:tcPr marL="5345" marR="5345" marT="5345" marB="0" anchor="b">
+                    <a:solidFill>
+                      <a:schemeClr val="bg1">
+                        <a:lumMod val="50000"/>
+                      </a:schemeClr>
+                    </a:solidFill>
+                  </a:tcPr>
+                </a:tc>
+                <a:tc>
+                  <a:txBody>
+                    <a:bodyPr/>
+                    <a:lstStyle/>
+                    <a:p>
+                      <a:pPr algn="l" fontAlgn="b"/>
+                      <a:endParaRPr lang="en-US" sz="1000" b="0" i="0" u="none" strike="noStrike">
+                        <a:solidFill>
+                          <a:srgbClr val="000000"/>
+                        </a:solidFill>
+                        <a:effectLst/>
+                        <a:latin typeface="Calibri" panose="020F0502020204030204" pitchFamily="34" charset="0"/>
+                      </a:endParaRPr>
+                    </a:p>
+                  </a:txBody>
+                  <a:tcPr marL="5345" marR="5345" marT="5345" marB="0" anchor="b">
+                    <a:solidFill>
+                      <a:schemeClr val="bg1">
+                        <a:lumMod val="50000"/>
+                      </a:schemeClr>
+                    </a:solidFill>
+                  </a:tcPr>
+                </a:tc>
+                <a:tc>
+                  <a:txBody>
+                    <a:bodyPr/>
+                    <a:lstStyle/>
+                    <a:p>
+                      <a:pPr algn="l" fontAlgn="b"/>
+                      <a:endParaRPr lang="en-US" sz="1000" b="0" i="0" u="none" strike="noStrike" dirty="0">
+                        <a:solidFill>
+                          <a:srgbClr val="000000"/>
+                        </a:solidFill>
+                        <a:effectLst/>
+                        <a:latin typeface="Calibri" panose="020F0502020204030204" pitchFamily="34" charset="0"/>
+                      </a:endParaRPr>
+                    </a:p>
+                  </a:txBody>
+                  <a:tcPr marL="5345" marR="5345" marT="5345" marB="0" anchor="b">
+                    <a:solidFill>
+                      <a:schemeClr val="bg1">
+                        <a:lumMod val="50000"/>
+                      </a:schemeClr>
+                    </a:solidFill>
+                  </a:tcPr>
+                </a:tc>
+                <a:tc>
+                  <a:txBody>
+                    <a:bodyPr/>
+                    <a:lstStyle/>
+                    <a:p>
+                      <a:pPr algn="l" fontAlgn="b"/>
+                      <a:endParaRPr lang="en-US" sz="1000" b="0" i="0" u="none" strike="noStrike" dirty="0">
+                        <a:solidFill>
+                          <a:srgbClr val="000000"/>
+                        </a:solidFill>
+                        <a:effectLst/>
+                        <a:latin typeface="Calibri" panose="020F0502020204030204" pitchFamily="34" charset="0"/>
+                      </a:endParaRPr>
+                    </a:p>
+                  </a:txBody>
+                  <a:tcPr marL="5345" marR="5345" marT="5345" marB="0" anchor="b">
+                    <a:solidFill>
+                      <a:schemeClr val="bg1">
+                        <a:lumMod val="50000"/>
+                      </a:schemeClr>
+                    </a:solidFill>
+                  </a:tcPr>
+                </a:tc>
+                <a:extLst>
+                  <a:ext uri="{0D108BD9-81ED-4DB2-BD59-A6C34878D82A}">
+                    <a16:rowId xmlns:a16="http://schemas.microsoft.com/office/drawing/2014/main" val="295393695"/>
+                  </a:ext>
+                </a:extLst>
+              </a:tr>
+              <a:tr h="248942">
+                <a:tc>
+                  <a:txBody>
+                    <a:bodyPr/>
+                    <a:lstStyle/>
+                    <a:p>
+                      <a:pPr algn="l" fontAlgn="ctr"/>
+                      <a:r>
+                        <a:rPr lang="en-US" sz="1000" u="none" strike="noStrike">
+                          <a:effectLst/>
+                        </a:rPr>
+                        <a:t>accuracy</a:t>
+                      </a:r>
+                      <a:endParaRPr lang="en-US" sz="1000" b="0" i="0" u="none" strike="noStrike">
+                        <a:solidFill>
+                          <a:srgbClr val="000000"/>
+                        </a:solidFill>
+                        <a:effectLst/>
+                        <a:latin typeface="Calibri" panose="020F0502020204030204" pitchFamily="34" charset="0"/>
+                      </a:endParaRPr>
+                    </a:p>
+                  </a:txBody>
+                  <a:tcPr marL="5345" marR="5345" marT="5345" marB="0" anchor="ctr"/>
+                </a:tc>
+                <a:tc>
+                  <a:txBody>
+                    <a:bodyPr/>
+                    <a:lstStyle/>
+                    <a:p>
+                      <a:pPr algn="l" fontAlgn="b"/>
+                      <a:endParaRPr lang="en-US" sz="1000" b="0" i="0" u="none" strike="noStrike">
+                        <a:solidFill>
+                          <a:srgbClr val="000000"/>
+                        </a:solidFill>
+                        <a:effectLst/>
+                        <a:latin typeface="Calibri" panose="020F0502020204030204" pitchFamily="34" charset="0"/>
+                      </a:endParaRPr>
+                    </a:p>
+                  </a:txBody>
+                  <a:tcPr marL="5345" marR="5345" marT="5345" marB="0" anchor="b"/>
+                </a:tc>
+                <a:tc>
+                  <a:txBody>
+                    <a:bodyPr/>
+                    <a:lstStyle/>
+                    <a:p>
+                      <a:pPr algn="l" fontAlgn="b"/>
+                      <a:endParaRPr lang="en-US" sz="1000" b="0" i="0" u="none" strike="noStrike">
+                        <a:solidFill>
+                          <a:srgbClr val="000000"/>
+                        </a:solidFill>
+                        <a:effectLst/>
+                        <a:latin typeface="Calibri" panose="020F0502020204030204" pitchFamily="34" charset="0"/>
+                      </a:endParaRPr>
+                    </a:p>
+                  </a:txBody>
+                  <a:tcPr marL="5345" marR="5345" marT="5345" marB="0" anchor="b"/>
+                </a:tc>
+                <a:tc>
+                  <a:txBody>
+                    <a:bodyPr/>
+                    <a:lstStyle/>
+                    <a:p>
+                      <a:pPr algn="r" fontAlgn="b"/>
+                      <a:r>
+                        <a:rPr lang="en-US" sz="1000" u="none" strike="noStrike" dirty="0">
+                          <a:effectLst/>
+                        </a:rPr>
+                        <a:t>0.15</a:t>
+                      </a:r>
+                      <a:endParaRPr lang="en-US" sz="1000" b="0" i="0" u="none" strike="noStrike" dirty="0">
+                        <a:solidFill>
+                          <a:srgbClr val="000000"/>
+                        </a:solidFill>
+                        <a:effectLst/>
+                        <a:latin typeface="Calibri" panose="020F0502020204030204" pitchFamily="34" charset="0"/>
+                      </a:endParaRPr>
+                    </a:p>
+                  </a:txBody>
+                  <a:tcPr marL="5345" marR="5345" marT="5345" marB="0" anchor="b">
+                    <a:solidFill>
+                      <a:schemeClr val="accent4"/>
+                    </a:solidFill>
+                  </a:tcPr>
+                </a:tc>
+                <a:tc>
+                  <a:txBody>
+                    <a:bodyPr/>
+                    <a:lstStyle/>
+                    <a:p>
+                      <a:pPr algn="r" fontAlgn="b"/>
+                      <a:r>
+                        <a:rPr lang="en-US" sz="1000" u="none" strike="noStrike" dirty="0">
+                          <a:effectLst/>
+                        </a:rPr>
+                        <a:t>7321</a:t>
+                      </a:r>
+                      <a:endParaRPr lang="en-US" sz="1000" b="0" i="0" u="none" strike="noStrike" dirty="0">
+                        <a:solidFill>
+                          <a:srgbClr val="000000"/>
+                        </a:solidFill>
+                        <a:effectLst/>
+                        <a:latin typeface="Calibri" panose="020F0502020204030204" pitchFamily="34" charset="0"/>
+                      </a:endParaRPr>
+                    </a:p>
+                  </a:txBody>
+                  <a:tcPr marL="5345" marR="5345" marT="5345" marB="0" anchor="b"/>
+                </a:tc>
+                <a:extLst>
+                  <a:ext uri="{0D108BD9-81ED-4DB2-BD59-A6C34878D82A}">
+                    <a16:rowId xmlns:a16="http://schemas.microsoft.com/office/drawing/2014/main" val="4257611214"/>
+                  </a:ext>
+                </a:extLst>
+              </a:tr>
+              <a:tr h="248942">
+                <a:tc>
+                  <a:txBody>
+                    <a:bodyPr/>
+                    <a:lstStyle/>
+                    <a:p>
+                      <a:pPr algn="l" fontAlgn="ctr"/>
+                      <a:r>
+                        <a:rPr lang="en-US" sz="1000" u="none" strike="noStrike">
+                          <a:effectLst/>
+                        </a:rPr>
+                        <a:t>macro avg</a:t>
+                      </a:r>
+                      <a:endParaRPr lang="en-US" sz="1000" b="0" i="0" u="none" strike="noStrike">
+                        <a:solidFill>
+                          <a:srgbClr val="000000"/>
+                        </a:solidFill>
+                        <a:effectLst/>
+                        <a:latin typeface="Calibri" panose="020F0502020204030204" pitchFamily="34" charset="0"/>
+                      </a:endParaRPr>
+                    </a:p>
+                  </a:txBody>
+                  <a:tcPr marL="5345" marR="5345" marT="5345" marB="0" anchor="ctr"/>
+                </a:tc>
+                <a:tc>
+                  <a:txBody>
+                    <a:bodyPr/>
+                    <a:lstStyle/>
+                    <a:p>
+                      <a:pPr algn="r" fontAlgn="b"/>
+                      <a:r>
+                        <a:rPr lang="en-US" sz="1000" u="none" strike="noStrike">
+                          <a:effectLst/>
+                        </a:rPr>
+                        <a:t>0.14</a:t>
+                      </a:r>
+                      <a:endParaRPr lang="en-US" sz="1000" b="0" i="0" u="none" strike="noStrike">
+                        <a:solidFill>
+                          <a:srgbClr val="000000"/>
+                        </a:solidFill>
+                        <a:effectLst/>
+                        <a:latin typeface="Calibri" panose="020F0502020204030204" pitchFamily="34" charset="0"/>
+                      </a:endParaRPr>
+                    </a:p>
+                  </a:txBody>
+                  <a:tcPr marL="5345" marR="5345" marT="5345" marB="0" anchor="b"/>
+                </a:tc>
+                <a:tc>
+                  <a:txBody>
+                    <a:bodyPr/>
+                    <a:lstStyle/>
+                    <a:p>
+                      <a:pPr algn="r" fontAlgn="b"/>
+                      <a:r>
+                        <a:rPr lang="en-US" sz="1000" u="none" strike="noStrike">
+                          <a:effectLst/>
+                        </a:rPr>
+                        <a:t>0.1</a:t>
+                      </a:r>
+                      <a:endParaRPr lang="en-US" sz="1000" b="0" i="0" u="none" strike="noStrike">
+                        <a:solidFill>
+                          <a:srgbClr val="000000"/>
+                        </a:solidFill>
+                        <a:effectLst/>
+                        <a:latin typeface="Calibri" panose="020F0502020204030204" pitchFamily="34" charset="0"/>
+                      </a:endParaRPr>
+                    </a:p>
+                  </a:txBody>
+                  <a:tcPr marL="5345" marR="5345" marT="5345" marB="0" anchor="b"/>
+                </a:tc>
+                <a:tc>
+                  <a:txBody>
+                    <a:bodyPr/>
+                    <a:lstStyle/>
+                    <a:p>
+                      <a:pPr algn="r" fontAlgn="b"/>
+                      <a:r>
+                        <a:rPr lang="en-US" sz="1000" u="none" strike="noStrike" dirty="0">
+                          <a:effectLst/>
+                        </a:rPr>
+                        <a:t>0.1</a:t>
+                      </a:r>
+                      <a:endParaRPr lang="en-US" sz="1000" b="0" i="0" u="none" strike="noStrike" dirty="0">
+                        <a:solidFill>
+                          <a:srgbClr val="000000"/>
+                        </a:solidFill>
+                        <a:effectLst/>
+                        <a:latin typeface="Calibri" panose="020F0502020204030204" pitchFamily="34" charset="0"/>
+                      </a:endParaRPr>
+                    </a:p>
+                  </a:txBody>
+                  <a:tcPr marL="5345" marR="5345" marT="5345" marB="0" anchor="b">
+                    <a:solidFill>
+                      <a:schemeClr val="accent4"/>
+                    </a:solidFill>
+                  </a:tcPr>
+                </a:tc>
+                <a:tc>
+                  <a:txBody>
+                    <a:bodyPr/>
+                    <a:lstStyle/>
+                    <a:p>
+                      <a:pPr algn="r" fontAlgn="b"/>
+                      <a:r>
+                        <a:rPr lang="en-US" sz="1000" u="none" strike="noStrike" dirty="0">
+                          <a:effectLst/>
+                        </a:rPr>
+                        <a:t>7321</a:t>
+                      </a:r>
+                      <a:endParaRPr lang="en-US" sz="1000" b="0" i="0" u="none" strike="noStrike" dirty="0">
+                        <a:solidFill>
+                          <a:srgbClr val="000000"/>
+                        </a:solidFill>
+                        <a:effectLst/>
+                        <a:latin typeface="Calibri" panose="020F0502020204030204" pitchFamily="34" charset="0"/>
+                      </a:endParaRPr>
+                    </a:p>
+                  </a:txBody>
+                  <a:tcPr marL="5345" marR="5345" marT="5345" marB="0" anchor="b"/>
+                </a:tc>
+                <a:extLst>
+                  <a:ext uri="{0D108BD9-81ED-4DB2-BD59-A6C34878D82A}">
+                    <a16:rowId xmlns:a16="http://schemas.microsoft.com/office/drawing/2014/main" val="1519867537"/>
+                  </a:ext>
+                </a:extLst>
+              </a:tr>
+              <a:tr h="248942">
+                <a:tc>
+                  <a:txBody>
+                    <a:bodyPr/>
+                    <a:lstStyle/>
+                    <a:p>
+                      <a:pPr algn="l" fontAlgn="ctr"/>
+                      <a:r>
+                        <a:rPr lang="en-US" sz="1000" u="none" strike="noStrike" dirty="0">
+                          <a:effectLst/>
+                        </a:rPr>
+                        <a:t>weighted avg</a:t>
+                      </a:r>
+                      <a:endParaRPr lang="en-US" sz="1000" b="0" i="0" u="none" strike="noStrike" dirty="0">
+                        <a:solidFill>
+                          <a:srgbClr val="000000"/>
+                        </a:solidFill>
+                        <a:effectLst/>
+                        <a:latin typeface="Calibri" panose="020F0502020204030204" pitchFamily="34" charset="0"/>
+                      </a:endParaRPr>
+                    </a:p>
+                  </a:txBody>
+                  <a:tcPr marL="5345" marR="5345" marT="5345" marB="0" anchor="ctr"/>
+                </a:tc>
+                <a:tc>
+                  <a:txBody>
+                    <a:bodyPr/>
+                    <a:lstStyle/>
+                    <a:p>
+                      <a:pPr algn="r" fontAlgn="b"/>
+                      <a:r>
+                        <a:rPr lang="en-US" sz="1000" u="none" strike="noStrike">
+                          <a:effectLst/>
+                        </a:rPr>
+                        <a:t>0.15</a:t>
+                      </a:r>
+                      <a:endParaRPr lang="en-US" sz="1000" b="0" i="0" u="none" strike="noStrike">
+                        <a:solidFill>
+                          <a:srgbClr val="000000"/>
+                        </a:solidFill>
+                        <a:effectLst/>
+                        <a:latin typeface="Calibri" panose="020F0502020204030204" pitchFamily="34" charset="0"/>
+                      </a:endParaRPr>
+                    </a:p>
+                  </a:txBody>
+                  <a:tcPr marL="5345" marR="5345" marT="5345" marB="0" anchor="b"/>
+                </a:tc>
+                <a:tc>
+                  <a:txBody>
+                    <a:bodyPr/>
+                    <a:lstStyle/>
+                    <a:p>
+                      <a:pPr algn="r" fontAlgn="b"/>
+                      <a:r>
+                        <a:rPr lang="en-US" sz="1000" u="none" strike="noStrike">
+                          <a:effectLst/>
+                        </a:rPr>
+                        <a:t>0.15</a:t>
+                      </a:r>
+                      <a:endParaRPr lang="en-US" sz="1000" b="0" i="0" u="none" strike="noStrike">
+                        <a:solidFill>
+                          <a:srgbClr val="000000"/>
+                        </a:solidFill>
+                        <a:effectLst/>
+                        <a:latin typeface="Calibri" panose="020F0502020204030204" pitchFamily="34" charset="0"/>
+                      </a:endParaRPr>
+                    </a:p>
+                  </a:txBody>
+                  <a:tcPr marL="5345" marR="5345" marT="5345" marB="0" anchor="b"/>
+                </a:tc>
+                <a:tc>
+                  <a:txBody>
+                    <a:bodyPr/>
+                    <a:lstStyle/>
+                    <a:p>
+                      <a:pPr algn="r" fontAlgn="b"/>
+                      <a:r>
+                        <a:rPr lang="en-US" sz="1000" u="none" strike="noStrike" dirty="0">
+                          <a:effectLst/>
+                        </a:rPr>
+                        <a:t>0.14</a:t>
+                      </a:r>
+                      <a:endParaRPr lang="en-US" sz="1000" b="0" i="0" u="none" strike="noStrike" dirty="0">
+                        <a:solidFill>
+                          <a:srgbClr val="000000"/>
+                        </a:solidFill>
+                        <a:effectLst/>
+                        <a:latin typeface="Calibri" panose="020F0502020204030204" pitchFamily="34" charset="0"/>
+                      </a:endParaRPr>
+                    </a:p>
+                  </a:txBody>
+                  <a:tcPr marL="5345" marR="5345" marT="5345" marB="0" anchor="b">
+                    <a:solidFill>
+                      <a:schemeClr val="accent4"/>
+                    </a:solidFill>
+                  </a:tcPr>
+                </a:tc>
+                <a:tc>
+                  <a:txBody>
+                    <a:bodyPr/>
+                    <a:lstStyle/>
+                    <a:p>
+                      <a:pPr algn="r" fontAlgn="b"/>
+                      <a:r>
+                        <a:rPr lang="en-US" sz="1000" u="none" strike="noStrike" dirty="0">
+                          <a:effectLst/>
+                        </a:rPr>
+                        <a:t>7321</a:t>
+                      </a:r>
+                      <a:endParaRPr lang="en-US" sz="1000" b="0" i="0" u="none" strike="noStrike" dirty="0">
+                        <a:solidFill>
+                          <a:srgbClr val="000000"/>
+                        </a:solidFill>
+                        <a:effectLst/>
+                        <a:latin typeface="Calibri" panose="020F0502020204030204" pitchFamily="34" charset="0"/>
+                      </a:endParaRPr>
+                    </a:p>
+                  </a:txBody>
+                  <a:tcPr marL="5345" marR="5345" marT="5345" marB="0" anchor="b"/>
+                </a:tc>
+                <a:extLst>
+                  <a:ext uri="{0D108BD9-81ED-4DB2-BD59-A6C34878D82A}">
+                    <a16:rowId xmlns:a16="http://schemas.microsoft.com/office/drawing/2014/main" val="2793876021"/>
+                  </a:ext>
+                </a:extLst>
+              </a:tr>
+            </a:tbl>
+          </a:graphicData>
+        </a:graphic>
+      </p:graphicFrame>
     </p:spTree>
     <p:extLst>
       <p:ext uri="{BB962C8B-B14F-4D97-AF65-F5344CB8AC3E}">
-        <p14:creationId xmlns:p14="http://schemas.microsoft.com/office/powerpoint/2010/main" val="3527848071"/>
+        <p14:creationId xmlns:p14="http://schemas.microsoft.com/office/powerpoint/2010/main" val="2340680717"/>
       </p:ext>
     </p:extLst>
   </p:cSld>
@@ -6861,10 +9977,10 @@
       </p:grpSpPr>
       <p:sp>
         <p:nvSpPr>
-          <p:cNvPr id="3" name="Text Placeholder 2">
+          <p:cNvPr id="2" name="Title 1">
             <a:extLst>
               <a:ext uri="{FF2B5EF4-FFF2-40B4-BE49-F238E27FC236}">
-                <a16:creationId xmlns:a16="http://schemas.microsoft.com/office/drawing/2014/main" id="{D9AF7E2C-8BFC-45D0-A483-0CB19107C8B6}"/>
+                <a16:creationId xmlns:a16="http://schemas.microsoft.com/office/drawing/2014/main" id="{355BF3CB-CBA1-4F60-B55F-AAECEB0B8F0C}"/>
               </a:ext>
             </a:extLst>
           </p:cNvPr>
@@ -6872,134 +9988,315 @@
             <a:spLocks noGrp="1"/>
           </p:cNvSpPr>
           <p:nvPr>
-            <p:ph type="body" idx="1"/>
-          </p:nvPr>
-        </p:nvSpPr>
-        <p:spPr>
-          <a:xfrm>
-            <a:off x="812589" y="4418013"/>
-            <a:ext cx="7008574" cy="1296987"/>
-          </a:xfrm>
-        </p:spPr>
+            <p:ph type="title"/>
+          </p:nvPr>
+        </p:nvSpPr>
+        <p:spPr/>
         <p:txBody>
           <a:bodyPr/>
           <a:lstStyle/>
           <a:p>
             <a:r>
-              <a:rPr lang="en-US" dirty="0"/>
-              <a:t>Thank you for your time.</a:t>
-            </a:r>
-          </a:p>
-          <a:p>
-            <a:r>
-              <a:rPr lang="en-US" dirty="0"/>
-              <a:t>Are there any questions?</a:t>
-            </a:r>
-          </a:p>
-        </p:txBody>
-      </p:sp>
-      <p:sp>
-        <p:nvSpPr>
-          <p:cNvPr id="4" name="TextBox 3">
+              <a:rPr lang="en-US" sz="4000" dirty="0"/>
+              <a:t>Further training caused loss of precision</a:t>
+            </a:r>
+            <a:endParaRPr lang="en-US" dirty="0"/>
+          </a:p>
+        </p:txBody>
+      </p:sp>
+      <p:sp>
+        <p:nvSpPr>
+          <p:cNvPr id="5" name="Date Placeholder 4">
             <a:extLst>
               <a:ext uri="{FF2B5EF4-FFF2-40B4-BE49-F238E27FC236}">
-                <a16:creationId xmlns:a16="http://schemas.microsoft.com/office/drawing/2014/main" id="{5C118CE9-1741-4D40-ABD4-3EBB0B451A66}"/>
+                <a16:creationId xmlns:a16="http://schemas.microsoft.com/office/drawing/2014/main" id="{2BD035F1-052E-444E-88FF-F8241C9F986E}"/>
               </a:ext>
             </a:extLst>
           </p:cNvPr>
-          <p:cNvSpPr txBox="1"/>
+          <p:cNvSpPr>
+            <a:spLocks noGrp="1"/>
+          </p:cNvSpPr>
+          <p:nvPr>
+            <p:ph type="dt" sz="half" idx="10"/>
+          </p:nvPr>
+        </p:nvSpPr>
+        <p:spPr/>
+        <p:txBody>
+          <a:bodyPr/>
+          <a:lstStyle/>
+          <a:p>
+            <a:fld id="{D934E349-8230-4EE5-8408-F54B96DE9694}" type="datetime1">
+              <a:rPr lang="en-US" smtClean="0"/>
+              <a:t>1/13/2023</a:t>
+            </a:fld>
+            <a:endParaRPr lang="en-US"/>
+          </a:p>
+        </p:txBody>
+      </p:sp>
+      <p:sp>
+        <p:nvSpPr>
+          <p:cNvPr id="6" name="Footer Placeholder 5">
+            <a:extLst>
+              <a:ext uri="{FF2B5EF4-FFF2-40B4-BE49-F238E27FC236}">
+                <a16:creationId xmlns:a16="http://schemas.microsoft.com/office/drawing/2014/main" id="{98F8D6BB-9A9F-4713-A0DC-810002F018C5}"/>
+              </a:ext>
+            </a:extLst>
+          </p:cNvPr>
+          <p:cNvSpPr>
+            <a:spLocks noGrp="1"/>
+          </p:cNvSpPr>
+          <p:nvPr>
+            <p:ph type="ftr" sz="quarter" idx="11"/>
+          </p:nvPr>
+        </p:nvSpPr>
+        <p:spPr/>
+        <p:txBody>
+          <a:bodyPr/>
+          <a:lstStyle/>
+          <a:p>
+            <a:r>
+              <a:rPr lang="en-US"/>
+              <a:t>Alexander White // Deloitte AI Academy Capstone</a:t>
+            </a:r>
+            <a:endParaRPr lang="en-US" dirty="0"/>
+          </a:p>
+        </p:txBody>
+      </p:sp>
+      <p:sp>
+        <p:nvSpPr>
+          <p:cNvPr id="7" name="Slide Number Placeholder 6">
+            <a:extLst>
+              <a:ext uri="{FF2B5EF4-FFF2-40B4-BE49-F238E27FC236}">
+                <a16:creationId xmlns:a16="http://schemas.microsoft.com/office/drawing/2014/main" id="{C84F88C9-5F28-4EAC-959F-60FD3D25BA65}"/>
+              </a:ext>
+            </a:extLst>
+          </p:cNvPr>
+          <p:cNvSpPr>
+            <a:spLocks noGrp="1"/>
+          </p:cNvSpPr>
+          <p:nvPr>
+            <p:ph type="sldNum" sz="quarter" idx="12"/>
+          </p:nvPr>
+        </p:nvSpPr>
+        <p:spPr/>
+        <p:txBody>
+          <a:bodyPr/>
+          <a:lstStyle/>
+          <a:p>
+            <a:fld id="{EB37DED6-D4C7-42EE-AB49-D2E39E64FDE4}" type="slidenum">
+              <a:rPr lang="en-US" smtClean="0"/>
+              <a:t>8</a:t>
+            </a:fld>
+            <a:endParaRPr lang="en-US"/>
+          </a:p>
+        </p:txBody>
+      </p:sp>
+      <p:pic>
+        <p:nvPicPr>
+          <p:cNvPr id="8" name="Picture 2">
+            <a:extLst>
+              <a:ext uri="{FF2B5EF4-FFF2-40B4-BE49-F238E27FC236}">
+                <a16:creationId xmlns:a16="http://schemas.microsoft.com/office/drawing/2014/main" id="{19EB28D6-8E1C-4620-82E8-76CF8F6CAD18}"/>
+              </a:ext>
+            </a:extLst>
+          </p:cNvPr>
+          <p:cNvPicPr>
+            <a:picLocks noChangeAspect="1" noChangeArrowheads="1"/>
+          </p:cNvPicPr>
           <p:nvPr/>
-        </p:nvSpPr>
-        <p:spPr>
+        </p:nvPicPr>
+        <p:blipFill>
+          <a:blip r:embed="rId2">
+            <a:extLst>
+              <a:ext uri="{28A0092B-C50C-407E-A947-70E740481C1C}">
+                <a14:useLocalDpi xmlns:a14="http://schemas.microsoft.com/office/drawing/2010/main" val="0"/>
+              </a:ext>
+            </a:extLst>
+          </a:blip>
+          <a:srcRect/>
+          <a:stretch>
+            <a:fillRect/>
+          </a:stretch>
+        </p:blipFill>
+        <p:spPr bwMode="auto">
           <a:xfrm>
-            <a:off x="812589" y="1600200"/>
-            <a:ext cx="7313295" cy="2416046"/>
+            <a:off x="6399212" y="1604242"/>
+            <a:ext cx="5047281" cy="4110758"/>
           </a:xfrm>
           <a:prstGeom prst="rect">
             <a:avLst/>
           </a:prstGeom>
           <a:noFill/>
+          <a:extLst>
+            <a:ext uri="{909E8E84-426E-40DD-AFC4-6F175D3DCCD1}">
+              <a14:hiddenFill xmlns:a14="http://schemas.microsoft.com/office/drawing/2010/main">
+                <a:solidFill>
+                  <a:srgbClr val="FFFFFF"/>
+                </a:solidFill>
+              </a14:hiddenFill>
+            </a:ext>
+          </a:extLst>
         </p:spPr>
-        <p:txBody>
-          <a:bodyPr wrap="square" rtlCol="0">
-            <a:spAutoFit/>
-          </a:bodyPr>
-          <a:lstStyle/>
-          <a:p>
-            <a:r>
-              <a:rPr lang="en-US" sz="2800" i="1" dirty="0">
-                <a:latin typeface="Adobe Devanagari" panose="02040503050201020203" pitchFamily="18" charset="0"/>
-                <a:cs typeface="Adobe Devanagari" panose="02040503050201020203" pitchFamily="18" charset="0"/>
-              </a:rPr>
-              <a:t>“[Genre] is what tells you where to look in a bookstore…[it’s] telling you which aisles to not bother going down. That’s the simplicity of book shelving in bookstores. It tells you what not to read.”</a:t>
-            </a:r>
-          </a:p>
-          <a:p>
-            <a:endParaRPr lang="en-US" sz="1100" i="1" dirty="0">
-              <a:latin typeface="Adobe Devanagari" panose="02040503050201020203" pitchFamily="18" charset="0"/>
-              <a:cs typeface="Adobe Devanagari" panose="02040503050201020203" pitchFamily="18" charset="0"/>
-            </a:endParaRPr>
-          </a:p>
-          <a:p>
-            <a:r>
-              <a:rPr lang="en-US" sz="2800" i="1" dirty="0">
-                <a:latin typeface="Adobe Devanagari" panose="02040503050201020203" pitchFamily="18" charset="0"/>
-                <a:cs typeface="Adobe Devanagari" panose="02040503050201020203" pitchFamily="18" charset="0"/>
-              </a:rPr>
-              <a:t>-Neil </a:t>
-            </a:r>
-            <a:r>
-              <a:rPr lang="en-US" sz="2800" i="1" dirty="0" err="1">
-                <a:latin typeface="Adobe Devanagari" panose="02040503050201020203" pitchFamily="18" charset="0"/>
-                <a:cs typeface="Adobe Devanagari" panose="02040503050201020203" pitchFamily="18" charset="0"/>
-              </a:rPr>
-              <a:t>Gaiman</a:t>
-            </a:r>
-            <a:r>
-              <a:rPr lang="en-US" sz="2800" i="1" dirty="0">
-                <a:latin typeface="Adobe Devanagari" panose="02040503050201020203" pitchFamily="18" charset="0"/>
-                <a:cs typeface="Adobe Devanagari" panose="02040503050201020203" pitchFamily="18" charset="0"/>
-              </a:rPr>
-              <a:t>, 2013</a:t>
-            </a:r>
-          </a:p>
-        </p:txBody>
-      </p:sp>
-      <p:sp>
-        <p:nvSpPr>
-          <p:cNvPr id="5" name="Date Placeholder 4">
+      </p:pic>
+      <p:grpSp>
+        <p:nvGrpSpPr>
+          <p:cNvPr id="11" name="Group 10">
             <a:extLst>
               <a:ext uri="{FF2B5EF4-FFF2-40B4-BE49-F238E27FC236}">
-                <a16:creationId xmlns:a16="http://schemas.microsoft.com/office/drawing/2014/main" id="{9AC4D6C3-4446-4BD3-8213-F24206ABEE2E}"/>
+                <a16:creationId xmlns:a16="http://schemas.microsoft.com/office/drawing/2014/main" id="{BE82C76E-648C-41EF-85F4-9FCB5660737F}"/>
               </a:ext>
             </a:extLst>
           </p:cNvPr>
-          <p:cNvSpPr>
-            <a:spLocks noGrp="1"/>
-          </p:cNvSpPr>
-          <p:nvPr>
-            <p:ph type="dt" sz="half" idx="10"/>
-          </p:nvPr>
-        </p:nvSpPr>
-        <p:spPr/>
-        <p:txBody>
-          <a:bodyPr/>
-          <a:lstStyle/>
-          <a:p>
-            <a:fld id="{59465601-719B-4E6A-AB2C-8EA0F0E06762}" type="datetime1">
-              <a:rPr lang="en-US" smtClean="0"/>
-              <a:t>1/6/2023</a:t>
-            </a:fld>
-            <a:endParaRPr lang="en-US"/>
-          </a:p>
-        </p:txBody>
-      </p:sp>
-      <p:sp>
-        <p:nvSpPr>
-          <p:cNvPr id="6" name="Footer Placeholder 5">
+          <p:cNvGrpSpPr/>
+          <p:nvPr/>
+        </p:nvGrpSpPr>
+        <p:grpSpPr>
+          <a:xfrm>
+            <a:off x="414835" y="1524000"/>
+            <a:ext cx="5908177" cy="5145831"/>
+            <a:chOff x="414835" y="1524000"/>
+            <a:chExt cx="5908177" cy="5145831"/>
+          </a:xfrm>
+        </p:grpSpPr>
+        <p:pic>
+          <p:nvPicPr>
+            <p:cNvPr id="9" name="Picture 4">
+              <a:extLst>
+                <a:ext uri="{FF2B5EF4-FFF2-40B4-BE49-F238E27FC236}">
+                  <a16:creationId xmlns:a16="http://schemas.microsoft.com/office/drawing/2014/main" id="{9E2AC592-9E0E-4E46-BC67-042486BA7CF8}"/>
+                </a:ext>
+              </a:extLst>
+            </p:cNvPr>
+            <p:cNvPicPr>
+              <a:picLocks noChangeAspect="1" noChangeArrowheads="1"/>
+            </p:cNvPicPr>
+            <p:nvPr/>
+          </p:nvPicPr>
+          <p:blipFill>
+            <a:blip r:embed="rId3">
+              <a:extLst>
+                <a:ext uri="{28A0092B-C50C-407E-A947-70E740481C1C}">
+                  <a14:useLocalDpi xmlns:a14="http://schemas.microsoft.com/office/drawing/2010/main" val="0"/>
+                </a:ext>
+              </a:extLst>
+            </a:blip>
+            <a:srcRect/>
+            <a:stretch>
+              <a:fillRect/>
+            </a:stretch>
+          </p:blipFill>
+          <p:spPr bwMode="auto">
+            <a:xfrm>
+              <a:off x="414835" y="1524000"/>
+              <a:ext cx="5908177" cy="5145831"/>
+            </a:xfrm>
+            <a:prstGeom prst="rect">
+              <a:avLst/>
+            </a:prstGeom>
+            <a:noFill/>
+            <a:extLst>
+              <a:ext uri="{909E8E84-426E-40DD-AFC4-6F175D3DCCD1}">
+                <a14:hiddenFill xmlns:a14="http://schemas.microsoft.com/office/drawing/2010/main">
+                  <a:solidFill>
+                    <a:srgbClr val="FFFFFF"/>
+                  </a:solidFill>
+                </a14:hiddenFill>
+              </a:ext>
+            </a:extLst>
+          </p:spPr>
+        </p:pic>
+        <p:cxnSp>
+          <p:nvCxnSpPr>
+            <p:cNvPr id="10" name="Straight Connector 9">
+              <a:extLst>
+                <a:ext uri="{FF2B5EF4-FFF2-40B4-BE49-F238E27FC236}">
+                  <a16:creationId xmlns:a16="http://schemas.microsoft.com/office/drawing/2014/main" id="{F59CEF8C-939B-4F2F-AB3A-F11DD201C4BF}"/>
+                </a:ext>
+              </a:extLst>
+            </p:cNvPr>
+            <p:cNvCxnSpPr>
+              <a:cxnSpLocks/>
+            </p:cNvCxnSpPr>
+            <p:nvPr/>
+          </p:nvCxnSpPr>
+          <p:spPr>
+            <a:xfrm>
+              <a:off x="1614537" y="1730477"/>
+              <a:ext cx="3811229" cy="3733800"/>
+            </a:xfrm>
+            <a:prstGeom prst="line">
+              <a:avLst/>
+            </a:prstGeom>
+            <a:ln w="38100">
+              <a:solidFill>
+                <a:srgbClr val="0070C0"/>
+              </a:solidFill>
+            </a:ln>
+          </p:spPr>
+          <p:style>
+            <a:lnRef idx="1">
+              <a:schemeClr val="accent1"/>
+            </a:lnRef>
+            <a:fillRef idx="0">
+              <a:schemeClr val="accent1"/>
+            </a:fillRef>
+            <a:effectRef idx="0">
+              <a:schemeClr val="accent1"/>
+            </a:effectRef>
+            <a:fontRef idx="minor">
+              <a:schemeClr val="tx1"/>
+            </a:fontRef>
+          </p:style>
+        </p:cxnSp>
+      </p:grpSp>
+    </p:spTree>
+    <p:extLst>
+      <p:ext uri="{BB962C8B-B14F-4D97-AF65-F5344CB8AC3E}">
+        <p14:creationId xmlns:p14="http://schemas.microsoft.com/office/powerpoint/2010/main" val="3270453842"/>
+      </p:ext>
+    </p:extLst>
+  </p:cSld>
+  <p:clrMapOvr>
+    <a:masterClrMapping/>
+  </p:clrMapOvr>
+  <mc:AlternateContent xmlns:mc="http://schemas.openxmlformats.org/markup-compatibility/2006" xmlns:p14="http://schemas.microsoft.com/office/powerpoint/2010/main">
+    <mc:Choice Requires="p14">
+      <p:transition spd="med" p14:dur="700">
+        <p:fade/>
+      </p:transition>
+    </mc:Choice>
+    <mc:Fallback xmlns="">
+      <p:transition spd="med">
+        <p:fade/>
+      </p:transition>
+    </mc:Fallback>
+  </mc:AlternateContent>
+</p:sld>
+</file>
+
+<file path=ppt/slides/slide9.xml><?xml version="1.0" encoding="utf-8"?>
+<p:sld xmlns:a="http://schemas.openxmlformats.org/drawingml/2006/main" xmlns:r="http://schemas.openxmlformats.org/officeDocument/2006/relationships" xmlns:p="http://schemas.openxmlformats.org/presentationml/2006/main">
+  <p:cSld>
+    <p:spTree>
+      <p:nvGrpSpPr>
+        <p:cNvPr id="1" name=""/>
+        <p:cNvGrpSpPr/>
+        <p:nvPr/>
+      </p:nvGrpSpPr>
+      <p:grpSpPr>
+        <a:xfrm>
+          <a:off x="0" y="0"/>
+          <a:ext cx="0" cy="0"/>
+          <a:chOff x="0" y="0"/>
+          <a:chExt cx="0" cy="0"/>
+        </a:xfrm>
+      </p:grpSpPr>
+      <p:sp>
+        <p:nvSpPr>
+          <p:cNvPr id="5" name="Title 4">
             <a:extLst>
               <a:ext uri="{FF2B5EF4-FFF2-40B4-BE49-F238E27FC236}">
-                <a16:creationId xmlns:a16="http://schemas.microsoft.com/office/drawing/2014/main" id="{C0D9F1BE-40B9-4AE2-912F-DB23BB9E1A16}"/>
+                <a16:creationId xmlns:a16="http://schemas.microsoft.com/office/drawing/2014/main" id="{37FCFE69-7B69-48E9-8E9D-A07D4A07087E}"/>
               </a:ext>
             </a:extLst>
           </p:cNvPr>
@@ -7007,7 +10304,7 @@
             <a:spLocks noGrp="1"/>
           </p:cNvSpPr>
           <p:nvPr>
-            <p:ph type="ftr" sz="quarter" idx="11"/>
+            <p:ph type="title"/>
           </p:nvPr>
         </p:nvSpPr>
         <p:spPr/>
@@ -7016,19 +10313,18 @@
           <a:lstStyle/>
           <a:p>
             <a:r>
-              <a:rPr lang="en-US"/>
-              <a:t>Alexander White // Deloitte AI Academy Capstone</a:t>
-            </a:r>
-            <a:endParaRPr lang="en-US" dirty="0"/>
-          </a:p>
-        </p:txBody>
-      </p:sp>
-      <p:sp>
-        <p:nvSpPr>
-          <p:cNvPr id="7" name="Slide Number Placeholder 6">
+              <a:rPr lang="en-US" dirty="0"/>
+              <a:t>Final Model Selection</a:t>
+            </a:r>
+          </a:p>
+        </p:txBody>
+      </p:sp>
+      <p:sp>
+        <p:nvSpPr>
+          <p:cNvPr id="6" name="Content Placeholder 5">
             <a:extLst>
               <a:ext uri="{FF2B5EF4-FFF2-40B4-BE49-F238E27FC236}">
-                <a16:creationId xmlns:a16="http://schemas.microsoft.com/office/drawing/2014/main" id="{00F97DD8-1714-4770-B3D9-7BB8707FCAE6}"/>
+                <a16:creationId xmlns:a16="http://schemas.microsoft.com/office/drawing/2014/main" id="{990AE0D2-93DB-4ECA-970A-F17C5EB6EFEE}"/>
               </a:ext>
             </a:extLst>
           </p:cNvPr>
@@ -7036,6 +10332,103 @@
             <a:spLocks noGrp="1"/>
           </p:cNvSpPr>
           <p:nvPr>
+            <p:ph idx="1"/>
+          </p:nvPr>
+        </p:nvSpPr>
+        <p:spPr/>
+        <p:txBody>
+          <a:bodyPr/>
+          <a:lstStyle/>
+          <a:p>
+            <a:r>
+              <a:rPr lang="en-US" dirty="0"/>
+              <a:t>The initial model performed under our expectations, but did work.</a:t>
+            </a:r>
+          </a:p>
+          <a:p>
+            <a:r>
+              <a:rPr lang="en-US" dirty="0"/>
+              <a:t>Further training the model increased the accuracy but reduced the utility.</a:t>
+            </a:r>
+          </a:p>
+          <a:p>
+            <a:r>
+              <a:rPr lang="en-US" dirty="0"/>
+              <a:t>Using our complement naïve Bayes model with Term Frequency – Inverse Document Frequency data, we can predict a book’s genre from its summary about 1 in 5 times.</a:t>
+            </a:r>
+          </a:p>
+        </p:txBody>
+      </p:sp>
+      <p:sp>
+        <p:nvSpPr>
+          <p:cNvPr id="2" name="Date Placeholder 1">
+            <a:extLst>
+              <a:ext uri="{FF2B5EF4-FFF2-40B4-BE49-F238E27FC236}">
+                <a16:creationId xmlns:a16="http://schemas.microsoft.com/office/drawing/2014/main" id="{709CB862-675C-4F5D-9AC2-76CB3C86F558}"/>
+              </a:ext>
+            </a:extLst>
+          </p:cNvPr>
+          <p:cNvSpPr>
+            <a:spLocks noGrp="1"/>
+          </p:cNvSpPr>
+          <p:nvPr>
+            <p:ph type="dt" sz="half" idx="10"/>
+          </p:nvPr>
+        </p:nvSpPr>
+        <p:spPr/>
+        <p:txBody>
+          <a:bodyPr/>
+          <a:lstStyle/>
+          <a:p>
+            <a:fld id="{F376897F-73D0-4379-B4D3-F89FE5196D70}" type="datetime1">
+              <a:rPr lang="en-US" smtClean="0"/>
+              <a:t>1/13/2023</a:t>
+            </a:fld>
+            <a:endParaRPr lang="en-US"/>
+          </a:p>
+        </p:txBody>
+      </p:sp>
+      <p:sp>
+        <p:nvSpPr>
+          <p:cNvPr id="3" name="Footer Placeholder 2">
+            <a:extLst>
+              <a:ext uri="{FF2B5EF4-FFF2-40B4-BE49-F238E27FC236}">
+                <a16:creationId xmlns:a16="http://schemas.microsoft.com/office/drawing/2014/main" id="{175826AB-9F35-44F3-9BF5-18F386ECF23E}"/>
+              </a:ext>
+            </a:extLst>
+          </p:cNvPr>
+          <p:cNvSpPr>
+            <a:spLocks noGrp="1"/>
+          </p:cNvSpPr>
+          <p:nvPr>
+            <p:ph type="ftr" sz="quarter" idx="11"/>
+          </p:nvPr>
+        </p:nvSpPr>
+        <p:spPr/>
+        <p:txBody>
+          <a:bodyPr/>
+          <a:lstStyle/>
+          <a:p>
+            <a:r>
+              <a:rPr lang="en-US" dirty="0"/>
+              <a:t>Alexander White // Deloitte AI Academy Capstone</a:t>
+            </a:r>
+          </a:p>
+        </p:txBody>
+      </p:sp>
+      <p:sp>
+        <p:nvSpPr>
+          <p:cNvPr id="4" name="Slide Number Placeholder 3">
+            <a:extLst>
+              <a:ext uri="{FF2B5EF4-FFF2-40B4-BE49-F238E27FC236}">
+                <a16:creationId xmlns:a16="http://schemas.microsoft.com/office/drawing/2014/main" id="{5321DA2E-999B-4AEC-962F-06162483B99D}"/>
+              </a:ext>
+            </a:extLst>
+          </p:cNvPr>
+          <p:cNvSpPr>
+            <a:spLocks noGrp="1"/>
+          </p:cNvSpPr>
+          <p:nvPr>
             <p:ph type="sldNum" sz="quarter" idx="12"/>
           </p:nvPr>
         </p:nvSpPr>
@@ -7046,8 +10439,7 @@
           <a:p>
             <a:fld id="{EB37DED6-D4C7-42EE-AB49-D2E39E64FDE4}" type="slidenum">
               <a:rPr lang="en-US" smtClean="0"/>
-              <a:pPr/>
-              <a:t>8</a:t>
+              <a:t>9</a:t>
             </a:fld>
             <a:endParaRPr lang="en-US"/>
           </a:p>
@@ -7056,7 +10448,7 @@
     </p:spTree>
     <p:extLst>
       <p:ext uri="{BB962C8B-B14F-4D97-AF65-F5344CB8AC3E}">
-        <p14:creationId xmlns:p14="http://schemas.microsoft.com/office/powerpoint/2010/main" val="2255050080"/>
+        <p14:creationId xmlns:p14="http://schemas.microsoft.com/office/powerpoint/2010/main" val="3948015329"/>
       </p:ext>
     </p:extLst>
   </p:cSld>
